--- a/cse106/slides/Lecture5.pptx
+++ b/cse106/slides/Lecture5.pptx
@@ -7,19 +7,23 @@
   <p:sldIdLst>
     <p:sldId id="295" r:id="rId2"/>
     <p:sldId id="258" r:id="rId3"/>
-    <p:sldId id="296" r:id="rId4"/>
-    <p:sldId id="312" r:id="rId5"/>
-    <p:sldId id="314" r:id="rId6"/>
-    <p:sldId id="313" r:id="rId7"/>
-    <p:sldId id="315" r:id="rId8"/>
-    <p:sldId id="316" r:id="rId9"/>
-    <p:sldId id="317" r:id="rId10"/>
-    <p:sldId id="318" r:id="rId11"/>
-    <p:sldId id="319" r:id="rId12"/>
-    <p:sldId id="320" r:id="rId13"/>
-    <p:sldId id="321" r:id="rId14"/>
-    <p:sldId id="322" r:id="rId15"/>
-    <p:sldId id="323" r:id="rId16"/>
+    <p:sldId id="324" r:id="rId4"/>
+    <p:sldId id="325" r:id="rId5"/>
+    <p:sldId id="296" r:id="rId6"/>
+    <p:sldId id="326" r:id="rId7"/>
+    <p:sldId id="327" r:id="rId8"/>
+    <p:sldId id="313" r:id="rId9"/>
+    <p:sldId id="315" r:id="rId10"/>
+    <p:sldId id="328" r:id="rId11"/>
+    <p:sldId id="316" r:id="rId12"/>
+    <p:sldId id="317" r:id="rId13"/>
+    <p:sldId id="318" r:id="rId14"/>
+    <p:sldId id="329" r:id="rId15"/>
+    <p:sldId id="319" r:id="rId16"/>
+    <p:sldId id="320" r:id="rId17"/>
+    <p:sldId id="321" r:id="rId18"/>
+    <p:sldId id="322" r:id="rId19"/>
+    <p:sldId id="323" r:id="rId20"/>
   </p:sldIdLst>
   <p:sldSz cx="12192000" cy="6858000"/>
   <p:notesSz cx="6858000" cy="9144000"/>
@@ -159,7 +163,7 @@
           <p:cNvPr id="2" name="Title 1">
             <a:extLst>
               <a:ext uri="{FF2B5EF4-FFF2-40B4-BE49-F238E27FC236}">
-                <a16:creationId xmlns="" xmlns:a16="http://schemas.microsoft.com/office/drawing/2014/main" id="{90852FDB-C65D-41E9-89C2-C530EF2B4746}"/>
+                <a16:creationId xmlns:a16="http://schemas.microsoft.com/office/drawing/2014/main" xmlns="" id="{90852FDB-C65D-41E9-89C2-C530EF2B4746}"/>
               </a:ext>
             </a:extLst>
           </p:cNvPr>
@@ -196,7 +200,7 @@
           <p:cNvPr id="3" name="Subtitle 2">
             <a:extLst>
               <a:ext uri="{FF2B5EF4-FFF2-40B4-BE49-F238E27FC236}">
-                <a16:creationId xmlns="" xmlns:a16="http://schemas.microsoft.com/office/drawing/2014/main" id="{8CAEEF26-7C22-4F4D-8311-CA7D08600B83}"/>
+                <a16:creationId xmlns:a16="http://schemas.microsoft.com/office/drawing/2014/main" xmlns="" id="{8CAEEF26-7C22-4F4D-8311-CA7D08600B83}"/>
               </a:ext>
             </a:extLst>
           </p:cNvPr>
@@ -266,7 +270,7 @@
           <p:cNvPr id="4" name="Date Placeholder 3">
             <a:extLst>
               <a:ext uri="{FF2B5EF4-FFF2-40B4-BE49-F238E27FC236}">
-                <a16:creationId xmlns="" xmlns:a16="http://schemas.microsoft.com/office/drawing/2014/main" id="{D4FED0D7-458C-455E-8544-7F4FB227E4EF}"/>
+                <a16:creationId xmlns:a16="http://schemas.microsoft.com/office/drawing/2014/main" xmlns="" id="{D4FED0D7-458C-455E-8544-7F4FB227E4EF}"/>
               </a:ext>
             </a:extLst>
           </p:cNvPr>
@@ -284,7 +288,7 @@
           <a:p>
             <a:fld id="{072FDDB4-F553-424D-81C5-266A1B530A90}" type="datetimeFigureOut">
               <a:rPr lang="en-US" smtClean="0"/>
-              <a:t>2/23/2020</a:t>
+              <a:t>8/16/2020</a:t>
             </a:fld>
             <a:endParaRPr lang="en-US"/>
           </a:p>
@@ -295,7 +299,7 @@
           <p:cNvPr id="5" name="Footer Placeholder 4">
             <a:extLst>
               <a:ext uri="{FF2B5EF4-FFF2-40B4-BE49-F238E27FC236}">
-                <a16:creationId xmlns="" xmlns:a16="http://schemas.microsoft.com/office/drawing/2014/main" id="{724BE479-F30A-42AD-9F57-F69961CF74EC}"/>
+                <a16:creationId xmlns:a16="http://schemas.microsoft.com/office/drawing/2014/main" xmlns="" id="{724BE479-F30A-42AD-9F57-F69961CF74EC}"/>
               </a:ext>
             </a:extLst>
           </p:cNvPr>
@@ -320,7 +324,7 @@
           <p:cNvPr id="6" name="Slide Number Placeholder 5">
             <a:extLst>
               <a:ext uri="{FF2B5EF4-FFF2-40B4-BE49-F238E27FC236}">
-                <a16:creationId xmlns="" xmlns:a16="http://schemas.microsoft.com/office/drawing/2014/main" id="{77E6237C-6508-45AC-A65A-8988FEA37170}"/>
+                <a16:creationId xmlns:a16="http://schemas.microsoft.com/office/drawing/2014/main" xmlns="" id="{77E6237C-6508-45AC-A65A-8988FEA37170}"/>
               </a:ext>
             </a:extLst>
           </p:cNvPr>
@@ -379,7 +383,7 @@
           <p:cNvPr id="2" name="Title 1">
             <a:extLst>
               <a:ext uri="{FF2B5EF4-FFF2-40B4-BE49-F238E27FC236}">
-                <a16:creationId xmlns="" xmlns:a16="http://schemas.microsoft.com/office/drawing/2014/main" id="{EAC09935-CB0F-4147-B42A-ED3B9F1E3CDA}"/>
+                <a16:creationId xmlns:a16="http://schemas.microsoft.com/office/drawing/2014/main" xmlns="" id="{EAC09935-CB0F-4147-B42A-ED3B9F1E3CDA}"/>
               </a:ext>
             </a:extLst>
           </p:cNvPr>
@@ -407,7 +411,7 @@
           <p:cNvPr id="3" name="Vertical Text Placeholder 2">
             <a:extLst>
               <a:ext uri="{FF2B5EF4-FFF2-40B4-BE49-F238E27FC236}">
-                <a16:creationId xmlns="" xmlns:a16="http://schemas.microsoft.com/office/drawing/2014/main" id="{7019B112-47D9-477E-8F70-56F30DEC2565}"/>
+                <a16:creationId xmlns:a16="http://schemas.microsoft.com/office/drawing/2014/main" xmlns="" id="{7019B112-47D9-477E-8F70-56F30DEC2565}"/>
               </a:ext>
             </a:extLst>
           </p:cNvPr>
@@ -464,7 +468,7 @@
           <p:cNvPr id="4" name="Date Placeholder 3">
             <a:extLst>
               <a:ext uri="{FF2B5EF4-FFF2-40B4-BE49-F238E27FC236}">
-                <a16:creationId xmlns="" xmlns:a16="http://schemas.microsoft.com/office/drawing/2014/main" id="{B0C16462-43A1-462A-AE45-0EF834CF4802}"/>
+                <a16:creationId xmlns:a16="http://schemas.microsoft.com/office/drawing/2014/main" xmlns="" id="{B0C16462-43A1-462A-AE45-0EF834CF4802}"/>
               </a:ext>
             </a:extLst>
           </p:cNvPr>
@@ -482,7 +486,7 @@
           <a:p>
             <a:fld id="{072FDDB4-F553-424D-81C5-266A1B530A90}" type="datetimeFigureOut">
               <a:rPr lang="en-US" smtClean="0"/>
-              <a:t>2/23/2020</a:t>
+              <a:t>8/16/2020</a:t>
             </a:fld>
             <a:endParaRPr lang="en-US"/>
           </a:p>
@@ -493,7 +497,7 @@
           <p:cNvPr id="5" name="Footer Placeholder 4">
             <a:extLst>
               <a:ext uri="{FF2B5EF4-FFF2-40B4-BE49-F238E27FC236}">
-                <a16:creationId xmlns="" xmlns:a16="http://schemas.microsoft.com/office/drawing/2014/main" id="{509A7AE0-42F4-434A-A672-3BF167C6D54C}"/>
+                <a16:creationId xmlns:a16="http://schemas.microsoft.com/office/drawing/2014/main" xmlns="" id="{509A7AE0-42F4-434A-A672-3BF167C6D54C}"/>
               </a:ext>
             </a:extLst>
           </p:cNvPr>
@@ -518,7 +522,7 @@
           <p:cNvPr id="6" name="Slide Number Placeholder 5">
             <a:extLst>
               <a:ext uri="{FF2B5EF4-FFF2-40B4-BE49-F238E27FC236}">
-                <a16:creationId xmlns="" xmlns:a16="http://schemas.microsoft.com/office/drawing/2014/main" id="{3A77513D-7167-431D-9243-B45CAF3522DD}"/>
+                <a16:creationId xmlns:a16="http://schemas.microsoft.com/office/drawing/2014/main" xmlns="" id="{3A77513D-7167-431D-9243-B45CAF3522DD}"/>
               </a:ext>
             </a:extLst>
           </p:cNvPr>
@@ -577,7 +581,7 @@
           <p:cNvPr id="2" name="Vertical Title 1">
             <a:extLst>
               <a:ext uri="{FF2B5EF4-FFF2-40B4-BE49-F238E27FC236}">
-                <a16:creationId xmlns="" xmlns:a16="http://schemas.microsoft.com/office/drawing/2014/main" id="{181DC520-FEA9-492D-A282-4EB0B653B1F0}"/>
+                <a16:creationId xmlns:a16="http://schemas.microsoft.com/office/drawing/2014/main" xmlns="" id="{181DC520-FEA9-492D-A282-4EB0B653B1F0}"/>
               </a:ext>
             </a:extLst>
           </p:cNvPr>
@@ -610,7 +614,7 @@
           <p:cNvPr id="3" name="Vertical Text Placeholder 2">
             <a:extLst>
               <a:ext uri="{FF2B5EF4-FFF2-40B4-BE49-F238E27FC236}">
-                <a16:creationId xmlns="" xmlns:a16="http://schemas.microsoft.com/office/drawing/2014/main" id="{D7E4A549-EDB1-49AE-91E7-4B9F9B07A1B4}"/>
+                <a16:creationId xmlns:a16="http://schemas.microsoft.com/office/drawing/2014/main" xmlns="" id="{D7E4A549-EDB1-49AE-91E7-4B9F9B07A1B4}"/>
               </a:ext>
             </a:extLst>
           </p:cNvPr>
@@ -672,7 +676,7 @@
           <p:cNvPr id="4" name="Date Placeholder 3">
             <a:extLst>
               <a:ext uri="{FF2B5EF4-FFF2-40B4-BE49-F238E27FC236}">
-                <a16:creationId xmlns="" xmlns:a16="http://schemas.microsoft.com/office/drawing/2014/main" id="{E2A75A99-64FD-4982-B025-60A2A3AD1BD5}"/>
+                <a16:creationId xmlns:a16="http://schemas.microsoft.com/office/drawing/2014/main" xmlns="" id="{E2A75A99-64FD-4982-B025-60A2A3AD1BD5}"/>
               </a:ext>
             </a:extLst>
           </p:cNvPr>
@@ -690,7 +694,7 @@
           <a:p>
             <a:fld id="{072FDDB4-F553-424D-81C5-266A1B530A90}" type="datetimeFigureOut">
               <a:rPr lang="en-US" smtClean="0"/>
-              <a:t>2/23/2020</a:t>
+              <a:t>8/16/2020</a:t>
             </a:fld>
             <a:endParaRPr lang="en-US"/>
           </a:p>
@@ -701,7 +705,7 @@
           <p:cNvPr id="5" name="Footer Placeholder 4">
             <a:extLst>
               <a:ext uri="{FF2B5EF4-FFF2-40B4-BE49-F238E27FC236}">
-                <a16:creationId xmlns="" xmlns:a16="http://schemas.microsoft.com/office/drawing/2014/main" id="{192E719E-62FE-4BDD-B1A9-3903FF70DC69}"/>
+                <a16:creationId xmlns:a16="http://schemas.microsoft.com/office/drawing/2014/main" xmlns="" id="{192E719E-62FE-4BDD-B1A9-3903FF70DC69}"/>
               </a:ext>
             </a:extLst>
           </p:cNvPr>
@@ -726,7 +730,7 @@
           <p:cNvPr id="6" name="Slide Number Placeholder 5">
             <a:extLst>
               <a:ext uri="{FF2B5EF4-FFF2-40B4-BE49-F238E27FC236}">
-                <a16:creationId xmlns="" xmlns:a16="http://schemas.microsoft.com/office/drawing/2014/main" id="{BC660DEE-60E9-491D-BCCD-66BF7BBEB59B}"/>
+                <a16:creationId xmlns:a16="http://schemas.microsoft.com/office/drawing/2014/main" xmlns="" id="{BC660DEE-60E9-491D-BCCD-66BF7BBEB59B}"/>
               </a:ext>
             </a:extLst>
           </p:cNvPr>
@@ -785,7 +789,7 @@
           <p:cNvPr id="2" name="Title 1">
             <a:extLst>
               <a:ext uri="{FF2B5EF4-FFF2-40B4-BE49-F238E27FC236}">
-                <a16:creationId xmlns="" xmlns:a16="http://schemas.microsoft.com/office/drawing/2014/main" id="{EAF828E4-CD31-4E08-9042-18A54834AA62}"/>
+                <a16:creationId xmlns:a16="http://schemas.microsoft.com/office/drawing/2014/main" xmlns="" id="{EAF828E4-CD31-4E08-9042-18A54834AA62}"/>
               </a:ext>
             </a:extLst>
           </p:cNvPr>
@@ -813,7 +817,7 @@
           <p:cNvPr id="3" name="Content Placeholder 2">
             <a:extLst>
               <a:ext uri="{FF2B5EF4-FFF2-40B4-BE49-F238E27FC236}">
-                <a16:creationId xmlns="" xmlns:a16="http://schemas.microsoft.com/office/drawing/2014/main" id="{8BA8D670-48EE-4E79-9632-ED6C0C65FA34}"/>
+                <a16:creationId xmlns:a16="http://schemas.microsoft.com/office/drawing/2014/main" xmlns="" id="{8BA8D670-48EE-4E79-9632-ED6C0C65FA34}"/>
               </a:ext>
             </a:extLst>
           </p:cNvPr>
@@ -870,7 +874,7 @@
           <p:cNvPr id="4" name="Date Placeholder 3">
             <a:extLst>
               <a:ext uri="{FF2B5EF4-FFF2-40B4-BE49-F238E27FC236}">
-                <a16:creationId xmlns="" xmlns:a16="http://schemas.microsoft.com/office/drawing/2014/main" id="{D426F468-0AD5-4234-B33C-A5A21E0E6E8F}"/>
+                <a16:creationId xmlns:a16="http://schemas.microsoft.com/office/drawing/2014/main" xmlns="" id="{D426F468-0AD5-4234-B33C-A5A21E0E6E8F}"/>
               </a:ext>
             </a:extLst>
           </p:cNvPr>
@@ -888,7 +892,7 @@
           <a:p>
             <a:fld id="{072FDDB4-F553-424D-81C5-266A1B530A90}" type="datetimeFigureOut">
               <a:rPr lang="en-US" smtClean="0"/>
-              <a:t>2/23/2020</a:t>
+              <a:t>8/16/2020</a:t>
             </a:fld>
             <a:endParaRPr lang="en-US"/>
           </a:p>
@@ -899,7 +903,7 @@
           <p:cNvPr id="5" name="Footer Placeholder 4">
             <a:extLst>
               <a:ext uri="{FF2B5EF4-FFF2-40B4-BE49-F238E27FC236}">
-                <a16:creationId xmlns="" xmlns:a16="http://schemas.microsoft.com/office/drawing/2014/main" id="{F07F4839-FB68-485F-8927-47F468A813F9}"/>
+                <a16:creationId xmlns:a16="http://schemas.microsoft.com/office/drawing/2014/main" xmlns="" id="{F07F4839-FB68-485F-8927-47F468A813F9}"/>
               </a:ext>
             </a:extLst>
           </p:cNvPr>
@@ -924,7 +928,7 @@
           <p:cNvPr id="6" name="Slide Number Placeholder 5">
             <a:extLst>
               <a:ext uri="{FF2B5EF4-FFF2-40B4-BE49-F238E27FC236}">
-                <a16:creationId xmlns="" xmlns:a16="http://schemas.microsoft.com/office/drawing/2014/main" id="{465E2014-BE1B-4729-A66C-3BD8CAB2813E}"/>
+                <a16:creationId xmlns:a16="http://schemas.microsoft.com/office/drawing/2014/main" xmlns="" id="{465E2014-BE1B-4729-A66C-3BD8CAB2813E}"/>
               </a:ext>
             </a:extLst>
           </p:cNvPr>
@@ -983,7 +987,7 @@
           <p:cNvPr id="2" name="Title 1">
             <a:extLst>
               <a:ext uri="{FF2B5EF4-FFF2-40B4-BE49-F238E27FC236}">
-                <a16:creationId xmlns="" xmlns:a16="http://schemas.microsoft.com/office/drawing/2014/main" id="{A782AB2D-E870-419D-97BC-61742125C13F}"/>
+                <a16:creationId xmlns:a16="http://schemas.microsoft.com/office/drawing/2014/main" xmlns="" id="{A782AB2D-E870-419D-97BC-61742125C13F}"/>
               </a:ext>
             </a:extLst>
           </p:cNvPr>
@@ -1020,7 +1024,7 @@
           <p:cNvPr id="3" name="Text Placeholder 2">
             <a:extLst>
               <a:ext uri="{FF2B5EF4-FFF2-40B4-BE49-F238E27FC236}">
-                <a16:creationId xmlns="" xmlns:a16="http://schemas.microsoft.com/office/drawing/2014/main" id="{A5A07E9E-5920-4D15-94AB-989A48360C3E}"/>
+                <a16:creationId xmlns:a16="http://schemas.microsoft.com/office/drawing/2014/main" xmlns="" id="{A5A07E9E-5920-4D15-94AB-989A48360C3E}"/>
               </a:ext>
             </a:extLst>
           </p:cNvPr>
@@ -1145,7 +1149,7 @@
           <p:cNvPr id="4" name="Date Placeholder 3">
             <a:extLst>
               <a:ext uri="{FF2B5EF4-FFF2-40B4-BE49-F238E27FC236}">
-                <a16:creationId xmlns="" xmlns:a16="http://schemas.microsoft.com/office/drawing/2014/main" id="{79CB3C6E-1A37-41A5-A05B-7046DE330FDB}"/>
+                <a16:creationId xmlns:a16="http://schemas.microsoft.com/office/drawing/2014/main" xmlns="" id="{79CB3C6E-1A37-41A5-A05B-7046DE330FDB}"/>
               </a:ext>
             </a:extLst>
           </p:cNvPr>
@@ -1163,7 +1167,7 @@
           <a:p>
             <a:fld id="{072FDDB4-F553-424D-81C5-266A1B530A90}" type="datetimeFigureOut">
               <a:rPr lang="en-US" smtClean="0"/>
-              <a:t>2/23/2020</a:t>
+              <a:t>8/16/2020</a:t>
             </a:fld>
             <a:endParaRPr lang="en-US"/>
           </a:p>
@@ -1174,7 +1178,7 @@
           <p:cNvPr id="5" name="Footer Placeholder 4">
             <a:extLst>
               <a:ext uri="{FF2B5EF4-FFF2-40B4-BE49-F238E27FC236}">
-                <a16:creationId xmlns="" xmlns:a16="http://schemas.microsoft.com/office/drawing/2014/main" id="{45ADBC4C-8B94-4DFB-9121-41A7345506AC}"/>
+                <a16:creationId xmlns:a16="http://schemas.microsoft.com/office/drawing/2014/main" xmlns="" id="{45ADBC4C-8B94-4DFB-9121-41A7345506AC}"/>
               </a:ext>
             </a:extLst>
           </p:cNvPr>
@@ -1199,7 +1203,7 @@
           <p:cNvPr id="6" name="Slide Number Placeholder 5">
             <a:extLst>
               <a:ext uri="{FF2B5EF4-FFF2-40B4-BE49-F238E27FC236}">
-                <a16:creationId xmlns="" xmlns:a16="http://schemas.microsoft.com/office/drawing/2014/main" id="{9C92F611-984C-4700-8F37-9E1549C6F5A0}"/>
+                <a16:creationId xmlns:a16="http://schemas.microsoft.com/office/drawing/2014/main" xmlns="" id="{9C92F611-984C-4700-8F37-9E1549C6F5A0}"/>
               </a:ext>
             </a:extLst>
           </p:cNvPr>
@@ -1258,7 +1262,7 @@
           <p:cNvPr id="2" name="Title 1">
             <a:extLst>
               <a:ext uri="{FF2B5EF4-FFF2-40B4-BE49-F238E27FC236}">
-                <a16:creationId xmlns="" xmlns:a16="http://schemas.microsoft.com/office/drawing/2014/main" id="{D4ADE4F3-2E91-4B7B-A523-4F20D9DB4FD2}"/>
+                <a16:creationId xmlns:a16="http://schemas.microsoft.com/office/drawing/2014/main" xmlns="" id="{D4ADE4F3-2E91-4B7B-A523-4F20D9DB4FD2}"/>
               </a:ext>
             </a:extLst>
           </p:cNvPr>
@@ -1286,7 +1290,7 @@
           <p:cNvPr id="3" name="Content Placeholder 2">
             <a:extLst>
               <a:ext uri="{FF2B5EF4-FFF2-40B4-BE49-F238E27FC236}">
-                <a16:creationId xmlns="" xmlns:a16="http://schemas.microsoft.com/office/drawing/2014/main" id="{30BFEFF9-26D6-4A12-9EA0-C90492A03A30}"/>
+                <a16:creationId xmlns:a16="http://schemas.microsoft.com/office/drawing/2014/main" xmlns="" id="{30BFEFF9-26D6-4A12-9EA0-C90492A03A30}"/>
               </a:ext>
             </a:extLst>
           </p:cNvPr>
@@ -1348,7 +1352,7 @@
           <p:cNvPr id="4" name="Content Placeholder 3">
             <a:extLst>
               <a:ext uri="{FF2B5EF4-FFF2-40B4-BE49-F238E27FC236}">
-                <a16:creationId xmlns="" xmlns:a16="http://schemas.microsoft.com/office/drawing/2014/main" id="{34E3AE41-6594-47EC-896F-6F854579A58D}"/>
+                <a16:creationId xmlns:a16="http://schemas.microsoft.com/office/drawing/2014/main" xmlns="" id="{34E3AE41-6594-47EC-896F-6F854579A58D}"/>
               </a:ext>
             </a:extLst>
           </p:cNvPr>
@@ -1410,7 +1414,7 @@
           <p:cNvPr id="5" name="Date Placeholder 4">
             <a:extLst>
               <a:ext uri="{FF2B5EF4-FFF2-40B4-BE49-F238E27FC236}">
-                <a16:creationId xmlns="" xmlns:a16="http://schemas.microsoft.com/office/drawing/2014/main" id="{9309353D-8B36-4661-8F38-7F672E0C6A54}"/>
+                <a16:creationId xmlns:a16="http://schemas.microsoft.com/office/drawing/2014/main" xmlns="" id="{9309353D-8B36-4661-8F38-7F672E0C6A54}"/>
               </a:ext>
             </a:extLst>
           </p:cNvPr>
@@ -1428,7 +1432,7 @@
           <a:p>
             <a:fld id="{072FDDB4-F553-424D-81C5-266A1B530A90}" type="datetimeFigureOut">
               <a:rPr lang="en-US" smtClean="0"/>
-              <a:t>2/23/2020</a:t>
+              <a:t>8/16/2020</a:t>
             </a:fld>
             <a:endParaRPr lang="en-US"/>
           </a:p>
@@ -1439,7 +1443,7 @@
           <p:cNvPr id="6" name="Footer Placeholder 5">
             <a:extLst>
               <a:ext uri="{FF2B5EF4-FFF2-40B4-BE49-F238E27FC236}">
-                <a16:creationId xmlns="" xmlns:a16="http://schemas.microsoft.com/office/drawing/2014/main" id="{57BE5FC0-FCB4-4A00-9B13-EF95E7822A7F}"/>
+                <a16:creationId xmlns:a16="http://schemas.microsoft.com/office/drawing/2014/main" xmlns="" id="{57BE5FC0-FCB4-4A00-9B13-EF95E7822A7F}"/>
               </a:ext>
             </a:extLst>
           </p:cNvPr>
@@ -1464,7 +1468,7 @@
           <p:cNvPr id="7" name="Slide Number Placeholder 6">
             <a:extLst>
               <a:ext uri="{FF2B5EF4-FFF2-40B4-BE49-F238E27FC236}">
-                <a16:creationId xmlns="" xmlns:a16="http://schemas.microsoft.com/office/drawing/2014/main" id="{81734B99-3D29-484C-B00E-6681F8E41520}"/>
+                <a16:creationId xmlns:a16="http://schemas.microsoft.com/office/drawing/2014/main" xmlns="" id="{81734B99-3D29-484C-B00E-6681F8E41520}"/>
               </a:ext>
             </a:extLst>
           </p:cNvPr>
@@ -1523,7 +1527,7 @@
           <p:cNvPr id="2" name="Title 1">
             <a:extLst>
               <a:ext uri="{FF2B5EF4-FFF2-40B4-BE49-F238E27FC236}">
-                <a16:creationId xmlns="" xmlns:a16="http://schemas.microsoft.com/office/drawing/2014/main" id="{16B0D425-A8D8-40C3-AADC-ED0A1F06480E}"/>
+                <a16:creationId xmlns:a16="http://schemas.microsoft.com/office/drawing/2014/main" xmlns="" id="{16B0D425-A8D8-40C3-AADC-ED0A1F06480E}"/>
               </a:ext>
             </a:extLst>
           </p:cNvPr>
@@ -1556,7 +1560,7 @@
           <p:cNvPr id="3" name="Text Placeholder 2">
             <a:extLst>
               <a:ext uri="{FF2B5EF4-FFF2-40B4-BE49-F238E27FC236}">
-                <a16:creationId xmlns="" xmlns:a16="http://schemas.microsoft.com/office/drawing/2014/main" id="{0ACE5B86-8B8A-4F2D-BF50-F9A1BFA1AD5B}"/>
+                <a16:creationId xmlns:a16="http://schemas.microsoft.com/office/drawing/2014/main" xmlns="" id="{0ACE5B86-8B8A-4F2D-BF50-F9A1BFA1AD5B}"/>
               </a:ext>
             </a:extLst>
           </p:cNvPr>
@@ -1627,7 +1631,7 @@
           <p:cNvPr id="4" name="Content Placeholder 3">
             <a:extLst>
               <a:ext uri="{FF2B5EF4-FFF2-40B4-BE49-F238E27FC236}">
-                <a16:creationId xmlns="" xmlns:a16="http://schemas.microsoft.com/office/drawing/2014/main" id="{502A5037-5960-4074-98D6-73D02BAD55CC}"/>
+                <a16:creationId xmlns:a16="http://schemas.microsoft.com/office/drawing/2014/main" xmlns="" id="{502A5037-5960-4074-98D6-73D02BAD55CC}"/>
               </a:ext>
             </a:extLst>
           </p:cNvPr>
@@ -1689,7 +1693,7 @@
           <p:cNvPr id="5" name="Text Placeholder 4">
             <a:extLst>
               <a:ext uri="{FF2B5EF4-FFF2-40B4-BE49-F238E27FC236}">
-                <a16:creationId xmlns="" xmlns:a16="http://schemas.microsoft.com/office/drawing/2014/main" id="{FD79AB3D-A0C4-43C8-9AE5-466CD15A04B3}"/>
+                <a16:creationId xmlns:a16="http://schemas.microsoft.com/office/drawing/2014/main" xmlns="" id="{FD79AB3D-A0C4-43C8-9AE5-466CD15A04B3}"/>
               </a:ext>
             </a:extLst>
           </p:cNvPr>
@@ -1760,7 +1764,7 @@
           <p:cNvPr id="6" name="Content Placeholder 5">
             <a:extLst>
               <a:ext uri="{FF2B5EF4-FFF2-40B4-BE49-F238E27FC236}">
-                <a16:creationId xmlns="" xmlns:a16="http://schemas.microsoft.com/office/drawing/2014/main" id="{6D78A97C-7EBD-4F84-BA6E-25D45A7C1436}"/>
+                <a16:creationId xmlns:a16="http://schemas.microsoft.com/office/drawing/2014/main" xmlns="" id="{6D78A97C-7EBD-4F84-BA6E-25D45A7C1436}"/>
               </a:ext>
             </a:extLst>
           </p:cNvPr>
@@ -1822,7 +1826,7 @@
           <p:cNvPr id="7" name="Date Placeholder 6">
             <a:extLst>
               <a:ext uri="{FF2B5EF4-FFF2-40B4-BE49-F238E27FC236}">
-                <a16:creationId xmlns="" xmlns:a16="http://schemas.microsoft.com/office/drawing/2014/main" id="{C577F049-3FBA-4D4F-94A1-4C75C32748C1}"/>
+                <a16:creationId xmlns:a16="http://schemas.microsoft.com/office/drawing/2014/main" xmlns="" id="{C577F049-3FBA-4D4F-94A1-4C75C32748C1}"/>
               </a:ext>
             </a:extLst>
           </p:cNvPr>
@@ -1840,7 +1844,7 @@
           <a:p>
             <a:fld id="{072FDDB4-F553-424D-81C5-266A1B530A90}" type="datetimeFigureOut">
               <a:rPr lang="en-US" smtClean="0"/>
-              <a:t>2/23/2020</a:t>
+              <a:t>8/16/2020</a:t>
             </a:fld>
             <a:endParaRPr lang="en-US"/>
           </a:p>
@@ -1851,7 +1855,7 @@
           <p:cNvPr id="8" name="Footer Placeholder 7">
             <a:extLst>
               <a:ext uri="{FF2B5EF4-FFF2-40B4-BE49-F238E27FC236}">
-                <a16:creationId xmlns="" xmlns:a16="http://schemas.microsoft.com/office/drawing/2014/main" id="{6770C7D9-907C-4916-8158-03680A1F480D}"/>
+                <a16:creationId xmlns:a16="http://schemas.microsoft.com/office/drawing/2014/main" xmlns="" id="{6770C7D9-907C-4916-8158-03680A1F480D}"/>
               </a:ext>
             </a:extLst>
           </p:cNvPr>
@@ -1876,7 +1880,7 @@
           <p:cNvPr id="9" name="Slide Number Placeholder 8">
             <a:extLst>
               <a:ext uri="{FF2B5EF4-FFF2-40B4-BE49-F238E27FC236}">
-                <a16:creationId xmlns="" xmlns:a16="http://schemas.microsoft.com/office/drawing/2014/main" id="{61C3B229-17EA-4B52-8721-91DCF9AA55FC}"/>
+                <a16:creationId xmlns:a16="http://schemas.microsoft.com/office/drawing/2014/main" xmlns="" id="{61C3B229-17EA-4B52-8721-91DCF9AA55FC}"/>
               </a:ext>
             </a:extLst>
           </p:cNvPr>
@@ -1935,7 +1939,7 @@
           <p:cNvPr id="2" name="Title 1">
             <a:extLst>
               <a:ext uri="{FF2B5EF4-FFF2-40B4-BE49-F238E27FC236}">
-                <a16:creationId xmlns="" xmlns:a16="http://schemas.microsoft.com/office/drawing/2014/main" id="{7DB11FC9-9919-4FE2-A084-F8E8852C460A}"/>
+                <a16:creationId xmlns:a16="http://schemas.microsoft.com/office/drawing/2014/main" xmlns="" id="{7DB11FC9-9919-4FE2-A084-F8E8852C460A}"/>
               </a:ext>
             </a:extLst>
           </p:cNvPr>
@@ -1963,7 +1967,7 @@
           <p:cNvPr id="3" name="Date Placeholder 2">
             <a:extLst>
               <a:ext uri="{FF2B5EF4-FFF2-40B4-BE49-F238E27FC236}">
-                <a16:creationId xmlns="" xmlns:a16="http://schemas.microsoft.com/office/drawing/2014/main" id="{B5F52948-BD2D-4B96-9757-E89999924032}"/>
+                <a16:creationId xmlns:a16="http://schemas.microsoft.com/office/drawing/2014/main" xmlns="" id="{B5F52948-BD2D-4B96-9757-E89999924032}"/>
               </a:ext>
             </a:extLst>
           </p:cNvPr>
@@ -1981,7 +1985,7 @@
           <a:p>
             <a:fld id="{072FDDB4-F553-424D-81C5-266A1B530A90}" type="datetimeFigureOut">
               <a:rPr lang="en-US" smtClean="0"/>
-              <a:t>2/23/2020</a:t>
+              <a:t>8/16/2020</a:t>
             </a:fld>
             <a:endParaRPr lang="en-US"/>
           </a:p>
@@ -1992,7 +1996,7 @@
           <p:cNvPr id="4" name="Footer Placeholder 3">
             <a:extLst>
               <a:ext uri="{FF2B5EF4-FFF2-40B4-BE49-F238E27FC236}">
-                <a16:creationId xmlns="" xmlns:a16="http://schemas.microsoft.com/office/drawing/2014/main" id="{C4EA6FBD-C6D4-429A-AF22-58EAED3EB1CC}"/>
+                <a16:creationId xmlns:a16="http://schemas.microsoft.com/office/drawing/2014/main" xmlns="" id="{C4EA6FBD-C6D4-429A-AF22-58EAED3EB1CC}"/>
               </a:ext>
             </a:extLst>
           </p:cNvPr>
@@ -2017,7 +2021,7 @@
           <p:cNvPr id="5" name="Slide Number Placeholder 4">
             <a:extLst>
               <a:ext uri="{FF2B5EF4-FFF2-40B4-BE49-F238E27FC236}">
-                <a16:creationId xmlns="" xmlns:a16="http://schemas.microsoft.com/office/drawing/2014/main" id="{22FCAB54-AAEC-412D-AD85-B853F8E4E9F4}"/>
+                <a16:creationId xmlns:a16="http://schemas.microsoft.com/office/drawing/2014/main" xmlns="" id="{22FCAB54-AAEC-412D-AD85-B853F8E4E9F4}"/>
               </a:ext>
             </a:extLst>
           </p:cNvPr>
@@ -2076,7 +2080,7 @@
           <p:cNvPr id="2" name="Date Placeholder 1">
             <a:extLst>
               <a:ext uri="{FF2B5EF4-FFF2-40B4-BE49-F238E27FC236}">
-                <a16:creationId xmlns="" xmlns:a16="http://schemas.microsoft.com/office/drawing/2014/main" id="{65EBC5A4-17CB-434C-9609-2219D1800D25}"/>
+                <a16:creationId xmlns:a16="http://schemas.microsoft.com/office/drawing/2014/main" xmlns="" id="{65EBC5A4-17CB-434C-9609-2219D1800D25}"/>
               </a:ext>
             </a:extLst>
           </p:cNvPr>
@@ -2094,7 +2098,7 @@
           <a:p>
             <a:fld id="{072FDDB4-F553-424D-81C5-266A1B530A90}" type="datetimeFigureOut">
               <a:rPr lang="en-US" smtClean="0"/>
-              <a:t>2/23/2020</a:t>
+              <a:t>8/16/2020</a:t>
             </a:fld>
             <a:endParaRPr lang="en-US"/>
           </a:p>
@@ -2105,7 +2109,7 @@
           <p:cNvPr id="3" name="Footer Placeholder 2">
             <a:extLst>
               <a:ext uri="{FF2B5EF4-FFF2-40B4-BE49-F238E27FC236}">
-                <a16:creationId xmlns="" xmlns:a16="http://schemas.microsoft.com/office/drawing/2014/main" id="{946A0E82-BFF7-48D4-B4BE-19F68E22B863}"/>
+                <a16:creationId xmlns:a16="http://schemas.microsoft.com/office/drawing/2014/main" xmlns="" id="{946A0E82-BFF7-48D4-B4BE-19F68E22B863}"/>
               </a:ext>
             </a:extLst>
           </p:cNvPr>
@@ -2130,7 +2134,7 @@
           <p:cNvPr id="4" name="Slide Number Placeholder 3">
             <a:extLst>
               <a:ext uri="{FF2B5EF4-FFF2-40B4-BE49-F238E27FC236}">
-                <a16:creationId xmlns="" xmlns:a16="http://schemas.microsoft.com/office/drawing/2014/main" id="{16E4AC46-62DE-4650-854E-0178023A6DFA}"/>
+                <a16:creationId xmlns:a16="http://schemas.microsoft.com/office/drawing/2014/main" xmlns="" id="{16E4AC46-62DE-4650-854E-0178023A6DFA}"/>
               </a:ext>
             </a:extLst>
           </p:cNvPr>
@@ -2189,7 +2193,7 @@
           <p:cNvPr id="2" name="Title 1">
             <a:extLst>
               <a:ext uri="{FF2B5EF4-FFF2-40B4-BE49-F238E27FC236}">
-                <a16:creationId xmlns="" xmlns:a16="http://schemas.microsoft.com/office/drawing/2014/main" id="{2611F1E2-AA8C-4F5A-AD3C-DE865B15D3C8}"/>
+                <a16:creationId xmlns:a16="http://schemas.microsoft.com/office/drawing/2014/main" xmlns="" id="{2611F1E2-AA8C-4F5A-AD3C-DE865B15D3C8}"/>
               </a:ext>
             </a:extLst>
           </p:cNvPr>
@@ -2226,7 +2230,7 @@
           <p:cNvPr id="3" name="Content Placeholder 2">
             <a:extLst>
               <a:ext uri="{FF2B5EF4-FFF2-40B4-BE49-F238E27FC236}">
-                <a16:creationId xmlns="" xmlns:a16="http://schemas.microsoft.com/office/drawing/2014/main" id="{BFAF90EB-2E06-4841-8535-150EBA092FAB}"/>
+                <a16:creationId xmlns:a16="http://schemas.microsoft.com/office/drawing/2014/main" xmlns="" id="{BFAF90EB-2E06-4841-8535-150EBA092FAB}"/>
               </a:ext>
             </a:extLst>
           </p:cNvPr>
@@ -2316,7 +2320,7 @@
           <p:cNvPr id="4" name="Text Placeholder 3">
             <a:extLst>
               <a:ext uri="{FF2B5EF4-FFF2-40B4-BE49-F238E27FC236}">
-                <a16:creationId xmlns="" xmlns:a16="http://schemas.microsoft.com/office/drawing/2014/main" id="{5B85B0F3-AC9A-47AB-AA9C-8696B66FEBC0}"/>
+                <a16:creationId xmlns:a16="http://schemas.microsoft.com/office/drawing/2014/main" xmlns="" id="{5B85B0F3-AC9A-47AB-AA9C-8696B66FEBC0}"/>
               </a:ext>
             </a:extLst>
           </p:cNvPr>
@@ -2387,7 +2391,7 @@
           <p:cNvPr id="5" name="Date Placeholder 4">
             <a:extLst>
               <a:ext uri="{FF2B5EF4-FFF2-40B4-BE49-F238E27FC236}">
-                <a16:creationId xmlns="" xmlns:a16="http://schemas.microsoft.com/office/drawing/2014/main" id="{E6C64471-6160-4EAC-BB24-78B60CD5D555}"/>
+                <a16:creationId xmlns:a16="http://schemas.microsoft.com/office/drawing/2014/main" xmlns="" id="{E6C64471-6160-4EAC-BB24-78B60CD5D555}"/>
               </a:ext>
             </a:extLst>
           </p:cNvPr>
@@ -2405,7 +2409,7 @@
           <a:p>
             <a:fld id="{072FDDB4-F553-424D-81C5-266A1B530A90}" type="datetimeFigureOut">
               <a:rPr lang="en-US" smtClean="0"/>
-              <a:t>2/23/2020</a:t>
+              <a:t>8/16/2020</a:t>
             </a:fld>
             <a:endParaRPr lang="en-US"/>
           </a:p>
@@ -2416,7 +2420,7 @@
           <p:cNvPr id="6" name="Footer Placeholder 5">
             <a:extLst>
               <a:ext uri="{FF2B5EF4-FFF2-40B4-BE49-F238E27FC236}">
-                <a16:creationId xmlns="" xmlns:a16="http://schemas.microsoft.com/office/drawing/2014/main" id="{F0336C18-C959-43BB-81AD-588F23FB7F26}"/>
+                <a16:creationId xmlns:a16="http://schemas.microsoft.com/office/drawing/2014/main" xmlns="" id="{F0336C18-C959-43BB-81AD-588F23FB7F26}"/>
               </a:ext>
             </a:extLst>
           </p:cNvPr>
@@ -2441,7 +2445,7 @@
           <p:cNvPr id="7" name="Slide Number Placeholder 6">
             <a:extLst>
               <a:ext uri="{FF2B5EF4-FFF2-40B4-BE49-F238E27FC236}">
-                <a16:creationId xmlns="" xmlns:a16="http://schemas.microsoft.com/office/drawing/2014/main" id="{25C75149-E3CE-4F34-BCDB-1DC926C20911}"/>
+                <a16:creationId xmlns:a16="http://schemas.microsoft.com/office/drawing/2014/main" xmlns="" id="{25C75149-E3CE-4F34-BCDB-1DC926C20911}"/>
               </a:ext>
             </a:extLst>
           </p:cNvPr>
@@ -2500,7 +2504,7 @@
           <p:cNvPr id="2" name="Title 1">
             <a:extLst>
               <a:ext uri="{FF2B5EF4-FFF2-40B4-BE49-F238E27FC236}">
-                <a16:creationId xmlns="" xmlns:a16="http://schemas.microsoft.com/office/drawing/2014/main" id="{5E985B36-160C-4B77-B9F6-6E6ADC4B4B7A}"/>
+                <a16:creationId xmlns:a16="http://schemas.microsoft.com/office/drawing/2014/main" xmlns="" id="{5E985B36-160C-4B77-B9F6-6E6ADC4B4B7A}"/>
               </a:ext>
             </a:extLst>
           </p:cNvPr>
@@ -2537,7 +2541,7 @@
           <p:cNvPr id="3" name="Picture Placeholder 2">
             <a:extLst>
               <a:ext uri="{FF2B5EF4-FFF2-40B4-BE49-F238E27FC236}">
-                <a16:creationId xmlns="" xmlns:a16="http://schemas.microsoft.com/office/drawing/2014/main" id="{FCD1F2B6-8B27-46DA-815F-AEC2588D86B7}"/>
+                <a16:creationId xmlns:a16="http://schemas.microsoft.com/office/drawing/2014/main" xmlns="" id="{FCD1F2B6-8B27-46DA-815F-AEC2588D86B7}"/>
               </a:ext>
             </a:extLst>
           </p:cNvPr>
@@ -2604,7 +2608,7 @@
           <p:cNvPr id="4" name="Text Placeholder 3">
             <a:extLst>
               <a:ext uri="{FF2B5EF4-FFF2-40B4-BE49-F238E27FC236}">
-                <a16:creationId xmlns="" xmlns:a16="http://schemas.microsoft.com/office/drawing/2014/main" id="{794048D5-AF6C-4AE7-903A-9F0BBEE06D1B}"/>
+                <a16:creationId xmlns:a16="http://schemas.microsoft.com/office/drawing/2014/main" xmlns="" id="{794048D5-AF6C-4AE7-903A-9F0BBEE06D1B}"/>
               </a:ext>
             </a:extLst>
           </p:cNvPr>
@@ -2675,7 +2679,7 @@
           <p:cNvPr id="5" name="Date Placeholder 4">
             <a:extLst>
               <a:ext uri="{FF2B5EF4-FFF2-40B4-BE49-F238E27FC236}">
-                <a16:creationId xmlns="" xmlns:a16="http://schemas.microsoft.com/office/drawing/2014/main" id="{606F619A-F3F8-479D-B382-1B06C8739060}"/>
+                <a16:creationId xmlns:a16="http://schemas.microsoft.com/office/drawing/2014/main" xmlns="" id="{606F619A-F3F8-479D-B382-1B06C8739060}"/>
               </a:ext>
             </a:extLst>
           </p:cNvPr>
@@ -2693,7 +2697,7 @@
           <a:p>
             <a:fld id="{072FDDB4-F553-424D-81C5-266A1B530A90}" type="datetimeFigureOut">
               <a:rPr lang="en-US" smtClean="0"/>
-              <a:t>2/23/2020</a:t>
+              <a:t>8/16/2020</a:t>
             </a:fld>
             <a:endParaRPr lang="en-US"/>
           </a:p>
@@ -2704,7 +2708,7 @@
           <p:cNvPr id="6" name="Footer Placeholder 5">
             <a:extLst>
               <a:ext uri="{FF2B5EF4-FFF2-40B4-BE49-F238E27FC236}">
-                <a16:creationId xmlns="" xmlns:a16="http://schemas.microsoft.com/office/drawing/2014/main" id="{83955CF4-8167-4C02-A662-5E3ED1E793B9}"/>
+                <a16:creationId xmlns:a16="http://schemas.microsoft.com/office/drawing/2014/main" xmlns="" id="{83955CF4-8167-4C02-A662-5E3ED1E793B9}"/>
               </a:ext>
             </a:extLst>
           </p:cNvPr>
@@ -2729,7 +2733,7 @@
           <p:cNvPr id="7" name="Slide Number Placeholder 6">
             <a:extLst>
               <a:ext uri="{FF2B5EF4-FFF2-40B4-BE49-F238E27FC236}">
-                <a16:creationId xmlns="" xmlns:a16="http://schemas.microsoft.com/office/drawing/2014/main" id="{2FB652C0-1103-4529-AAEB-70E8920E41E4}"/>
+                <a16:creationId xmlns:a16="http://schemas.microsoft.com/office/drawing/2014/main" xmlns="" id="{2FB652C0-1103-4529-AAEB-70E8920E41E4}"/>
               </a:ext>
             </a:extLst>
           </p:cNvPr>
@@ -2793,7 +2797,7 @@
           <p:cNvPr id="2" name="Title Placeholder 1">
             <a:extLst>
               <a:ext uri="{FF2B5EF4-FFF2-40B4-BE49-F238E27FC236}">
-                <a16:creationId xmlns="" xmlns:a16="http://schemas.microsoft.com/office/drawing/2014/main" id="{F0F10A20-DCB1-4469-82F2-DA58857D0B7C}"/>
+                <a16:creationId xmlns:a16="http://schemas.microsoft.com/office/drawing/2014/main" xmlns="" id="{F0F10A20-DCB1-4469-82F2-DA58857D0B7C}"/>
               </a:ext>
             </a:extLst>
           </p:cNvPr>
@@ -2831,7 +2835,7 @@
           <p:cNvPr id="3" name="Text Placeholder 2">
             <a:extLst>
               <a:ext uri="{FF2B5EF4-FFF2-40B4-BE49-F238E27FC236}">
-                <a16:creationId xmlns="" xmlns:a16="http://schemas.microsoft.com/office/drawing/2014/main" id="{0DC14E44-AA3E-46A4-AF98-6D730D586F9D}"/>
+                <a16:creationId xmlns:a16="http://schemas.microsoft.com/office/drawing/2014/main" xmlns="" id="{0DC14E44-AA3E-46A4-AF98-6D730D586F9D}"/>
               </a:ext>
             </a:extLst>
           </p:cNvPr>
@@ -2898,7 +2902,7 @@
           <p:cNvPr id="4" name="Date Placeholder 3">
             <a:extLst>
               <a:ext uri="{FF2B5EF4-FFF2-40B4-BE49-F238E27FC236}">
-                <a16:creationId xmlns="" xmlns:a16="http://schemas.microsoft.com/office/drawing/2014/main" id="{FDF36B15-1CB7-4724-91CF-C3AF193C9CB1}"/>
+                <a16:creationId xmlns:a16="http://schemas.microsoft.com/office/drawing/2014/main" xmlns="" id="{FDF36B15-1CB7-4724-91CF-C3AF193C9CB1}"/>
               </a:ext>
             </a:extLst>
           </p:cNvPr>
@@ -2934,7 +2938,7 @@
           <a:p>
             <a:fld id="{072FDDB4-F553-424D-81C5-266A1B530A90}" type="datetimeFigureOut">
               <a:rPr lang="en-US" smtClean="0"/>
-              <a:t>2/23/2020</a:t>
+              <a:t>8/16/2020</a:t>
             </a:fld>
             <a:endParaRPr lang="en-US"/>
           </a:p>
@@ -2945,7 +2949,7 @@
           <p:cNvPr id="5" name="Footer Placeholder 4">
             <a:extLst>
               <a:ext uri="{FF2B5EF4-FFF2-40B4-BE49-F238E27FC236}">
-                <a16:creationId xmlns="" xmlns:a16="http://schemas.microsoft.com/office/drawing/2014/main" id="{B7ACD7DB-2840-4940-B50F-42527C398FAE}"/>
+                <a16:creationId xmlns:a16="http://schemas.microsoft.com/office/drawing/2014/main" xmlns="" id="{B7ACD7DB-2840-4940-B50F-42527C398FAE}"/>
               </a:ext>
             </a:extLst>
           </p:cNvPr>
@@ -2988,7 +2992,7 @@
           <p:cNvPr id="6" name="Slide Number Placeholder 5">
             <a:extLst>
               <a:ext uri="{FF2B5EF4-FFF2-40B4-BE49-F238E27FC236}">
-                <a16:creationId xmlns="" xmlns:a16="http://schemas.microsoft.com/office/drawing/2014/main" id="{8F87367D-22C9-4D20-9B6B-372D4388D2AB}"/>
+                <a16:creationId xmlns:a16="http://schemas.microsoft.com/office/drawing/2014/main" xmlns="" id="{8F87367D-22C9-4D20-9B6B-372D4388D2AB}"/>
               </a:ext>
             </a:extLst>
           </p:cNvPr>
@@ -3356,7 +3360,7 @@
           <p:cNvPr id="2" name="Title 1">
             <a:extLst>
               <a:ext uri="{FF2B5EF4-FFF2-40B4-BE49-F238E27FC236}">
-                <a16:creationId xmlns="" xmlns:a16="http://schemas.microsoft.com/office/drawing/2014/main" id="{282FDA3E-FC10-4645-9A57-FCA21E1CA963}"/>
+                <a16:creationId xmlns:a16="http://schemas.microsoft.com/office/drawing/2014/main" xmlns="" id="{282FDA3E-FC10-4645-9A57-FCA21E1CA963}"/>
               </a:ext>
             </a:extLst>
           </p:cNvPr>
@@ -3426,7 +3430,7 @@
           <p:cNvPr id="2" name="Title 1">
             <a:extLst>
               <a:ext uri="{FF2B5EF4-FFF2-40B4-BE49-F238E27FC236}">
-                <a16:creationId xmlns="" xmlns:a16="http://schemas.microsoft.com/office/drawing/2014/main" id="{64FC46BD-FCD3-4070-A2FE-CF068D21089D}"/>
+                <a16:creationId xmlns:a16="http://schemas.microsoft.com/office/drawing/2014/main" xmlns="" id="{64FC46BD-FCD3-4070-A2FE-CF068D21089D}"/>
               </a:ext>
             </a:extLst>
           </p:cNvPr>
@@ -3443,10 +3447,16 @@
           <a:lstStyle/>
           <a:p>
             <a:r>
+              <a:rPr lang="en-US" dirty="0" smtClean="0">
+                <a:latin typeface="Comic Sans MS" panose="030F0702030302020204" pitchFamily="66" charset="0"/>
+              </a:rPr>
+              <a:t>One </a:t>
+            </a:r>
+            <a:r>
               <a:rPr lang="en-US" dirty="0">
                 <a:latin typeface="Comic Sans MS" panose="030F0702030302020204" pitchFamily="66" charset="0"/>
               </a:rPr>
-              <a:t>Onto(Surjective) </a:t>
+              <a:t>to One(Injective) </a:t>
             </a:r>
             <a:r>
               <a:rPr lang="en-US" dirty="0" smtClean="0">
@@ -3460,14 +3470,14 @@
           </a:p>
         </p:txBody>
       </p:sp>
-      <mc:AlternateContent xmlns:mc="http://schemas.openxmlformats.org/markup-compatibility/2006" xmlns:a14="http://schemas.microsoft.com/office/drawing/2010/main">
-        <mc:Choice Requires="a14">
+      <mc:AlternateContent xmlns:mc="http://schemas.openxmlformats.org/markup-compatibility/2006">
+        <mc:Choice xmlns:a14="http://schemas.microsoft.com/office/drawing/2010/main" Requires="a14">
           <p:sp>
             <p:nvSpPr>
               <p:cNvPr id="4" name="Content Placeholder 2">
                 <a:extLst>
                   <a:ext uri="{FF2B5EF4-FFF2-40B4-BE49-F238E27FC236}">
-                    <a16:creationId xmlns="" xmlns:a16="http://schemas.microsoft.com/office/drawing/2014/main" id="{8FD3E7E3-6406-4C87-9E06-5BA40AA66E22}"/>
+                    <a16:creationId xmlns:a16="http://schemas.microsoft.com/office/drawing/2014/main" xmlns="" id="{8FD3E7E3-6406-4C87-9E06-5BA40AA66E22}"/>
                   </a:ext>
                 </a:extLst>
               </p:cNvPr>
@@ -3479,7 +3489,480 @@
             <p:spPr>
               <a:xfrm>
                 <a:off x="893617" y="1900234"/>
-                <a:ext cx="10393082" cy="2685414"/>
+                <a:ext cx="4210646" cy="529067"/>
+              </a:xfrm>
+              <a:prstGeom prst="rect">
+                <a:avLst/>
+              </a:prstGeom>
+            </p:spPr>
+            <p:txBody>
+              <a:bodyPr vert="horz" lIns="91440" tIns="45720" rIns="91440" bIns="45720" rtlCol="0">
+                <a:normAutofit lnSpcReduction="10000"/>
+              </a:bodyPr>
+              <a:lstStyle>
+                <a:lvl1pPr marL="228600" indent="-228600" algn="l" defTabSz="914400" rtl="0" eaLnBrk="1" latinLnBrk="0" hangingPunct="1">
+                  <a:lnSpc>
+                    <a:spcPct val="90000"/>
+                  </a:lnSpc>
+                  <a:spcBef>
+                    <a:spcPts val="1000"/>
+                  </a:spcBef>
+                  <a:buFont typeface="Arial" panose="020B0604020202020204" pitchFamily="34" charset="0"/>
+                  <a:buChar char="•"/>
+                  <a:defRPr sz="2800" kern="1200">
+                    <a:solidFill>
+                      <a:schemeClr val="tx1"/>
+                    </a:solidFill>
+                    <a:latin typeface="+mn-lt"/>
+                    <a:ea typeface="+mn-ea"/>
+                    <a:cs typeface="+mn-cs"/>
+                  </a:defRPr>
+                </a:lvl1pPr>
+                <a:lvl2pPr marL="685800" indent="-228600" algn="l" defTabSz="914400" rtl="0" eaLnBrk="1" latinLnBrk="0" hangingPunct="1">
+                  <a:lnSpc>
+                    <a:spcPct val="90000"/>
+                  </a:lnSpc>
+                  <a:spcBef>
+                    <a:spcPts val="500"/>
+                  </a:spcBef>
+                  <a:buFont typeface="Arial" panose="020B0604020202020204" pitchFamily="34" charset="0"/>
+                  <a:buChar char="•"/>
+                  <a:defRPr sz="2400" kern="1200">
+                    <a:solidFill>
+                      <a:schemeClr val="tx1"/>
+                    </a:solidFill>
+                    <a:latin typeface="+mn-lt"/>
+                    <a:ea typeface="+mn-ea"/>
+                    <a:cs typeface="+mn-cs"/>
+                  </a:defRPr>
+                </a:lvl2pPr>
+                <a:lvl3pPr marL="1143000" indent="-228600" algn="l" defTabSz="914400" rtl="0" eaLnBrk="1" latinLnBrk="0" hangingPunct="1">
+                  <a:lnSpc>
+                    <a:spcPct val="90000"/>
+                  </a:lnSpc>
+                  <a:spcBef>
+                    <a:spcPts val="500"/>
+                  </a:spcBef>
+                  <a:buFont typeface="Arial" panose="020B0604020202020204" pitchFamily="34" charset="0"/>
+                  <a:buChar char="•"/>
+                  <a:defRPr sz="2000" kern="1200">
+                    <a:solidFill>
+                      <a:schemeClr val="tx1"/>
+                    </a:solidFill>
+                    <a:latin typeface="+mn-lt"/>
+                    <a:ea typeface="+mn-ea"/>
+                    <a:cs typeface="+mn-cs"/>
+                  </a:defRPr>
+                </a:lvl3pPr>
+                <a:lvl4pPr marL="1600200" indent="-228600" algn="l" defTabSz="914400" rtl="0" eaLnBrk="1" latinLnBrk="0" hangingPunct="1">
+                  <a:lnSpc>
+                    <a:spcPct val="90000"/>
+                  </a:lnSpc>
+                  <a:spcBef>
+                    <a:spcPts val="500"/>
+                  </a:spcBef>
+                  <a:buFont typeface="Arial" panose="020B0604020202020204" pitchFamily="34" charset="0"/>
+                  <a:buChar char="•"/>
+                  <a:defRPr sz="1800" kern="1200">
+                    <a:solidFill>
+                      <a:schemeClr val="tx1"/>
+                    </a:solidFill>
+                    <a:latin typeface="+mn-lt"/>
+                    <a:ea typeface="+mn-ea"/>
+                    <a:cs typeface="+mn-cs"/>
+                  </a:defRPr>
+                </a:lvl4pPr>
+                <a:lvl5pPr marL="2057400" indent="-228600" algn="l" defTabSz="914400" rtl="0" eaLnBrk="1" latinLnBrk="0" hangingPunct="1">
+                  <a:lnSpc>
+                    <a:spcPct val="90000"/>
+                  </a:lnSpc>
+                  <a:spcBef>
+                    <a:spcPts val="500"/>
+                  </a:spcBef>
+                  <a:buFont typeface="Arial" panose="020B0604020202020204" pitchFamily="34" charset="0"/>
+                  <a:buChar char="•"/>
+                  <a:defRPr sz="1800" kern="1200">
+                    <a:solidFill>
+                      <a:schemeClr val="tx1"/>
+                    </a:solidFill>
+                    <a:latin typeface="+mn-lt"/>
+                    <a:ea typeface="+mn-ea"/>
+                    <a:cs typeface="+mn-cs"/>
+                  </a:defRPr>
+                </a:lvl5pPr>
+                <a:lvl6pPr marL="2514600" indent="-228600" algn="l" defTabSz="914400" rtl="0" eaLnBrk="1" latinLnBrk="0" hangingPunct="1">
+                  <a:lnSpc>
+                    <a:spcPct val="90000"/>
+                  </a:lnSpc>
+                  <a:spcBef>
+                    <a:spcPts val="500"/>
+                  </a:spcBef>
+                  <a:buFont typeface="Arial" panose="020B0604020202020204" pitchFamily="34" charset="0"/>
+                  <a:buChar char="•"/>
+                  <a:defRPr sz="1800" kern="1200">
+                    <a:solidFill>
+                      <a:schemeClr val="tx1"/>
+                    </a:solidFill>
+                    <a:latin typeface="+mn-lt"/>
+                    <a:ea typeface="+mn-ea"/>
+                    <a:cs typeface="+mn-cs"/>
+                  </a:defRPr>
+                </a:lvl6pPr>
+                <a:lvl7pPr marL="2971800" indent="-228600" algn="l" defTabSz="914400" rtl="0" eaLnBrk="1" latinLnBrk="0" hangingPunct="1">
+                  <a:lnSpc>
+                    <a:spcPct val="90000"/>
+                  </a:lnSpc>
+                  <a:spcBef>
+                    <a:spcPts val="500"/>
+                  </a:spcBef>
+                  <a:buFont typeface="Arial" panose="020B0604020202020204" pitchFamily="34" charset="0"/>
+                  <a:buChar char="•"/>
+                  <a:defRPr sz="1800" kern="1200">
+                    <a:solidFill>
+                      <a:schemeClr val="tx1"/>
+                    </a:solidFill>
+                    <a:latin typeface="+mn-lt"/>
+                    <a:ea typeface="+mn-ea"/>
+                    <a:cs typeface="+mn-cs"/>
+                  </a:defRPr>
+                </a:lvl7pPr>
+                <a:lvl8pPr marL="3429000" indent="-228600" algn="l" defTabSz="914400" rtl="0" eaLnBrk="1" latinLnBrk="0" hangingPunct="1">
+                  <a:lnSpc>
+                    <a:spcPct val="90000"/>
+                  </a:lnSpc>
+                  <a:spcBef>
+                    <a:spcPts val="500"/>
+                  </a:spcBef>
+                  <a:buFont typeface="Arial" panose="020B0604020202020204" pitchFamily="34" charset="0"/>
+                  <a:buChar char="•"/>
+                  <a:defRPr sz="1800" kern="1200">
+                    <a:solidFill>
+                      <a:schemeClr val="tx1"/>
+                    </a:solidFill>
+                    <a:latin typeface="+mn-lt"/>
+                    <a:ea typeface="+mn-ea"/>
+                    <a:cs typeface="+mn-cs"/>
+                  </a:defRPr>
+                </a:lvl8pPr>
+                <a:lvl9pPr marL="3886200" indent="-228600" algn="l" defTabSz="914400" rtl="0" eaLnBrk="1" latinLnBrk="0" hangingPunct="1">
+                  <a:lnSpc>
+                    <a:spcPct val="90000"/>
+                  </a:lnSpc>
+                  <a:spcBef>
+                    <a:spcPts val="500"/>
+                  </a:spcBef>
+                  <a:buFont typeface="Arial" panose="020B0604020202020204" pitchFamily="34" charset="0"/>
+                  <a:buChar char="•"/>
+                  <a:defRPr sz="1800" kern="1200">
+                    <a:solidFill>
+                      <a:schemeClr val="tx1"/>
+                    </a:solidFill>
+                    <a:latin typeface="+mn-lt"/>
+                    <a:ea typeface="+mn-ea"/>
+                    <a:cs typeface="+mn-cs"/>
+                  </a:defRPr>
+                </a:lvl9pPr>
+              </a:lstStyle>
+              <a:p>
+                <a:pPr marL="0" indent="0">
+                  <a:buNone/>
+                </a:pPr>
+                <a:r>
+                  <a:rPr lang="en-US" sz="3200" dirty="0" smtClean="0">
+                    <a:latin typeface="Comic Sans MS" panose="030F0702030302020204" pitchFamily="66" charset="0"/>
+                  </a:rPr>
+                  <a:t>f(x) = </a:t>
+                </a:r>
+                <a14:m>
+                  <m:oMath xmlns:m="http://schemas.openxmlformats.org/officeDocument/2006/math">
+                    <m:sSup>
+                      <m:sSupPr>
+                        <m:ctrlPr>
+                          <a:rPr lang="en-US" sz="3200" i="1" dirty="0" smtClean="0">
+                            <a:latin typeface="Cambria Math" panose="02040503050406030204" pitchFamily="18" charset="0"/>
+                          </a:rPr>
+                        </m:ctrlPr>
+                      </m:sSupPr>
+                      <m:e>
+                        <m:r>
+                          <a:rPr lang="en-US" sz="3200" b="0" i="1" dirty="0" smtClean="0">
+                            <a:latin typeface="Cambria Math" panose="02040503050406030204" pitchFamily="18" charset="0"/>
+                          </a:rPr>
+                          <m:t>𝑥</m:t>
+                        </m:r>
+                      </m:e>
+                      <m:sup>
+                        <m:r>
+                          <a:rPr lang="en-US" sz="3200" b="0" i="1" dirty="0" smtClean="0">
+                            <a:latin typeface="Cambria Math" panose="02040503050406030204" pitchFamily="18" charset="0"/>
+                          </a:rPr>
+                          <m:t>2</m:t>
+                        </m:r>
+                      </m:sup>
+                    </m:sSup>
+                  </m:oMath>
+                </a14:m>
+                <a:r>
+                  <a:rPr lang="en-US" sz="3200" dirty="0" smtClean="0">
+                    <a:latin typeface="Comic Sans MS" panose="030F0702030302020204" pitchFamily="66" charset="0"/>
+                  </a:rPr>
+                  <a:t> from </a:t>
+                </a:r>
+                <a14:m>
+                  <m:oMath xmlns:m="http://schemas.openxmlformats.org/officeDocument/2006/math">
+                    <m:r>
+                      <a:rPr lang="en-US" sz="3200" i="1" smtClean="0">
+                        <a:latin typeface="Cambria Math" panose="02040503050406030204" pitchFamily="18" charset="0"/>
+                        <a:ea typeface="Cambria Math" panose="02040503050406030204" pitchFamily="18" charset="0"/>
+                      </a:rPr>
+                      <m:t>ℕ</m:t>
+                    </m:r>
+                    <m:r>
+                      <m:rPr>
+                        <m:nor/>
+                      </m:rPr>
+                      <a:rPr lang="en-US" sz="3200" b="0" i="0" smtClean="0">
+                        <a:latin typeface="Cambria Math" panose="02040503050406030204" pitchFamily="18" charset="0"/>
+                        <a:ea typeface="Cambria Math" panose="02040503050406030204" pitchFamily="18" charset="0"/>
+                      </a:rPr>
+                      <m:t> </m:t>
+                    </m:r>
+                    <m:r>
+                      <m:rPr>
+                        <m:nor/>
+                      </m:rPr>
+                      <a:rPr lang="en-US" sz="3200" b="0" i="0" smtClean="0">
+                        <a:latin typeface="Comic Sans MS" panose="030F0702030302020204" pitchFamily="66" charset="0"/>
+                        <a:ea typeface="Cambria Math" panose="02040503050406030204" pitchFamily="18" charset="0"/>
+                      </a:rPr>
+                      <m:t>to</m:t>
+                    </m:r>
+                    <m:r>
+                      <a:rPr lang="en-US" sz="3200" b="0" i="1" smtClean="0">
+                        <a:latin typeface="Cambria Math" panose="02040503050406030204" pitchFamily="18" charset="0"/>
+                        <a:ea typeface="Cambria Math" panose="02040503050406030204" pitchFamily="18" charset="0"/>
+                      </a:rPr>
+                      <m:t> </m:t>
+                    </m:r>
+                    <m:r>
+                      <a:rPr lang="en-US" sz="3200" i="1" smtClean="0">
+                        <a:latin typeface="Cambria Math" panose="02040503050406030204" pitchFamily="18" charset="0"/>
+                        <a:ea typeface="Cambria Math" panose="02040503050406030204" pitchFamily="18" charset="0"/>
+                      </a:rPr>
+                      <m:t>ℤ</m:t>
+                    </m:r>
+                  </m:oMath>
+                </a14:m>
+                <a:endParaRPr lang="en-US" sz="3200" dirty="0" smtClean="0">
+                  <a:latin typeface="Comic Sans MS" panose="030F0702030302020204" pitchFamily="66" charset="0"/>
+                  <a:ea typeface="Cambria Math" panose="02040503050406030204" pitchFamily="18" charset="0"/>
+                </a:endParaRPr>
+              </a:p>
+            </p:txBody>
+          </p:sp>
+        </mc:Choice>
+        <mc:Fallback>
+          <p:sp>
+            <p:nvSpPr>
+              <p:cNvPr id="4" name="Content Placeholder 2">
+                <a:extLst>
+                  <a:ext uri="{FF2B5EF4-FFF2-40B4-BE49-F238E27FC236}">
+                    <a16:creationId xmlns:a16="http://schemas.microsoft.com/office/drawing/2014/main" xmlns="" xmlns:a14="http://schemas.microsoft.com/office/drawing/2010/main" id="{8FD3E7E3-6406-4C87-9E06-5BA40AA66E22}"/>
+                  </a:ext>
+                </a:extLst>
+              </p:cNvPr>
+              <p:cNvSpPr txBox="1">
+                <a:spLocks noRot="1" noChangeAspect="1" noMove="1" noResize="1" noEditPoints="1" noAdjustHandles="1" noChangeArrowheads="1" noChangeShapeType="1" noTextEdit="1"/>
+              </p:cNvSpPr>
+              <p:nvPr/>
+            </p:nvSpPr>
+            <p:spPr>
+              <a:xfrm>
+                <a:off x="893617" y="1900234"/>
+                <a:ext cx="4210646" cy="529067"/>
+              </a:xfrm>
+              <a:prstGeom prst="rect">
+                <a:avLst/>
+              </a:prstGeom>
+              <a:blipFill rotWithShape="0">
+                <a:blip r:embed="rId2"/>
+                <a:stretch>
+                  <a:fillRect l="-3768" t="-32184" b="-29885"/>
+                </a:stretch>
+              </a:blipFill>
+            </p:spPr>
+            <p:txBody>
+              <a:bodyPr/>
+              <a:lstStyle/>
+              <a:p>
+                <a:r>
+                  <a:rPr lang="en-US">
+                    <a:noFill/>
+                  </a:rPr>
+                  <a:t> </a:t>
+                </a:r>
+              </a:p>
+            </p:txBody>
+          </p:sp>
+        </mc:Fallback>
+      </mc:AlternateContent>
+      <p:sp>
+        <p:nvSpPr>
+          <p:cNvPr id="3" name="TextBox 2"/>
+          <p:cNvSpPr txBox="1"/>
+          <p:nvPr/>
+        </p:nvSpPr>
+        <p:spPr>
+          <a:xfrm>
+            <a:off x="7888405" y="1241947"/>
+            <a:ext cx="4026090" cy="1631216"/>
+          </a:xfrm>
+          <a:prstGeom prst="rect">
+            <a:avLst/>
+          </a:prstGeom>
+          <a:noFill/>
+        </p:spPr>
+        <p:txBody>
+          <a:bodyPr wrap="square" rtlCol="0">
+            <a:spAutoFit/>
+          </a:bodyPr>
+          <a:lstStyle/>
+          <a:p>
+            <a:r>
+              <a:rPr lang="en-US" sz="2000" dirty="0">
+                <a:solidFill>
+                  <a:srgbClr val="00B0F0"/>
+                </a:solidFill>
+                <a:latin typeface="Comic Sans MS" panose="030F0702030302020204" pitchFamily="66" charset="0"/>
+              </a:rPr>
+              <a:t>To show that f is injective Show that if f (x) = f (y) for arbitrary x, y ∈ A with x = </a:t>
+            </a:r>
+            <a:r>
+              <a:rPr lang="en-US" sz="2000" dirty="0" smtClean="0">
+                <a:solidFill>
+                  <a:srgbClr val="00B0F0"/>
+                </a:solidFill>
+                <a:latin typeface="Comic Sans MS" panose="030F0702030302020204" pitchFamily="66" charset="0"/>
+              </a:rPr>
+              <a:t>y, then </a:t>
+            </a:r>
+            <a:r>
+              <a:rPr lang="en-US" sz="2000" dirty="0">
+                <a:solidFill>
+                  <a:srgbClr val="00B0F0"/>
+                </a:solidFill>
+                <a:latin typeface="Comic Sans MS" panose="030F0702030302020204" pitchFamily="66" charset="0"/>
+              </a:rPr>
+              <a:t>x = y.</a:t>
+            </a:r>
+          </a:p>
+          <a:p>
+            <a:endParaRPr lang="en-US" sz="2000" dirty="0"/>
+          </a:p>
+        </p:txBody>
+      </p:sp>
+    </p:spTree>
+    <p:extLst>
+      <p:ext uri="{BB962C8B-B14F-4D97-AF65-F5344CB8AC3E}">
+        <p14:creationId xmlns:p14="http://schemas.microsoft.com/office/powerpoint/2010/main" val="2027411297"/>
+      </p:ext>
+    </p:extLst>
+  </p:cSld>
+  <p:clrMapOvr>
+    <a:masterClrMapping/>
+  </p:clrMapOvr>
+  <p:timing>
+    <p:tnLst>
+      <p:par>
+        <p:cTn id="1" dur="indefinite" restart="never" nodeType="tmRoot"/>
+      </p:par>
+    </p:tnLst>
+  </p:timing>
+</p:sld>
+</file>
+
+<file path=ppt/slides/slide11.xml><?xml version="1.0" encoding="utf-8"?>
+<p:sld xmlns:a="http://schemas.openxmlformats.org/drawingml/2006/main" xmlns:r="http://schemas.openxmlformats.org/officeDocument/2006/relationships" xmlns:p="http://schemas.openxmlformats.org/presentationml/2006/main">
+  <p:cSld>
+    <p:spTree>
+      <p:nvGrpSpPr>
+        <p:cNvPr id="1" name=""/>
+        <p:cNvGrpSpPr/>
+        <p:nvPr/>
+      </p:nvGrpSpPr>
+      <p:grpSpPr>
+        <a:xfrm>
+          <a:off x="0" y="0"/>
+          <a:ext cx="0" cy="0"/>
+          <a:chOff x="0" y="0"/>
+          <a:chExt cx="0" cy="0"/>
+        </a:xfrm>
+      </p:grpSpPr>
+      <p:sp>
+        <p:nvSpPr>
+          <p:cNvPr id="2" name="Title 1">
+            <a:extLst>
+              <a:ext uri="{FF2B5EF4-FFF2-40B4-BE49-F238E27FC236}">
+                <a16:creationId xmlns:a16="http://schemas.microsoft.com/office/drawing/2014/main" xmlns="" id="{64FC46BD-FCD3-4070-A2FE-CF068D21089D}"/>
+              </a:ext>
+            </a:extLst>
+          </p:cNvPr>
+          <p:cNvSpPr>
+            <a:spLocks noGrp="1"/>
+          </p:cNvSpPr>
+          <p:nvPr>
+            <p:ph type="title"/>
+          </p:nvPr>
+        </p:nvSpPr>
+        <p:spPr/>
+        <p:txBody>
+          <a:bodyPr/>
+          <a:lstStyle/>
+          <a:p>
+            <a:r>
+              <a:rPr lang="en-US" dirty="0" smtClean="0">
+                <a:latin typeface="Comic Sans MS" panose="030F0702030302020204" pitchFamily="66" charset="0"/>
+              </a:rPr>
+              <a:t>One </a:t>
+            </a:r>
+            <a:r>
+              <a:rPr lang="en-US" dirty="0">
+                <a:latin typeface="Comic Sans MS" panose="030F0702030302020204" pitchFamily="66" charset="0"/>
+              </a:rPr>
+              <a:t>to One(Injective) </a:t>
+            </a:r>
+            <a:r>
+              <a:rPr lang="en-US" dirty="0" smtClean="0">
+                <a:latin typeface="Comic Sans MS" panose="030F0702030302020204" pitchFamily="66" charset="0"/>
+              </a:rPr>
+              <a:t>functions</a:t>
+            </a:r>
+            <a:endParaRPr lang="en-US" dirty="0">
+              <a:latin typeface="Comic Sans MS" panose="030F0702030302020204" pitchFamily="66" charset="0"/>
+            </a:endParaRPr>
+          </a:p>
+        </p:txBody>
+      </p:sp>
+      <mc:AlternateContent xmlns:mc="http://schemas.openxmlformats.org/markup-compatibility/2006">
+        <mc:Choice xmlns:a14="http://schemas.microsoft.com/office/drawing/2010/main" Requires="a14">
+          <p:sp>
+            <p:nvSpPr>
+              <p:cNvPr id="4" name="Content Placeholder 2">
+                <a:extLst>
+                  <a:ext uri="{FF2B5EF4-FFF2-40B4-BE49-F238E27FC236}">
+                    <a16:creationId xmlns:a16="http://schemas.microsoft.com/office/drawing/2014/main" xmlns="" id="{8FD3E7E3-6406-4C87-9E06-5BA40AA66E22}"/>
+                  </a:ext>
+                </a:extLst>
+              </p:cNvPr>
+              <p:cNvSpPr txBox="1">
+                <a:spLocks/>
+              </p:cNvSpPr>
+              <p:nvPr/>
+            </p:nvSpPr>
+            <p:spPr>
+              <a:xfrm>
+                <a:off x="893617" y="1736462"/>
+                <a:ext cx="4374419" cy="624602"/>
               </a:xfrm>
               <a:prstGeom prst="rect">
                 <a:avLst/>
@@ -3654,25 +4137,34 @@
                 </a:lvl9pPr>
               </a:lstStyle>
               <a:p>
+                <a:pPr marL="0" indent="0">
+                  <a:buNone/>
+                </a:pPr>
                 <a:r>
-                  <a:rPr lang="en-US" sz="4000" dirty="0" smtClean="0">
+                  <a:rPr lang="en-US" sz="3200" dirty="0" smtClean="0">
                     <a:latin typeface="Comic Sans MS" panose="030F0702030302020204" pitchFamily="66" charset="0"/>
                   </a:rPr>
-                  <a:t>f(x) = </a:t>
+                  <a:t>f(x</a:t>
+                </a:r>
+                <a:r>
+                  <a:rPr lang="en-US" sz="3200" dirty="0">
+                    <a:latin typeface="Comic Sans MS" panose="030F0702030302020204" pitchFamily="66" charset="0"/>
+                  </a:rPr>
+                  <a:t>) = </a:t>
                 </a:r>
                 <a14:m>
                   <m:oMath xmlns:m="http://schemas.openxmlformats.org/officeDocument/2006/math">
                     <m:sSup>
                       <m:sSupPr>
                         <m:ctrlPr>
-                          <a:rPr lang="en-US" sz="4000" i="1" dirty="0" smtClean="0">
+                          <a:rPr lang="en-US" sz="3200" i="1" dirty="0">
                             <a:latin typeface="Cambria Math" panose="02040503050406030204" pitchFamily="18" charset="0"/>
                           </a:rPr>
                         </m:ctrlPr>
                       </m:sSupPr>
                       <m:e>
                         <m:r>
-                          <a:rPr lang="en-US" sz="4000" b="0" i="1" dirty="0" smtClean="0">
+                          <a:rPr lang="en-US" sz="3200" i="1" dirty="0">
                             <a:latin typeface="Cambria Math" panose="02040503050406030204" pitchFamily="18" charset="0"/>
                           </a:rPr>
                           <m:t>𝑥</m:t>
@@ -3680,7 +4172,7 @@
                       </m:e>
                       <m:sup>
                         <m:r>
-                          <a:rPr lang="en-US" sz="4000" b="0" i="1" dirty="0" smtClean="0">
+                          <a:rPr lang="en-US" sz="3200" i="1" dirty="0">
                             <a:latin typeface="Cambria Math" panose="02040503050406030204" pitchFamily="18" charset="0"/>
                           </a:rPr>
                           <m:t>2</m:t>
@@ -3690,7 +4182,7 @@
                   </m:oMath>
                 </a14:m>
                 <a:r>
-                  <a:rPr lang="en-US" sz="4000" dirty="0" smtClean="0">
+                  <a:rPr lang="en-US" sz="3200" dirty="0">
                     <a:latin typeface="Comic Sans MS" panose="030F0702030302020204" pitchFamily="66" charset="0"/>
                   </a:rPr>
                   <a:t> from </a:t>
@@ -3698,17 +4190,17 @@
                 <a14:m>
                   <m:oMath xmlns:m="http://schemas.openxmlformats.org/officeDocument/2006/math">
                     <m:r>
-                      <a:rPr lang="en-US" sz="4000" i="1" smtClean="0">
+                      <a:rPr lang="en-US" sz="3200" i="1">
                         <a:latin typeface="Cambria Math" panose="02040503050406030204" pitchFamily="18" charset="0"/>
                         <a:ea typeface="Cambria Math" panose="02040503050406030204" pitchFamily="18" charset="0"/>
                       </a:rPr>
-                      <m:t>ℕ</m:t>
+                      <m:t>ℤ</m:t>
                     </m:r>
                     <m:r>
                       <m:rPr>
                         <m:nor/>
                       </m:rPr>
-                      <a:rPr lang="en-US" sz="4000" b="0" i="0" smtClean="0">
+                      <a:rPr lang="en-US" sz="3200">
                         <a:latin typeface="Cambria Math" panose="02040503050406030204" pitchFamily="18" charset="0"/>
                         <a:ea typeface="Cambria Math" panose="02040503050406030204" pitchFamily="18" charset="0"/>
                       </a:rPr>
@@ -3718,21 +4210,21 @@
                       <m:rPr>
                         <m:nor/>
                       </m:rPr>
-                      <a:rPr lang="en-US" sz="4000" b="0" i="0" smtClean="0">
+                      <a:rPr lang="en-US" sz="3200">
                         <a:latin typeface="Comic Sans MS" panose="030F0702030302020204" pitchFamily="66" charset="0"/>
                         <a:ea typeface="Cambria Math" panose="02040503050406030204" pitchFamily="18" charset="0"/>
                       </a:rPr>
                       <m:t>to</m:t>
                     </m:r>
                     <m:r>
-                      <a:rPr lang="en-US" sz="4000" b="0" i="1" smtClean="0">
+                      <a:rPr lang="en-US" sz="3200" i="1">
                         <a:latin typeface="Cambria Math" panose="02040503050406030204" pitchFamily="18" charset="0"/>
                         <a:ea typeface="Cambria Math" panose="02040503050406030204" pitchFamily="18" charset="0"/>
                       </a:rPr>
                       <m:t> </m:t>
                     </m:r>
                     <m:r>
-                      <a:rPr lang="en-US" sz="4000" i="1" smtClean="0">
+                      <a:rPr lang="en-US" sz="3200" i="1">
                         <a:latin typeface="Cambria Math" panose="02040503050406030204" pitchFamily="18" charset="0"/>
                         <a:ea typeface="Cambria Math" panose="02040503050406030204" pitchFamily="18" charset="0"/>
                       </a:rPr>
@@ -3740,111 +4232,22 @@
                     </m:r>
                   </m:oMath>
                 </a14:m>
-                <a:endParaRPr lang="en-US" sz="4000" dirty="0" smtClean="0">
-                  <a:latin typeface="Comic Sans MS" panose="030F0702030302020204" pitchFamily="66" charset="0"/>
-                  <a:ea typeface="Cambria Math" panose="02040503050406030204" pitchFamily="18" charset="0"/>
-                </a:endParaRPr>
-              </a:p>
-              <a:p>
-                <a:r>
-                  <a:rPr lang="en-US" sz="4000" dirty="0">
-                    <a:latin typeface="Comic Sans MS" panose="030F0702030302020204" pitchFamily="66" charset="0"/>
-                  </a:rPr>
-                  <a:t>f(x) = </a:t>
-                </a:r>
-                <a14:m>
-                  <m:oMath xmlns:m="http://schemas.openxmlformats.org/officeDocument/2006/math">
-                    <m:sSup>
-                      <m:sSupPr>
-                        <m:ctrlPr>
-                          <a:rPr lang="en-US" sz="4000" i="1" dirty="0">
-                            <a:latin typeface="Cambria Math" panose="02040503050406030204" pitchFamily="18" charset="0"/>
-                          </a:rPr>
-                        </m:ctrlPr>
-                      </m:sSupPr>
-                      <m:e>
-                        <m:r>
-                          <a:rPr lang="en-US" sz="4000" i="1" dirty="0">
-                            <a:latin typeface="Cambria Math" panose="02040503050406030204" pitchFamily="18" charset="0"/>
-                          </a:rPr>
-                          <m:t>𝑥</m:t>
-                        </m:r>
-                      </m:e>
-                      <m:sup>
-                        <m:r>
-                          <a:rPr lang="en-US" sz="4000" i="1" dirty="0">
-                            <a:latin typeface="Cambria Math" panose="02040503050406030204" pitchFamily="18" charset="0"/>
-                          </a:rPr>
-                          <m:t>2</m:t>
-                        </m:r>
-                      </m:sup>
-                    </m:sSup>
-                  </m:oMath>
-                </a14:m>
-                <a:r>
-                  <a:rPr lang="en-US" sz="4000" dirty="0">
-                    <a:latin typeface="Comic Sans MS" panose="030F0702030302020204" pitchFamily="66" charset="0"/>
-                  </a:rPr>
-                  <a:t> from </a:t>
-                </a:r>
-                <a14:m>
-                  <m:oMath xmlns:m="http://schemas.openxmlformats.org/officeDocument/2006/math">
-                    <m:r>
-                      <a:rPr lang="en-US" sz="4000" i="1">
-                        <a:latin typeface="Cambria Math" panose="02040503050406030204" pitchFamily="18" charset="0"/>
-                        <a:ea typeface="Cambria Math" panose="02040503050406030204" pitchFamily="18" charset="0"/>
-                      </a:rPr>
-                      <m:t>ℤ</m:t>
-                    </m:r>
-                    <m:r>
-                      <m:rPr>
-                        <m:nor/>
-                      </m:rPr>
-                      <a:rPr lang="en-US" sz="4000">
-                        <a:latin typeface="Cambria Math" panose="02040503050406030204" pitchFamily="18" charset="0"/>
-                        <a:ea typeface="Cambria Math" panose="02040503050406030204" pitchFamily="18" charset="0"/>
-                      </a:rPr>
-                      <m:t> </m:t>
-                    </m:r>
-                    <m:r>
-                      <m:rPr>
-                        <m:nor/>
-                      </m:rPr>
-                      <a:rPr lang="en-US" sz="4000">
-                        <a:latin typeface="Comic Sans MS" panose="030F0702030302020204" pitchFamily="66" charset="0"/>
-                        <a:ea typeface="Cambria Math" panose="02040503050406030204" pitchFamily="18" charset="0"/>
-                      </a:rPr>
-                      <m:t>to</m:t>
-                    </m:r>
-                    <m:r>
-                      <a:rPr lang="en-US" sz="4000" i="1">
-                        <a:latin typeface="Cambria Math" panose="02040503050406030204" pitchFamily="18" charset="0"/>
-                        <a:ea typeface="Cambria Math" panose="02040503050406030204" pitchFamily="18" charset="0"/>
-                      </a:rPr>
-                      <m:t> </m:t>
-                    </m:r>
-                    <m:r>
-                      <a:rPr lang="en-US" sz="4000" i="1">
-                        <a:latin typeface="Cambria Math" panose="02040503050406030204" pitchFamily="18" charset="0"/>
-                        <a:ea typeface="Cambria Math" panose="02040503050406030204" pitchFamily="18" charset="0"/>
-                      </a:rPr>
-                      <m:t>ℤ</m:t>
-                    </m:r>
-                  </m:oMath>
-                </a14:m>
-                <a:endParaRPr lang="en-US" sz="4000" dirty="0">
+                <a:endParaRPr lang="en-US" sz="3200" dirty="0">
                   <a:latin typeface="Comic Sans MS" panose="030F0702030302020204" pitchFamily="66" charset="0"/>
                 </a:endParaRPr>
               </a:p>
               <a:p>
-                <a:endParaRPr lang="en-US" sz="4000" dirty="0" smtClean="0">
+                <a:pPr marL="0" indent="0">
+                  <a:buNone/>
+                </a:pPr>
+                <a:endParaRPr lang="en-US" sz="3200" dirty="0" smtClean="0">
                   <a:latin typeface="Comic Sans MS" panose="030F0702030302020204" pitchFamily="66" charset="0"/>
                 </a:endParaRPr>
               </a:p>
             </p:txBody>
           </p:sp>
         </mc:Choice>
-        <mc:Fallback xmlns="">
+        <mc:Fallback>
           <p:sp>
             <p:nvSpPr>
               <p:cNvPr id="4" name="Content Placeholder 2">
@@ -3861,8 +4264,8 @@
             </p:nvSpPr>
             <p:spPr>
               <a:xfrm>
-                <a:off x="893617" y="1900234"/>
-                <a:ext cx="10393082" cy="2685414"/>
+                <a:off x="893617" y="1736462"/>
+                <a:ext cx="4374419" cy="624602"/>
               </a:xfrm>
               <a:prstGeom prst="rect">
                 <a:avLst/>
@@ -3870,7 +4273,7 @@
               <a:blipFill rotWithShape="0">
                 <a:blip r:embed="rId2"/>
                 <a:stretch>
-                  <a:fillRect l="-1878" t="-6136"/>
+                  <a:fillRect l="-3626" t="-19608" b="-18627"/>
                 </a:stretch>
               </a:blipFill>
             </p:spPr>
@@ -3897,8 +4300,8 @@
         </p:nvSpPr>
         <p:spPr>
           <a:xfrm>
-            <a:off x="984913" y="4683458"/>
-            <a:ext cx="9444251" cy="1477328"/>
+            <a:off x="7888405" y="1241947"/>
+            <a:ext cx="4026090" cy="1631216"/>
           </a:xfrm>
           <a:prstGeom prst="rect">
             <a:avLst/>
@@ -3912,39 +4315,42 @@
           <a:lstStyle/>
           <a:p>
             <a:r>
-              <a:rPr lang="en-US" sz="2400" dirty="0">
+              <a:rPr lang="en-US" sz="2000" dirty="0">
                 <a:solidFill>
                   <a:srgbClr val="00B0F0"/>
                 </a:solidFill>
                 <a:latin typeface="Comic Sans MS" panose="030F0702030302020204" pitchFamily="66" charset="0"/>
               </a:rPr>
-              <a:t>To show that f is surjective Consider an arbitrary element y ∈ B and find an element x ∈ A</a:t>
-            </a:r>
-          </a:p>
-          <a:p>
-            <a:r>
-              <a:rPr lang="en-US" sz="2400" dirty="0">
+              <a:t>To show that f is injective Show that if f (x) = f (y) for arbitrary x, y ∈ A with x = </a:t>
+            </a:r>
+            <a:r>
+              <a:rPr lang="en-US" sz="2000" dirty="0" smtClean="0">
                 <a:solidFill>
                   <a:srgbClr val="00B0F0"/>
                 </a:solidFill>
                 <a:latin typeface="Comic Sans MS" panose="030F0702030302020204" pitchFamily="66" charset="0"/>
               </a:rPr>
-              <a:t>such that f (x) = y.</a:t>
-            </a:r>
-          </a:p>
-          <a:p>
-            <a:endParaRPr lang="en-US" dirty="0">
-              <a:solidFill>
-                <a:srgbClr val="00B0F0"/>
-              </a:solidFill>
-            </a:endParaRPr>
+              <a:t>y, then </a:t>
+            </a:r>
+            <a:r>
+              <a:rPr lang="en-US" sz="2000" dirty="0">
+                <a:solidFill>
+                  <a:srgbClr val="00B0F0"/>
+                </a:solidFill>
+                <a:latin typeface="Comic Sans MS" panose="030F0702030302020204" pitchFamily="66" charset="0"/>
+              </a:rPr>
+              <a:t>x = y.</a:t>
+            </a:r>
+          </a:p>
+          <a:p>
+            <a:endParaRPr lang="en-US" sz="2000" dirty="0"/>
           </a:p>
         </p:txBody>
       </p:sp>
     </p:spTree>
     <p:extLst>
       <p:ext uri="{BB962C8B-B14F-4D97-AF65-F5344CB8AC3E}">
-        <p14:creationId xmlns:p14="http://schemas.microsoft.com/office/powerpoint/2010/main" val="3082219219"/>
+        <p14:creationId xmlns:p14="http://schemas.microsoft.com/office/powerpoint/2010/main" val="2638209637"/>
       </p:ext>
     </p:extLst>
   </p:cSld>
@@ -3961,7 +4367,7 @@
 </p:sld>
 </file>
 
-<file path=ppt/slides/slide11.xml><?xml version="1.0" encoding="utf-8"?>
+<file path=ppt/slides/slide12.xml><?xml version="1.0" encoding="utf-8"?>
 <p:sld xmlns:a="http://schemas.openxmlformats.org/drawingml/2006/main" xmlns:r="http://schemas.openxmlformats.org/officeDocument/2006/relationships" xmlns:p="http://schemas.openxmlformats.org/presentationml/2006/main">
   <p:cSld>
     <p:spTree>
@@ -3983,7 +4389,7 @@
           <p:cNvPr id="2" name="Title 1">
             <a:extLst>
               <a:ext uri="{FF2B5EF4-FFF2-40B4-BE49-F238E27FC236}">
-                <a16:creationId xmlns="" xmlns:a16="http://schemas.microsoft.com/office/drawing/2014/main" id="{64FC46BD-FCD3-4070-A2FE-CF068D21089D}"/>
+                <a16:creationId xmlns:a16="http://schemas.microsoft.com/office/drawing/2014/main" xmlns="" id="{64FC46BD-FCD3-4070-A2FE-CF068D21089D}"/>
               </a:ext>
             </a:extLst>
           </p:cNvPr>
@@ -4003,7 +4409,7 @@
               <a:rPr lang="en-US" dirty="0" smtClean="0">
                 <a:latin typeface="Comic Sans MS" panose="030F0702030302020204" pitchFamily="66" charset="0"/>
               </a:rPr>
-              <a:t>Bijective Functions</a:t>
+              <a:t>Onto(Surjective) Functions</a:t>
             </a:r>
             <a:endParaRPr lang="en-US" dirty="0">
               <a:latin typeface="Comic Sans MS" panose="030F0702030302020204" pitchFamily="66" charset="0"/>
@@ -4016,7 +4422,1275 @@
           <p:cNvPr id="4" name="Content Placeholder 2">
             <a:extLst>
               <a:ext uri="{FF2B5EF4-FFF2-40B4-BE49-F238E27FC236}">
-                <a16:creationId xmlns:mc="http://schemas.openxmlformats.org/markup-compatibility/2006" xmlns:a14="http://schemas.microsoft.com/office/drawing/2010/main" xmlns="" xmlns:a16="http://schemas.microsoft.com/office/drawing/2014/main" id="{8FD3E7E3-6406-4C87-9E06-5BA40AA66E22}"/>
+                <a16:creationId xmlns:a16="http://schemas.microsoft.com/office/drawing/2014/main" xmlns="" xmlns:a14="http://schemas.microsoft.com/office/drawing/2010/main" xmlns:mc="http://schemas.openxmlformats.org/markup-compatibility/2006" id="{8FD3E7E3-6406-4C87-9E06-5BA40AA66E22}"/>
+              </a:ext>
+            </a:extLst>
+          </p:cNvPr>
+          <p:cNvSpPr txBox="1">
+            <a:spLocks/>
+          </p:cNvSpPr>
+          <p:nvPr/>
+        </p:nvSpPr>
+        <p:spPr>
+          <a:xfrm>
+            <a:off x="893617" y="1900234"/>
+            <a:ext cx="10393082" cy="2685414"/>
+          </a:xfrm>
+          <a:prstGeom prst="rect">
+            <a:avLst/>
+          </a:prstGeom>
+        </p:spPr>
+        <p:txBody>
+          <a:bodyPr vert="horz" lIns="91440" tIns="45720" rIns="91440" bIns="45720" rtlCol="0">
+            <a:normAutofit/>
+          </a:bodyPr>
+          <a:lstStyle>
+            <a:lvl1pPr marL="228600" indent="-228600" algn="l" defTabSz="914400" rtl="0" eaLnBrk="1" latinLnBrk="0" hangingPunct="1">
+              <a:lnSpc>
+                <a:spcPct val="90000"/>
+              </a:lnSpc>
+              <a:spcBef>
+                <a:spcPts val="1000"/>
+              </a:spcBef>
+              <a:buFont typeface="Arial" panose="020B0604020202020204" pitchFamily="34" charset="0"/>
+              <a:buChar char="•"/>
+              <a:defRPr sz="2800" kern="1200">
+                <a:solidFill>
+                  <a:schemeClr val="tx1"/>
+                </a:solidFill>
+                <a:latin typeface="+mn-lt"/>
+                <a:ea typeface="+mn-ea"/>
+                <a:cs typeface="+mn-cs"/>
+              </a:defRPr>
+            </a:lvl1pPr>
+            <a:lvl2pPr marL="685800" indent="-228600" algn="l" defTabSz="914400" rtl="0" eaLnBrk="1" latinLnBrk="0" hangingPunct="1">
+              <a:lnSpc>
+                <a:spcPct val="90000"/>
+              </a:lnSpc>
+              <a:spcBef>
+                <a:spcPts val="500"/>
+              </a:spcBef>
+              <a:buFont typeface="Arial" panose="020B0604020202020204" pitchFamily="34" charset="0"/>
+              <a:buChar char="•"/>
+              <a:defRPr sz="2400" kern="1200">
+                <a:solidFill>
+                  <a:schemeClr val="tx1"/>
+                </a:solidFill>
+                <a:latin typeface="+mn-lt"/>
+                <a:ea typeface="+mn-ea"/>
+                <a:cs typeface="+mn-cs"/>
+              </a:defRPr>
+            </a:lvl2pPr>
+            <a:lvl3pPr marL="1143000" indent="-228600" algn="l" defTabSz="914400" rtl="0" eaLnBrk="1" latinLnBrk="0" hangingPunct="1">
+              <a:lnSpc>
+                <a:spcPct val="90000"/>
+              </a:lnSpc>
+              <a:spcBef>
+                <a:spcPts val="500"/>
+              </a:spcBef>
+              <a:buFont typeface="Arial" panose="020B0604020202020204" pitchFamily="34" charset="0"/>
+              <a:buChar char="•"/>
+              <a:defRPr sz="2000" kern="1200">
+                <a:solidFill>
+                  <a:schemeClr val="tx1"/>
+                </a:solidFill>
+                <a:latin typeface="+mn-lt"/>
+                <a:ea typeface="+mn-ea"/>
+                <a:cs typeface="+mn-cs"/>
+              </a:defRPr>
+            </a:lvl3pPr>
+            <a:lvl4pPr marL="1600200" indent="-228600" algn="l" defTabSz="914400" rtl="0" eaLnBrk="1" latinLnBrk="0" hangingPunct="1">
+              <a:lnSpc>
+                <a:spcPct val="90000"/>
+              </a:lnSpc>
+              <a:spcBef>
+                <a:spcPts val="500"/>
+              </a:spcBef>
+              <a:buFont typeface="Arial" panose="020B0604020202020204" pitchFamily="34" charset="0"/>
+              <a:buChar char="•"/>
+              <a:defRPr sz="1800" kern="1200">
+                <a:solidFill>
+                  <a:schemeClr val="tx1"/>
+                </a:solidFill>
+                <a:latin typeface="+mn-lt"/>
+                <a:ea typeface="+mn-ea"/>
+                <a:cs typeface="+mn-cs"/>
+              </a:defRPr>
+            </a:lvl4pPr>
+            <a:lvl5pPr marL="2057400" indent="-228600" algn="l" defTabSz="914400" rtl="0" eaLnBrk="1" latinLnBrk="0" hangingPunct="1">
+              <a:lnSpc>
+                <a:spcPct val="90000"/>
+              </a:lnSpc>
+              <a:spcBef>
+                <a:spcPts val="500"/>
+              </a:spcBef>
+              <a:buFont typeface="Arial" panose="020B0604020202020204" pitchFamily="34" charset="0"/>
+              <a:buChar char="•"/>
+              <a:defRPr sz="1800" kern="1200">
+                <a:solidFill>
+                  <a:schemeClr val="tx1"/>
+                </a:solidFill>
+                <a:latin typeface="+mn-lt"/>
+                <a:ea typeface="+mn-ea"/>
+                <a:cs typeface="+mn-cs"/>
+              </a:defRPr>
+            </a:lvl5pPr>
+            <a:lvl6pPr marL="2514600" indent="-228600" algn="l" defTabSz="914400" rtl="0" eaLnBrk="1" latinLnBrk="0" hangingPunct="1">
+              <a:lnSpc>
+                <a:spcPct val="90000"/>
+              </a:lnSpc>
+              <a:spcBef>
+                <a:spcPts val="500"/>
+              </a:spcBef>
+              <a:buFont typeface="Arial" panose="020B0604020202020204" pitchFamily="34" charset="0"/>
+              <a:buChar char="•"/>
+              <a:defRPr sz="1800" kern="1200">
+                <a:solidFill>
+                  <a:schemeClr val="tx1"/>
+                </a:solidFill>
+                <a:latin typeface="+mn-lt"/>
+                <a:ea typeface="+mn-ea"/>
+                <a:cs typeface="+mn-cs"/>
+              </a:defRPr>
+            </a:lvl6pPr>
+            <a:lvl7pPr marL="2971800" indent="-228600" algn="l" defTabSz="914400" rtl="0" eaLnBrk="1" latinLnBrk="0" hangingPunct="1">
+              <a:lnSpc>
+                <a:spcPct val="90000"/>
+              </a:lnSpc>
+              <a:spcBef>
+                <a:spcPts val="500"/>
+              </a:spcBef>
+              <a:buFont typeface="Arial" panose="020B0604020202020204" pitchFamily="34" charset="0"/>
+              <a:buChar char="•"/>
+              <a:defRPr sz="1800" kern="1200">
+                <a:solidFill>
+                  <a:schemeClr val="tx1"/>
+                </a:solidFill>
+                <a:latin typeface="+mn-lt"/>
+                <a:ea typeface="+mn-ea"/>
+                <a:cs typeface="+mn-cs"/>
+              </a:defRPr>
+            </a:lvl7pPr>
+            <a:lvl8pPr marL="3429000" indent="-228600" algn="l" defTabSz="914400" rtl="0" eaLnBrk="1" latinLnBrk="0" hangingPunct="1">
+              <a:lnSpc>
+                <a:spcPct val="90000"/>
+              </a:lnSpc>
+              <a:spcBef>
+                <a:spcPts val="500"/>
+              </a:spcBef>
+              <a:buFont typeface="Arial" panose="020B0604020202020204" pitchFamily="34" charset="0"/>
+              <a:buChar char="•"/>
+              <a:defRPr sz="1800" kern="1200">
+                <a:solidFill>
+                  <a:schemeClr val="tx1"/>
+                </a:solidFill>
+                <a:latin typeface="+mn-lt"/>
+                <a:ea typeface="+mn-ea"/>
+                <a:cs typeface="+mn-cs"/>
+              </a:defRPr>
+            </a:lvl8pPr>
+            <a:lvl9pPr marL="3886200" indent="-228600" algn="l" defTabSz="914400" rtl="0" eaLnBrk="1" latinLnBrk="0" hangingPunct="1">
+              <a:lnSpc>
+                <a:spcPct val="90000"/>
+              </a:lnSpc>
+              <a:spcBef>
+                <a:spcPts val="500"/>
+              </a:spcBef>
+              <a:buFont typeface="Arial" panose="020B0604020202020204" pitchFamily="34" charset="0"/>
+              <a:buChar char="•"/>
+              <a:defRPr sz="1800" kern="1200">
+                <a:solidFill>
+                  <a:schemeClr val="tx1"/>
+                </a:solidFill>
+                <a:latin typeface="+mn-lt"/>
+                <a:ea typeface="+mn-ea"/>
+                <a:cs typeface="+mn-cs"/>
+              </a:defRPr>
+            </a:lvl9pPr>
+          </a:lstStyle>
+          <a:p>
+            <a:pPr marL="0" indent="0">
+              <a:buNone/>
+            </a:pPr>
+            <a:r>
+              <a:rPr lang="en-US" sz="4000" dirty="0">
+                <a:latin typeface="Comic Sans MS" panose="030F0702030302020204" pitchFamily="66" charset="0"/>
+              </a:rPr>
+              <a:t>A function f from A to B is called </a:t>
+            </a:r>
+            <a:r>
+              <a:rPr lang="en-US" sz="4000" dirty="0" smtClean="0">
+                <a:latin typeface="Comic Sans MS" panose="030F0702030302020204" pitchFamily="66" charset="0"/>
+              </a:rPr>
+              <a:t>onto if </a:t>
+            </a:r>
+            <a:r>
+              <a:rPr lang="en-US" sz="4000" dirty="0">
+                <a:latin typeface="Comic Sans MS" panose="030F0702030302020204" pitchFamily="66" charset="0"/>
+              </a:rPr>
+              <a:t>and only if for every </a:t>
+            </a:r>
+            <a:r>
+              <a:rPr lang="en-US" sz="4000" dirty="0" smtClean="0">
+                <a:latin typeface="Comic Sans MS" panose="030F0702030302020204" pitchFamily="66" charset="0"/>
+              </a:rPr>
+              <a:t>element b </a:t>
+            </a:r>
+            <a:r>
+              <a:rPr lang="en-US" sz="4000" dirty="0">
+                <a:latin typeface="Comic Sans MS" panose="030F0702030302020204" pitchFamily="66" charset="0"/>
+              </a:rPr>
+              <a:t>∈ B there is an element a ∈ A with f (a) = b</a:t>
+            </a:r>
+            <a:r>
+              <a:rPr lang="en-US" sz="4000" dirty="0" smtClean="0">
+                <a:latin typeface="Comic Sans MS" panose="030F0702030302020204" pitchFamily="66" charset="0"/>
+              </a:rPr>
+              <a:t>.</a:t>
+            </a:r>
+          </a:p>
+          <a:p>
+            <a:pPr marL="0" indent="0" algn="ctr">
+              <a:buNone/>
+            </a:pPr>
+            <a:r>
+              <a:rPr lang="en-US" sz="4000" dirty="0">
+                <a:latin typeface="Comic Sans MS" panose="030F0702030302020204" pitchFamily="66" charset="0"/>
+              </a:rPr>
+              <a:t>∀</a:t>
+            </a:r>
+            <a:r>
+              <a:rPr lang="en-US" sz="4000" dirty="0" err="1">
+                <a:latin typeface="Comic Sans MS" panose="030F0702030302020204" pitchFamily="66" charset="0"/>
+              </a:rPr>
+              <a:t>y∃</a:t>
+            </a:r>
+            <a:r>
+              <a:rPr lang="en-US" sz="4000" dirty="0" err="1" smtClean="0">
+                <a:latin typeface="Comic Sans MS" panose="030F0702030302020204" pitchFamily="66" charset="0"/>
+              </a:rPr>
+              <a:t>xf</a:t>
+            </a:r>
+            <a:r>
+              <a:rPr lang="en-US" sz="4000" dirty="0" smtClean="0">
+                <a:latin typeface="Comic Sans MS" panose="030F0702030302020204" pitchFamily="66" charset="0"/>
+              </a:rPr>
+              <a:t> </a:t>
+            </a:r>
+            <a:r>
+              <a:rPr lang="en-US" sz="4000" dirty="0">
+                <a:latin typeface="Comic Sans MS" panose="030F0702030302020204" pitchFamily="66" charset="0"/>
+              </a:rPr>
+              <a:t>(x) = y</a:t>
+            </a:r>
+            <a:endParaRPr lang="en-US" sz="4000" dirty="0" smtClean="0">
+              <a:latin typeface="Comic Sans MS" panose="030F0702030302020204" pitchFamily="66" charset="0"/>
+            </a:endParaRPr>
+          </a:p>
+        </p:txBody>
+      </p:sp>
+    </p:spTree>
+    <p:extLst>
+      <p:ext uri="{BB962C8B-B14F-4D97-AF65-F5344CB8AC3E}">
+        <p14:creationId xmlns:p14="http://schemas.microsoft.com/office/powerpoint/2010/main" val="2477228481"/>
+      </p:ext>
+    </p:extLst>
+  </p:cSld>
+  <p:clrMapOvr>
+    <a:masterClrMapping/>
+  </p:clrMapOvr>
+  <p:timing>
+    <p:tnLst>
+      <p:par>
+        <p:cTn id="1" dur="indefinite" restart="never" nodeType="tmRoot"/>
+      </p:par>
+    </p:tnLst>
+  </p:timing>
+</p:sld>
+</file>
+
+<file path=ppt/slides/slide13.xml><?xml version="1.0" encoding="utf-8"?>
+<p:sld xmlns:a="http://schemas.openxmlformats.org/drawingml/2006/main" xmlns:r="http://schemas.openxmlformats.org/officeDocument/2006/relationships" xmlns:p="http://schemas.openxmlformats.org/presentationml/2006/main">
+  <p:cSld>
+    <p:spTree>
+      <p:nvGrpSpPr>
+        <p:cNvPr id="1" name=""/>
+        <p:cNvGrpSpPr/>
+        <p:nvPr/>
+      </p:nvGrpSpPr>
+      <p:grpSpPr>
+        <a:xfrm>
+          <a:off x="0" y="0"/>
+          <a:ext cx="0" cy="0"/>
+          <a:chOff x="0" y="0"/>
+          <a:chExt cx="0" cy="0"/>
+        </a:xfrm>
+      </p:grpSpPr>
+      <p:sp>
+        <p:nvSpPr>
+          <p:cNvPr id="2" name="Title 1">
+            <a:extLst>
+              <a:ext uri="{FF2B5EF4-FFF2-40B4-BE49-F238E27FC236}">
+                <a16:creationId xmlns:a16="http://schemas.microsoft.com/office/drawing/2014/main" xmlns="" id="{64FC46BD-FCD3-4070-A2FE-CF068D21089D}"/>
+              </a:ext>
+            </a:extLst>
+          </p:cNvPr>
+          <p:cNvSpPr>
+            <a:spLocks noGrp="1"/>
+          </p:cNvSpPr>
+          <p:nvPr>
+            <p:ph type="title"/>
+          </p:nvPr>
+        </p:nvSpPr>
+        <p:spPr/>
+        <p:txBody>
+          <a:bodyPr/>
+          <a:lstStyle/>
+          <a:p>
+            <a:r>
+              <a:rPr lang="en-US" dirty="0">
+                <a:latin typeface="Comic Sans MS" panose="030F0702030302020204" pitchFamily="66" charset="0"/>
+              </a:rPr>
+              <a:t>Onto(Surjective) </a:t>
+            </a:r>
+            <a:r>
+              <a:rPr lang="en-US" dirty="0" smtClean="0">
+                <a:latin typeface="Comic Sans MS" panose="030F0702030302020204" pitchFamily="66" charset="0"/>
+              </a:rPr>
+              <a:t>functions</a:t>
+            </a:r>
+            <a:endParaRPr lang="en-US" dirty="0">
+              <a:latin typeface="Comic Sans MS" panose="030F0702030302020204" pitchFamily="66" charset="0"/>
+            </a:endParaRPr>
+          </a:p>
+        </p:txBody>
+      </p:sp>
+      <p:sp>
+        <p:nvSpPr>
+          <p:cNvPr id="6" name="TextBox 5"/>
+          <p:cNvSpPr txBox="1"/>
+          <p:nvPr/>
+        </p:nvSpPr>
+        <p:spPr>
+          <a:xfrm>
+            <a:off x="9337344" y="302527"/>
+            <a:ext cx="2740926" cy="2246769"/>
+          </a:xfrm>
+          <a:prstGeom prst="rect">
+            <a:avLst/>
+          </a:prstGeom>
+          <a:noFill/>
+        </p:spPr>
+        <p:txBody>
+          <a:bodyPr wrap="square" rtlCol="0">
+            <a:spAutoFit/>
+          </a:bodyPr>
+          <a:lstStyle/>
+          <a:p>
+            <a:r>
+              <a:rPr lang="en-US" sz="2000" dirty="0">
+                <a:solidFill>
+                  <a:srgbClr val="00B0F0"/>
+                </a:solidFill>
+                <a:latin typeface="Comic Sans MS" panose="030F0702030302020204" pitchFamily="66" charset="0"/>
+              </a:rPr>
+              <a:t>To show that f is surjective Consider an arbitrary element y ∈ B and find an element x ∈ </a:t>
+            </a:r>
+            <a:r>
+              <a:rPr lang="en-US" sz="2000" dirty="0" smtClean="0">
+                <a:solidFill>
+                  <a:srgbClr val="00B0F0"/>
+                </a:solidFill>
+                <a:latin typeface="Comic Sans MS" panose="030F0702030302020204" pitchFamily="66" charset="0"/>
+              </a:rPr>
+              <a:t>A such </a:t>
+            </a:r>
+            <a:r>
+              <a:rPr lang="en-US" sz="2000" dirty="0">
+                <a:solidFill>
+                  <a:srgbClr val="00B0F0"/>
+                </a:solidFill>
+                <a:latin typeface="Comic Sans MS" panose="030F0702030302020204" pitchFamily="66" charset="0"/>
+              </a:rPr>
+              <a:t>that f (x) = y.</a:t>
+            </a:r>
+          </a:p>
+          <a:p>
+            <a:endParaRPr lang="en-US" sz="2000" dirty="0">
+              <a:solidFill>
+                <a:srgbClr val="00B0F0"/>
+              </a:solidFill>
+            </a:endParaRPr>
+          </a:p>
+        </p:txBody>
+      </p:sp>
+      <mc:AlternateContent xmlns:mc="http://schemas.openxmlformats.org/markup-compatibility/2006">
+        <mc:Choice xmlns:a14="http://schemas.microsoft.com/office/drawing/2010/main" Requires="a14">
+          <p:sp>
+            <p:nvSpPr>
+              <p:cNvPr id="5" name="Content Placeholder 2">
+                <a:extLst>
+                  <a:ext uri="{FF2B5EF4-FFF2-40B4-BE49-F238E27FC236}">
+                    <a16:creationId xmlns:a16="http://schemas.microsoft.com/office/drawing/2014/main" xmlns="" id="{8FD3E7E3-6406-4C87-9E06-5BA40AA66E22}"/>
+                  </a:ext>
+                </a:extLst>
+              </p:cNvPr>
+              <p:cNvSpPr txBox="1">
+                <a:spLocks/>
+              </p:cNvSpPr>
+              <p:nvPr/>
+            </p:nvSpPr>
+            <p:spPr>
+              <a:xfrm>
+                <a:off x="893617" y="1900234"/>
+                <a:ext cx="4210646" cy="529067"/>
+              </a:xfrm>
+              <a:prstGeom prst="rect">
+                <a:avLst/>
+              </a:prstGeom>
+            </p:spPr>
+            <p:txBody>
+              <a:bodyPr vert="horz" lIns="91440" tIns="45720" rIns="91440" bIns="45720" rtlCol="0">
+                <a:normAutofit lnSpcReduction="10000"/>
+              </a:bodyPr>
+              <a:lstStyle>
+                <a:lvl1pPr marL="228600" indent="-228600" algn="l" defTabSz="914400" rtl="0" eaLnBrk="1" latinLnBrk="0" hangingPunct="1">
+                  <a:lnSpc>
+                    <a:spcPct val="90000"/>
+                  </a:lnSpc>
+                  <a:spcBef>
+                    <a:spcPts val="1000"/>
+                  </a:spcBef>
+                  <a:buFont typeface="Arial" panose="020B0604020202020204" pitchFamily="34" charset="0"/>
+                  <a:buChar char="•"/>
+                  <a:defRPr sz="2800" kern="1200">
+                    <a:solidFill>
+                      <a:schemeClr val="tx1"/>
+                    </a:solidFill>
+                    <a:latin typeface="+mn-lt"/>
+                    <a:ea typeface="+mn-ea"/>
+                    <a:cs typeface="+mn-cs"/>
+                  </a:defRPr>
+                </a:lvl1pPr>
+                <a:lvl2pPr marL="685800" indent="-228600" algn="l" defTabSz="914400" rtl="0" eaLnBrk="1" latinLnBrk="0" hangingPunct="1">
+                  <a:lnSpc>
+                    <a:spcPct val="90000"/>
+                  </a:lnSpc>
+                  <a:spcBef>
+                    <a:spcPts val="500"/>
+                  </a:spcBef>
+                  <a:buFont typeface="Arial" panose="020B0604020202020204" pitchFamily="34" charset="0"/>
+                  <a:buChar char="•"/>
+                  <a:defRPr sz="2400" kern="1200">
+                    <a:solidFill>
+                      <a:schemeClr val="tx1"/>
+                    </a:solidFill>
+                    <a:latin typeface="+mn-lt"/>
+                    <a:ea typeface="+mn-ea"/>
+                    <a:cs typeface="+mn-cs"/>
+                  </a:defRPr>
+                </a:lvl2pPr>
+                <a:lvl3pPr marL="1143000" indent="-228600" algn="l" defTabSz="914400" rtl="0" eaLnBrk="1" latinLnBrk="0" hangingPunct="1">
+                  <a:lnSpc>
+                    <a:spcPct val="90000"/>
+                  </a:lnSpc>
+                  <a:spcBef>
+                    <a:spcPts val="500"/>
+                  </a:spcBef>
+                  <a:buFont typeface="Arial" panose="020B0604020202020204" pitchFamily="34" charset="0"/>
+                  <a:buChar char="•"/>
+                  <a:defRPr sz="2000" kern="1200">
+                    <a:solidFill>
+                      <a:schemeClr val="tx1"/>
+                    </a:solidFill>
+                    <a:latin typeface="+mn-lt"/>
+                    <a:ea typeface="+mn-ea"/>
+                    <a:cs typeface="+mn-cs"/>
+                  </a:defRPr>
+                </a:lvl3pPr>
+                <a:lvl4pPr marL="1600200" indent="-228600" algn="l" defTabSz="914400" rtl="0" eaLnBrk="1" latinLnBrk="0" hangingPunct="1">
+                  <a:lnSpc>
+                    <a:spcPct val="90000"/>
+                  </a:lnSpc>
+                  <a:spcBef>
+                    <a:spcPts val="500"/>
+                  </a:spcBef>
+                  <a:buFont typeface="Arial" panose="020B0604020202020204" pitchFamily="34" charset="0"/>
+                  <a:buChar char="•"/>
+                  <a:defRPr sz="1800" kern="1200">
+                    <a:solidFill>
+                      <a:schemeClr val="tx1"/>
+                    </a:solidFill>
+                    <a:latin typeface="+mn-lt"/>
+                    <a:ea typeface="+mn-ea"/>
+                    <a:cs typeface="+mn-cs"/>
+                  </a:defRPr>
+                </a:lvl4pPr>
+                <a:lvl5pPr marL="2057400" indent="-228600" algn="l" defTabSz="914400" rtl="0" eaLnBrk="1" latinLnBrk="0" hangingPunct="1">
+                  <a:lnSpc>
+                    <a:spcPct val="90000"/>
+                  </a:lnSpc>
+                  <a:spcBef>
+                    <a:spcPts val="500"/>
+                  </a:spcBef>
+                  <a:buFont typeface="Arial" panose="020B0604020202020204" pitchFamily="34" charset="0"/>
+                  <a:buChar char="•"/>
+                  <a:defRPr sz="1800" kern="1200">
+                    <a:solidFill>
+                      <a:schemeClr val="tx1"/>
+                    </a:solidFill>
+                    <a:latin typeface="+mn-lt"/>
+                    <a:ea typeface="+mn-ea"/>
+                    <a:cs typeface="+mn-cs"/>
+                  </a:defRPr>
+                </a:lvl5pPr>
+                <a:lvl6pPr marL="2514600" indent="-228600" algn="l" defTabSz="914400" rtl="0" eaLnBrk="1" latinLnBrk="0" hangingPunct="1">
+                  <a:lnSpc>
+                    <a:spcPct val="90000"/>
+                  </a:lnSpc>
+                  <a:spcBef>
+                    <a:spcPts val="500"/>
+                  </a:spcBef>
+                  <a:buFont typeface="Arial" panose="020B0604020202020204" pitchFamily="34" charset="0"/>
+                  <a:buChar char="•"/>
+                  <a:defRPr sz="1800" kern="1200">
+                    <a:solidFill>
+                      <a:schemeClr val="tx1"/>
+                    </a:solidFill>
+                    <a:latin typeface="+mn-lt"/>
+                    <a:ea typeface="+mn-ea"/>
+                    <a:cs typeface="+mn-cs"/>
+                  </a:defRPr>
+                </a:lvl6pPr>
+                <a:lvl7pPr marL="2971800" indent="-228600" algn="l" defTabSz="914400" rtl="0" eaLnBrk="1" latinLnBrk="0" hangingPunct="1">
+                  <a:lnSpc>
+                    <a:spcPct val="90000"/>
+                  </a:lnSpc>
+                  <a:spcBef>
+                    <a:spcPts val="500"/>
+                  </a:spcBef>
+                  <a:buFont typeface="Arial" panose="020B0604020202020204" pitchFamily="34" charset="0"/>
+                  <a:buChar char="•"/>
+                  <a:defRPr sz="1800" kern="1200">
+                    <a:solidFill>
+                      <a:schemeClr val="tx1"/>
+                    </a:solidFill>
+                    <a:latin typeface="+mn-lt"/>
+                    <a:ea typeface="+mn-ea"/>
+                    <a:cs typeface="+mn-cs"/>
+                  </a:defRPr>
+                </a:lvl7pPr>
+                <a:lvl8pPr marL="3429000" indent="-228600" algn="l" defTabSz="914400" rtl="0" eaLnBrk="1" latinLnBrk="0" hangingPunct="1">
+                  <a:lnSpc>
+                    <a:spcPct val="90000"/>
+                  </a:lnSpc>
+                  <a:spcBef>
+                    <a:spcPts val="500"/>
+                  </a:spcBef>
+                  <a:buFont typeface="Arial" panose="020B0604020202020204" pitchFamily="34" charset="0"/>
+                  <a:buChar char="•"/>
+                  <a:defRPr sz="1800" kern="1200">
+                    <a:solidFill>
+                      <a:schemeClr val="tx1"/>
+                    </a:solidFill>
+                    <a:latin typeface="+mn-lt"/>
+                    <a:ea typeface="+mn-ea"/>
+                    <a:cs typeface="+mn-cs"/>
+                  </a:defRPr>
+                </a:lvl8pPr>
+                <a:lvl9pPr marL="3886200" indent="-228600" algn="l" defTabSz="914400" rtl="0" eaLnBrk="1" latinLnBrk="0" hangingPunct="1">
+                  <a:lnSpc>
+                    <a:spcPct val="90000"/>
+                  </a:lnSpc>
+                  <a:spcBef>
+                    <a:spcPts val="500"/>
+                  </a:spcBef>
+                  <a:buFont typeface="Arial" panose="020B0604020202020204" pitchFamily="34" charset="0"/>
+                  <a:buChar char="•"/>
+                  <a:defRPr sz="1800" kern="1200">
+                    <a:solidFill>
+                      <a:schemeClr val="tx1"/>
+                    </a:solidFill>
+                    <a:latin typeface="+mn-lt"/>
+                    <a:ea typeface="+mn-ea"/>
+                    <a:cs typeface="+mn-cs"/>
+                  </a:defRPr>
+                </a:lvl9pPr>
+              </a:lstStyle>
+              <a:p>
+                <a:pPr marL="0" indent="0">
+                  <a:buNone/>
+                </a:pPr>
+                <a:r>
+                  <a:rPr lang="en-US" sz="3200" dirty="0" smtClean="0">
+                    <a:latin typeface="Comic Sans MS" panose="030F0702030302020204" pitchFamily="66" charset="0"/>
+                  </a:rPr>
+                  <a:t>f(x) = </a:t>
+                </a:r>
+                <a14:m>
+                  <m:oMath xmlns:m="http://schemas.openxmlformats.org/officeDocument/2006/math">
+                    <m:sSup>
+                      <m:sSupPr>
+                        <m:ctrlPr>
+                          <a:rPr lang="en-US" sz="3200" i="1" dirty="0" smtClean="0">
+                            <a:latin typeface="Cambria Math" panose="02040503050406030204" pitchFamily="18" charset="0"/>
+                          </a:rPr>
+                        </m:ctrlPr>
+                      </m:sSupPr>
+                      <m:e>
+                        <m:r>
+                          <a:rPr lang="en-US" sz="3200" b="0" i="1" dirty="0" smtClean="0">
+                            <a:latin typeface="Cambria Math" panose="02040503050406030204" pitchFamily="18" charset="0"/>
+                          </a:rPr>
+                          <m:t>𝑥</m:t>
+                        </m:r>
+                      </m:e>
+                      <m:sup>
+                        <m:r>
+                          <a:rPr lang="en-US" sz="3200" b="0" i="1" dirty="0" smtClean="0">
+                            <a:latin typeface="Cambria Math" panose="02040503050406030204" pitchFamily="18" charset="0"/>
+                          </a:rPr>
+                          <m:t>2</m:t>
+                        </m:r>
+                      </m:sup>
+                    </m:sSup>
+                  </m:oMath>
+                </a14:m>
+                <a:r>
+                  <a:rPr lang="en-US" sz="3200" dirty="0" smtClean="0">
+                    <a:latin typeface="Comic Sans MS" panose="030F0702030302020204" pitchFamily="66" charset="0"/>
+                  </a:rPr>
+                  <a:t> from </a:t>
+                </a:r>
+                <a14:m>
+                  <m:oMath xmlns:m="http://schemas.openxmlformats.org/officeDocument/2006/math">
+                    <m:r>
+                      <a:rPr lang="en-US" sz="3200" i="1" smtClean="0">
+                        <a:latin typeface="Cambria Math" panose="02040503050406030204" pitchFamily="18" charset="0"/>
+                        <a:ea typeface="Cambria Math" panose="02040503050406030204" pitchFamily="18" charset="0"/>
+                      </a:rPr>
+                      <m:t>ℕ</m:t>
+                    </m:r>
+                    <m:r>
+                      <m:rPr>
+                        <m:nor/>
+                      </m:rPr>
+                      <a:rPr lang="en-US" sz="3200" b="0" i="0" smtClean="0">
+                        <a:latin typeface="Cambria Math" panose="02040503050406030204" pitchFamily="18" charset="0"/>
+                        <a:ea typeface="Cambria Math" panose="02040503050406030204" pitchFamily="18" charset="0"/>
+                      </a:rPr>
+                      <m:t> </m:t>
+                    </m:r>
+                    <m:r>
+                      <m:rPr>
+                        <m:nor/>
+                      </m:rPr>
+                      <a:rPr lang="en-US" sz="3200" b="0" i="0" smtClean="0">
+                        <a:latin typeface="Comic Sans MS" panose="030F0702030302020204" pitchFamily="66" charset="0"/>
+                        <a:ea typeface="Cambria Math" panose="02040503050406030204" pitchFamily="18" charset="0"/>
+                      </a:rPr>
+                      <m:t>to</m:t>
+                    </m:r>
+                    <m:r>
+                      <a:rPr lang="en-US" sz="3200" b="0" i="1" smtClean="0">
+                        <a:latin typeface="Cambria Math" panose="02040503050406030204" pitchFamily="18" charset="0"/>
+                        <a:ea typeface="Cambria Math" panose="02040503050406030204" pitchFamily="18" charset="0"/>
+                      </a:rPr>
+                      <m:t> </m:t>
+                    </m:r>
+                    <m:r>
+                      <a:rPr lang="en-US" sz="3200" i="1" smtClean="0">
+                        <a:latin typeface="Cambria Math" panose="02040503050406030204" pitchFamily="18" charset="0"/>
+                        <a:ea typeface="Cambria Math" panose="02040503050406030204" pitchFamily="18" charset="0"/>
+                      </a:rPr>
+                      <m:t>ℤ</m:t>
+                    </m:r>
+                  </m:oMath>
+                </a14:m>
+                <a:endParaRPr lang="en-US" sz="3200" dirty="0" smtClean="0">
+                  <a:latin typeface="Comic Sans MS" panose="030F0702030302020204" pitchFamily="66" charset="0"/>
+                  <a:ea typeface="Cambria Math" panose="02040503050406030204" pitchFamily="18" charset="0"/>
+                </a:endParaRPr>
+              </a:p>
+            </p:txBody>
+          </p:sp>
+        </mc:Choice>
+        <mc:Fallback>
+          <p:sp>
+            <p:nvSpPr>
+              <p:cNvPr id="5" name="Content Placeholder 2">
+                <a:extLst>
+                  <a:ext uri="{FF2B5EF4-FFF2-40B4-BE49-F238E27FC236}">
+                    <a16:creationId xmlns:a16="http://schemas.microsoft.com/office/drawing/2014/main" xmlns="" xmlns:a14="http://schemas.microsoft.com/office/drawing/2010/main" id="{8FD3E7E3-6406-4C87-9E06-5BA40AA66E22}"/>
+                  </a:ext>
+                </a:extLst>
+              </p:cNvPr>
+              <p:cNvSpPr txBox="1">
+                <a:spLocks noRot="1" noChangeAspect="1" noMove="1" noResize="1" noEditPoints="1" noAdjustHandles="1" noChangeArrowheads="1" noChangeShapeType="1" noTextEdit="1"/>
+              </p:cNvSpPr>
+              <p:nvPr/>
+            </p:nvSpPr>
+            <p:spPr>
+              <a:xfrm>
+                <a:off x="893617" y="1900234"/>
+                <a:ext cx="4210646" cy="529067"/>
+              </a:xfrm>
+              <a:prstGeom prst="rect">
+                <a:avLst/>
+              </a:prstGeom>
+              <a:blipFill rotWithShape="0">
+                <a:blip r:embed="rId2"/>
+                <a:stretch>
+                  <a:fillRect l="-3768" t="-32184" b="-29885"/>
+                </a:stretch>
+              </a:blipFill>
+            </p:spPr>
+            <p:txBody>
+              <a:bodyPr/>
+              <a:lstStyle/>
+              <a:p>
+                <a:r>
+                  <a:rPr lang="en-US">
+                    <a:noFill/>
+                  </a:rPr>
+                  <a:t> </a:t>
+                </a:r>
+              </a:p>
+            </p:txBody>
+          </p:sp>
+        </mc:Fallback>
+      </mc:AlternateContent>
+    </p:spTree>
+    <p:extLst>
+      <p:ext uri="{BB962C8B-B14F-4D97-AF65-F5344CB8AC3E}">
+        <p14:creationId xmlns:p14="http://schemas.microsoft.com/office/powerpoint/2010/main" val="3082219219"/>
+      </p:ext>
+    </p:extLst>
+  </p:cSld>
+  <p:clrMapOvr>
+    <a:masterClrMapping/>
+  </p:clrMapOvr>
+  <p:timing>
+    <p:tnLst>
+      <p:par>
+        <p:cTn id="1" dur="indefinite" restart="never" nodeType="tmRoot"/>
+      </p:par>
+    </p:tnLst>
+  </p:timing>
+</p:sld>
+</file>
+
+<file path=ppt/slides/slide14.xml><?xml version="1.0" encoding="utf-8"?>
+<p:sld xmlns:a="http://schemas.openxmlformats.org/drawingml/2006/main" xmlns:r="http://schemas.openxmlformats.org/officeDocument/2006/relationships" xmlns:p="http://schemas.openxmlformats.org/presentationml/2006/main">
+  <p:cSld>
+    <p:spTree>
+      <p:nvGrpSpPr>
+        <p:cNvPr id="1" name=""/>
+        <p:cNvGrpSpPr/>
+        <p:nvPr/>
+      </p:nvGrpSpPr>
+      <p:grpSpPr>
+        <a:xfrm>
+          <a:off x="0" y="0"/>
+          <a:ext cx="0" cy="0"/>
+          <a:chOff x="0" y="0"/>
+          <a:chExt cx="0" cy="0"/>
+        </a:xfrm>
+      </p:grpSpPr>
+      <p:sp>
+        <p:nvSpPr>
+          <p:cNvPr id="2" name="Title 1">
+            <a:extLst>
+              <a:ext uri="{FF2B5EF4-FFF2-40B4-BE49-F238E27FC236}">
+                <a16:creationId xmlns:a16="http://schemas.microsoft.com/office/drawing/2014/main" xmlns="" id="{64FC46BD-FCD3-4070-A2FE-CF068D21089D}"/>
+              </a:ext>
+            </a:extLst>
+          </p:cNvPr>
+          <p:cNvSpPr>
+            <a:spLocks noGrp="1"/>
+          </p:cNvSpPr>
+          <p:nvPr>
+            <p:ph type="title"/>
+          </p:nvPr>
+        </p:nvSpPr>
+        <p:spPr/>
+        <p:txBody>
+          <a:bodyPr/>
+          <a:lstStyle/>
+          <a:p>
+            <a:r>
+              <a:rPr lang="en-US" dirty="0">
+                <a:latin typeface="Comic Sans MS" panose="030F0702030302020204" pitchFamily="66" charset="0"/>
+              </a:rPr>
+              <a:t>Onto(Surjective) </a:t>
+            </a:r>
+            <a:r>
+              <a:rPr lang="en-US" dirty="0" smtClean="0">
+                <a:latin typeface="Comic Sans MS" panose="030F0702030302020204" pitchFamily="66" charset="0"/>
+              </a:rPr>
+              <a:t>functions</a:t>
+            </a:r>
+            <a:endParaRPr lang="en-US" dirty="0">
+              <a:latin typeface="Comic Sans MS" panose="030F0702030302020204" pitchFamily="66" charset="0"/>
+            </a:endParaRPr>
+          </a:p>
+        </p:txBody>
+      </p:sp>
+      <p:sp>
+        <p:nvSpPr>
+          <p:cNvPr id="6" name="TextBox 5"/>
+          <p:cNvSpPr txBox="1"/>
+          <p:nvPr/>
+        </p:nvSpPr>
+        <p:spPr>
+          <a:xfrm>
+            <a:off x="9337344" y="302527"/>
+            <a:ext cx="2740926" cy="2246769"/>
+          </a:xfrm>
+          <a:prstGeom prst="rect">
+            <a:avLst/>
+          </a:prstGeom>
+          <a:noFill/>
+        </p:spPr>
+        <p:txBody>
+          <a:bodyPr wrap="square" rtlCol="0">
+            <a:spAutoFit/>
+          </a:bodyPr>
+          <a:lstStyle/>
+          <a:p>
+            <a:r>
+              <a:rPr lang="en-US" sz="2000" dirty="0">
+                <a:solidFill>
+                  <a:srgbClr val="00B0F0"/>
+                </a:solidFill>
+                <a:latin typeface="Comic Sans MS" panose="030F0702030302020204" pitchFamily="66" charset="0"/>
+              </a:rPr>
+              <a:t>To show that f is surjective Consider an arbitrary element y ∈ B and find an element x ∈ </a:t>
+            </a:r>
+            <a:r>
+              <a:rPr lang="en-US" sz="2000" dirty="0" smtClean="0">
+                <a:solidFill>
+                  <a:srgbClr val="00B0F0"/>
+                </a:solidFill>
+                <a:latin typeface="Comic Sans MS" panose="030F0702030302020204" pitchFamily="66" charset="0"/>
+              </a:rPr>
+              <a:t>A such </a:t>
+            </a:r>
+            <a:r>
+              <a:rPr lang="en-US" sz="2000" dirty="0">
+                <a:solidFill>
+                  <a:srgbClr val="00B0F0"/>
+                </a:solidFill>
+                <a:latin typeface="Comic Sans MS" panose="030F0702030302020204" pitchFamily="66" charset="0"/>
+              </a:rPr>
+              <a:t>that f (x) = y.</a:t>
+            </a:r>
+          </a:p>
+          <a:p>
+            <a:endParaRPr lang="en-US" sz="2000" dirty="0">
+              <a:solidFill>
+                <a:srgbClr val="00B0F0"/>
+              </a:solidFill>
+            </a:endParaRPr>
+          </a:p>
+        </p:txBody>
+      </p:sp>
+      <mc:AlternateContent xmlns:mc="http://schemas.openxmlformats.org/markup-compatibility/2006">
+        <mc:Choice xmlns:a14="http://schemas.microsoft.com/office/drawing/2010/main" Requires="a14">
+          <p:sp>
+            <p:nvSpPr>
+              <p:cNvPr id="7" name="Content Placeholder 2">
+                <a:extLst>
+                  <a:ext uri="{FF2B5EF4-FFF2-40B4-BE49-F238E27FC236}">
+                    <a16:creationId xmlns:a16="http://schemas.microsoft.com/office/drawing/2014/main" xmlns="" id="{8FD3E7E3-6406-4C87-9E06-5BA40AA66E22}"/>
+                  </a:ext>
+                </a:extLst>
+              </p:cNvPr>
+              <p:cNvSpPr txBox="1">
+                <a:spLocks/>
+              </p:cNvSpPr>
+              <p:nvPr/>
+            </p:nvSpPr>
+            <p:spPr>
+              <a:xfrm>
+                <a:off x="893617" y="1736462"/>
+                <a:ext cx="4374419" cy="624602"/>
+              </a:xfrm>
+              <a:prstGeom prst="rect">
+                <a:avLst/>
+              </a:prstGeom>
+            </p:spPr>
+            <p:txBody>
+              <a:bodyPr vert="horz" lIns="91440" tIns="45720" rIns="91440" bIns="45720" rtlCol="0">
+                <a:normAutofit/>
+              </a:bodyPr>
+              <a:lstStyle>
+                <a:lvl1pPr marL="228600" indent="-228600" algn="l" defTabSz="914400" rtl="0" eaLnBrk="1" latinLnBrk="0" hangingPunct="1">
+                  <a:lnSpc>
+                    <a:spcPct val="90000"/>
+                  </a:lnSpc>
+                  <a:spcBef>
+                    <a:spcPts val="1000"/>
+                  </a:spcBef>
+                  <a:buFont typeface="Arial" panose="020B0604020202020204" pitchFamily="34" charset="0"/>
+                  <a:buChar char="•"/>
+                  <a:defRPr sz="2800" kern="1200">
+                    <a:solidFill>
+                      <a:schemeClr val="tx1"/>
+                    </a:solidFill>
+                    <a:latin typeface="+mn-lt"/>
+                    <a:ea typeface="+mn-ea"/>
+                    <a:cs typeface="+mn-cs"/>
+                  </a:defRPr>
+                </a:lvl1pPr>
+                <a:lvl2pPr marL="685800" indent="-228600" algn="l" defTabSz="914400" rtl="0" eaLnBrk="1" latinLnBrk="0" hangingPunct="1">
+                  <a:lnSpc>
+                    <a:spcPct val="90000"/>
+                  </a:lnSpc>
+                  <a:spcBef>
+                    <a:spcPts val="500"/>
+                  </a:spcBef>
+                  <a:buFont typeface="Arial" panose="020B0604020202020204" pitchFamily="34" charset="0"/>
+                  <a:buChar char="•"/>
+                  <a:defRPr sz="2400" kern="1200">
+                    <a:solidFill>
+                      <a:schemeClr val="tx1"/>
+                    </a:solidFill>
+                    <a:latin typeface="+mn-lt"/>
+                    <a:ea typeface="+mn-ea"/>
+                    <a:cs typeface="+mn-cs"/>
+                  </a:defRPr>
+                </a:lvl2pPr>
+                <a:lvl3pPr marL="1143000" indent="-228600" algn="l" defTabSz="914400" rtl="0" eaLnBrk="1" latinLnBrk="0" hangingPunct="1">
+                  <a:lnSpc>
+                    <a:spcPct val="90000"/>
+                  </a:lnSpc>
+                  <a:spcBef>
+                    <a:spcPts val="500"/>
+                  </a:spcBef>
+                  <a:buFont typeface="Arial" panose="020B0604020202020204" pitchFamily="34" charset="0"/>
+                  <a:buChar char="•"/>
+                  <a:defRPr sz="2000" kern="1200">
+                    <a:solidFill>
+                      <a:schemeClr val="tx1"/>
+                    </a:solidFill>
+                    <a:latin typeface="+mn-lt"/>
+                    <a:ea typeface="+mn-ea"/>
+                    <a:cs typeface="+mn-cs"/>
+                  </a:defRPr>
+                </a:lvl3pPr>
+                <a:lvl4pPr marL="1600200" indent="-228600" algn="l" defTabSz="914400" rtl="0" eaLnBrk="1" latinLnBrk="0" hangingPunct="1">
+                  <a:lnSpc>
+                    <a:spcPct val="90000"/>
+                  </a:lnSpc>
+                  <a:spcBef>
+                    <a:spcPts val="500"/>
+                  </a:spcBef>
+                  <a:buFont typeface="Arial" panose="020B0604020202020204" pitchFamily="34" charset="0"/>
+                  <a:buChar char="•"/>
+                  <a:defRPr sz="1800" kern="1200">
+                    <a:solidFill>
+                      <a:schemeClr val="tx1"/>
+                    </a:solidFill>
+                    <a:latin typeface="+mn-lt"/>
+                    <a:ea typeface="+mn-ea"/>
+                    <a:cs typeface="+mn-cs"/>
+                  </a:defRPr>
+                </a:lvl4pPr>
+                <a:lvl5pPr marL="2057400" indent="-228600" algn="l" defTabSz="914400" rtl="0" eaLnBrk="1" latinLnBrk="0" hangingPunct="1">
+                  <a:lnSpc>
+                    <a:spcPct val="90000"/>
+                  </a:lnSpc>
+                  <a:spcBef>
+                    <a:spcPts val="500"/>
+                  </a:spcBef>
+                  <a:buFont typeface="Arial" panose="020B0604020202020204" pitchFamily="34" charset="0"/>
+                  <a:buChar char="•"/>
+                  <a:defRPr sz="1800" kern="1200">
+                    <a:solidFill>
+                      <a:schemeClr val="tx1"/>
+                    </a:solidFill>
+                    <a:latin typeface="+mn-lt"/>
+                    <a:ea typeface="+mn-ea"/>
+                    <a:cs typeface="+mn-cs"/>
+                  </a:defRPr>
+                </a:lvl5pPr>
+                <a:lvl6pPr marL="2514600" indent="-228600" algn="l" defTabSz="914400" rtl="0" eaLnBrk="1" latinLnBrk="0" hangingPunct="1">
+                  <a:lnSpc>
+                    <a:spcPct val="90000"/>
+                  </a:lnSpc>
+                  <a:spcBef>
+                    <a:spcPts val="500"/>
+                  </a:spcBef>
+                  <a:buFont typeface="Arial" panose="020B0604020202020204" pitchFamily="34" charset="0"/>
+                  <a:buChar char="•"/>
+                  <a:defRPr sz="1800" kern="1200">
+                    <a:solidFill>
+                      <a:schemeClr val="tx1"/>
+                    </a:solidFill>
+                    <a:latin typeface="+mn-lt"/>
+                    <a:ea typeface="+mn-ea"/>
+                    <a:cs typeface="+mn-cs"/>
+                  </a:defRPr>
+                </a:lvl6pPr>
+                <a:lvl7pPr marL="2971800" indent="-228600" algn="l" defTabSz="914400" rtl="0" eaLnBrk="1" latinLnBrk="0" hangingPunct="1">
+                  <a:lnSpc>
+                    <a:spcPct val="90000"/>
+                  </a:lnSpc>
+                  <a:spcBef>
+                    <a:spcPts val="500"/>
+                  </a:spcBef>
+                  <a:buFont typeface="Arial" panose="020B0604020202020204" pitchFamily="34" charset="0"/>
+                  <a:buChar char="•"/>
+                  <a:defRPr sz="1800" kern="1200">
+                    <a:solidFill>
+                      <a:schemeClr val="tx1"/>
+                    </a:solidFill>
+                    <a:latin typeface="+mn-lt"/>
+                    <a:ea typeface="+mn-ea"/>
+                    <a:cs typeface="+mn-cs"/>
+                  </a:defRPr>
+                </a:lvl7pPr>
+                <a:lvl8pPr marL="3429000" indent="-228600" algn="l" defTabSz="914400" rtl="0" eaLnBrk="1" latinLnBrk="0" hangingPunct="1">
+                  <a:lnSpc>
+                    <a:spcPct val="90000"/>
+                  </a:lnSpc>
+                  <a:spcBef>
+                    <a:spcPts val="500"/>
+                  </a:spcBef>
+                  <a:buFont typeface="Arial" panose="020B0604020202020204" pitchFamily="34" charset="0"/>
+                  <a:buChar char="•"/>
+                  <a:defRPr sz="1800" kern="1200">
+                    <a:solidFill>
+                      <a:schemeClr val="tx1"/>
+                    </a:solidFill>
+                    <a:latin typeface="+mn-lt"/>
+                    <a:ea typeface="+mn-ea"/>
+                    <a:cs typeface="+mn-cs"/>
+                  </a:defRPr>
+                </a:lvl8pPr>
+                <a:lvl9pPr marL="3886200" indent="-228600" algn="l" defTabSz="914400" rtl="0" eaLnBrk="1" latinLnBrk="0" hangingPunct="1">
+                  <a:lnSpc>
+                    <a:spcPct val="90000"/>
+                  </a:lnSpc>
+                  <a:spcBef>
+                    <a:spcPts val="500"/>
+                  </a:spcBef>
+                  <a:buFont typeface="Arial" panose="020B0604020202020204" pitchFamily="34" charset="0"/>
+                  <a:buChar char="•"/>
+                  <a:defRPr sz="1800" kern="1200">
+                    <a:solidFill>
+                      <a:schemeClr val="tx1"/>
+                    </a:solidFill>
+                    <a:latin typeface="+mn-lt"/>
+                    <a:ea typeface="+mn-ea"/>
+                    <a:cs typeface="+mn-cs"/>
+                  </a:defRPr>
+                </a:lvl9pPr>
+              </a:lstStyle>
+              <a:p>
+                <a:pPr marL="0" indent="0">
+                  <a:buNone/>
+                </a:pPr>
+                <a:r>
+                  <a:rPr lang="en-US" sz="3200" dirty="0" smtClean="0">
+                    <a:latin typeface="Comic Sans MS" panose="030F0702030302020204" pitchFamily="66" charset="0"/>
+                  </a:rPr>
+                  <a:t>f(x</a:t>
+                </a:r>
+                <a:r>
+                  <a:rPr lang="en-US" sz="3200" dirty="0">
+                    <a:latin typeface="Comic Sans MS" panose="030F0702030302020204" pitchFamily="66" charset="0"/>
+                  </a:rPr>
+                  <a:t>) = </a:t>
+                </a:r>
+                <a:r>
+                  <a:rPr lang="en-US" sz="3200" dirty="0" smtClean="0">
+                    <a:latin typeface="Comic Sans MS" panose="030F0702030302020204" pitchFamily="66" charset="0"/>
+                  </a:rPr>
+                  <a:t>x+1 from </a:t>
+                </a:r>
+                <a14:m>
+                  <m:oMath xmlns:m="http://schemas.openxmlformats.org/officeDocument/2006/math">
+                    <m:r>
+                      <a:rPr lang="en-US" sz="3200" i="1">
+                        <a:latin typeface="Cambria Math" panose="02040503050406030204" pitchFamily="18" charset="0"/>
+                        <a:ea typeface="Cambria Math" panose="02040503050406030204" pitchFamily="18" charset="0"/>
+                      </a:rPr>
+                      <m:t>ℤ</m:t>
+                    </m:r>
+                    <m:r>
+                      <m:rPr>
+                        <m:nor/>
+                      </m:rPr>
+                      <a:rPr lang="en-US" sz="3200">
+                        <a:latin typeface="Cambria Math" panose="02040503050406030204" pitchFamily="18" charset="0"/>
+                        <a:ea typeface="Cambria Math" panose="02040503050406030204" pitchFamily="18" charset="0"/>
+                      </a:rPr>
+                      <m:t> </m:t>
+                    </m:r>
+                    <m:r>
+                      <m:rPr>
+                        <m:nor/>
+                      </m:rPr>
+                      <a:rPr lang="en-US" sz="3200">
+                        <a:latin typeface="Comic Sans MS" panose="030F0702030302020204" pitchFamily="66" charset="0"/>
+                        <a:ea typeface="Cambria Math" panose="02040503050406030204" pitchFamily="18" charset="0"/>
+                      </a:rPr>
+                      <m:t>to</m:t>
+                    </m:r>
+                    <m:r>
+                      <a:rPr lang="en-US" sz="3200" i="1">
+                        <a:latin typeface="Cambria Math" panose="02040503050406030204" pitchFamily="18" charset="0"/>
+                        <a:ea typeface="Cambria Math" panose="02040503050406030204" pitchFamily="18" charset="0"/>
+                      </a:rPr>
+                      <m:t> </m:t>
+                    </m:r>
+                    <m:r>
+                      <a:rPr lang="en-US" sz="3200" i="1">
+                        <a:latin typeface="Cambria Math" panose="02040503050406030204" pitchFamily="18" charset="0"/>
+                        <a:ea typeface="Cambria Math" panose="02040503050406030204" pitchFamily="18" charset="0"/>
+                      </a:rPr>
+                      <m:t>ℤ</m:t>
+                    </m:r>
+                  </m:oMath>
+                </a14:m>
+                <a:endParaRPr lang="en-US" sz="3200" dirty="0">
+                  <a:latin typeface="Comic Sans MS" panose="030F0702030302020204" pitchFamily="66" charset="0"/>
+                </a:endParaRPr>
+              </a:p>
+              <a:p>
+                <a:pPr marL="0" indent="0">
+                  <a:buNone/>
+                </a:pPr>
+                <a:endParaRPr lang="en-US" sz="3200" dirty="0" smtClean="0">
+                  <a:latin typeface="Comic Sans MS" panose="030F0702030302020204" pitchFamily="66" charset="0"/>
+                </a:endParaRPr>
+              </a:p>
+            </p:txBody>
+          </p:sp>
+        </mc:Choice>
+        <mc:Fallback>
+          <p:sp>
+            <p:nvSpPr>
+              <p:cNvPr id="7" name="Content Placeholder 2">
+                <a:extLst>
+                  <a:ext uri="{FF2B5EF4-FFF2-40B4-BE49-F238E27FC236}">
+                    <a16:creationId xmlns:a16="http://schemas.microsoft.com/office/drawing/2014/main" xmlns="" xmlns:a14="http://schemas.microsoft.com/office/drawing/2010/main" id="{8FD3E7E3-6406-4C87-9E06-5BA40AA66E22}"/>
+                  </a:ext>
+                </a:extLst>
+              </p:cNvPr>
+              <p:cNvSpPr txBox="1">
+                <a:spLocks noRot="1" noChangeAspect="1" noMove="1" noResize="1" noEditPoints="1" noAdjustHandles="1" noChangeArrowheads="1" noChangeShapeType="1" noTextEdit="1"/>
+              </p:cNvSpPr>
+              <p:nvPr/>
+            </p:nvSpPr>
+            <p:spPr>
+              <a:xfrm>
+                <a:off x="893617" y="1736462"/>
+                <a:ext cx="4374419" cy="624602"/>
+              </a:xfrm>
+              <a:prstGeom prst="rect">
+                <a:avLst/>
+              </a:prstGeom>
+              <a:blipFill rotWithShape="0">
+                <a:blip r:embed="rId2"/>
+                <a:stretch>
+                  <a:fillRect l="-3626" t="-20588" b="-17647"/>
+                </a:stretch>
+              </a:blipFill>
+            </p:spPr>
+            <p:txBody>
+              <a:bodyPr/>
+              <a:lstStyle/>
+              <a:p>
+                <a:r>
+                  <a:rPr lang="en-US">
+                    <a:noFill/>
+                  </a:rPr>
+                  <a:t> </a:t>
+                </a:r>
+              </a:p>
+            </p:txBody>
+          </p:sp>
+        </mc:Fallback>
+      </mc:AlternateContent>
+    </p:spTree>
+    <p:extLst>
+      <p:ext uri="{BB962C8B-B14F-4D97-AF65-F5344CB8AC3E}">
+        <p14:creationId xmlns:p14="http://schemas.microsoft.com/office/powerpoint/2010/main" val="99796616"/>
+      </p:ext>
+    </p:extLst>
+  </p:cSld>
+  <p:clrMapOvr>
+    <a:masterClrMapping/>
+  </p:clrMapOvr>
+  <p:timing>
+    <p:tnLst>
+      <p:par>
+        <p:cTn id="1" dur="indefinite" restart="never" nodeType="tmRoot"/>
+      </p:par>
+    </p:tnLst>
+  </p:timing>
+</p:sld>
+</file>
+
+<file path=ppt/slides/slide15.xml><?xml version="1.0" encoding="utf-8"?>
+<p:sld xmlns:a="http://schemas.openxmlformats.org/drawingml/2006/main" xmlns:r="http://schemas.openxmlformats.org/officeDocument/2006/relationships" xmlns:p="http://schemas.openxmlformats.org/presentationml/2006/main">
+  <p:cSld>
+    <p:spTree>
+      <p:nvGrpSpPr>
+        <p:cNvPr id="1" name=""/>
+        <p:cNvGrpSpPr/>
+        <p:nvPr/>
+      </p:nvGrpSpPr>
+      <p:grpSpPr>
+        <a:xfrm>
+          <a:off x="0" y="0"/>
+          <a:ext cx="0" cy="0"/>
+          <a:chOff x="0" y="0"/>
+          <a:chExt cx="0" cy="0"/>
+        </a:xfrm>
+      </p:grpSpPr>
+      <p:sp>
+        <p:nvSpPr>
+          <p:cNvPr id="2" name="Title 1">
+            <a:extLst>
+              <a:ext uri="{FF2B5EF4-FFF2-40B4-BE49-F238E27FC236}">
+                <a16:creationId xmlns:a16="http://schemas.microsoft.com/office/drawing/2014/main" xmlns="" id="{64FC46BD-FCD3-4070-A2FE-CF068D21089D}"/>
+              </a:ext>
+            </a:extLst>
+          </p:cNvPr>
+          <p:cNvSpPr>
+            <a:spLocks noGrp="1"/>
+          </p:cNvSpPr>
+          <p:nvPr>
+            <p:ph type="title"/>
+          </p:nvPr>
+        </p:nvSpPr>
+        <p:spPr/>
+        <p:txBody>
+          <a:bodyPr/>
+          <a:lstStyle/>
+          <a:p>
+            <a:r>
+              <a:rPr lang="en-US" dirty="0" smtClean="0">
+                <a:latin typeface="Comic Sans MS" panose="030F0702030302020204" pitchFamily="66" charset="0"/>
+              </a:rPr>
+              <a:t>Bijective Functions</a:t>
+            </a:r>
+            <a:endParaRPr lang="en-US" dirty="0">
+              <a:latin typeface="Comic Sans MS" panose="030F0702030302020204" pitchFamily="66" charset="0"/>
+            </a:endParaRPr>
+          </a:p>
+        </p:txBody>
+      </p:sp>
+      <p:sp>
+        <p:nvSpPr>
+          <p:cNvPr id="4" name="Content Placeholder 2">
+            <a:extLst>
+              <a:ext uri="{FF2B5EF4-FFF2-40B4-BE49-F238E27FC236}">
+                <a16:creationId xmlns:a16="http://schemas.microsoft.com/office/drawing/2014/main" xmlns="" xmlns:a14="http://schemas.microsoft.com/office/drawing/2010/main" xmlns:mc="http://schemas.openxmlformats.org/markup-compatibility/2006" id="{8FD3E7E3-6406-4C87-9E06-5BA40AA66E22}"/>
               </a:ext>
             </a:extLst>
           </p:cNvPr>
@@ -4262,7 +5936,7 @@
 </p:sld>
 </file>
 
-<file path=ppt/slides/slide12.xml><?xml version="1.0" encoding="utf-8"?>
+<file path=ppt/slides/slide16.xml><?xml version="1.0" encoding="utf-8"?>
 <p:sld xmlns:a="http://schemas.openxmlformats.org/drawingml/2006/main" xmlns:r="http://schemas.openxmlformats.org/officeDocument/2006/relationships" xmlns:p="http://schemas.openxmlformats.org/presentationml/2006/main">
   <p:cSld>
     <p:spTree>
@@ -4284,7 +5958,7 @@
           <p:cNvPr id="2" name="Title 1">
             <a:extLst>
               <a:ext uri="{FF2B5EF4-FFF2-40B4-BE49-F238E27FC236}">
-                <a16:creationId xmlns="" xmlns:a16="http://schemas.microsoft.com/office/drawing/2014/main" id="{64FC46BD-FCD3-4070-A2FE-CF068D21089D}"/>
+                <a16:creationId xmlns:a16="http://schemas.microsoft.com/office/drawing/2014/main" xmlns="" id="{64FC46BD-FCD3-4070-A2FE-CF068D21089D}"/>
               </a:ext>
             </a:extLst>
           </p:cNvPr>
@@ -4319,7 +5993,7 @@
               <p:cNvPr id="4" name="Content Placeholder 2">
                 <a:extLst>
                   <a:ext uri="{FF2B5EF4-FFF2-40B4-BE49-F238E27FC236}">
-                    <a16:creationId xmlns="" xmlns:a16="http://schemas.microsoft.com/office/drawing/2014/main" id="{8FD3E7E3-6406-4C87-9E06-5BA40AA66E22}"/>
+                    <a16:creationId xmlns:a16="http://schemas.microsoft.com/office/drawing/2014/main" xmlns="" id="{8FD3E7E3-6406-4C87-9E06-5BA40AA66E22}"/>
                   </a:ext>
                 </a:extLst>
               </p:cNvPr>
@@ -4738,7 +6412,7 @@
 </p:sld>
 </file>
 
-<file path=ppt/slides/slide13.xml><?xml version="1.0" encoding="utf-8"?>
+<file path=ppt/slides/slide17.xml><?xml version="1.0" encoding="utf-8"?>
 <p:sld xmlns:a="http://schemas.openxmlformats.org/drawingml/2006/main" xmlns:r="http://schemas.openxmlformats.org/officeDocument/2006/relationships" xmlns:p="http://schemas.openxmlformats.org/presentationml/2006/main">
   <p:cSld>
     <p:spTree>
@@ -4760,7 +6434,7 @@
           <p:cNvPr id="2" name="Title 1">
             <a:extLst>
               <a:ext uri="{FF2B5EF4-FFF2-40B4-BE49-F238E27FC236}">
-                <a16:creationId xmlns="" xmlns:a16="http://schemas.microsoft.com/office/drawing/2014/main" id="{64FC46BD-FCD3-4070-A2FE-CF068D21089D}"/>
+                <a16:creationId xmlns:a16="http://schemas.microsoft.com/office/drawing/2014/main" xmlns="" id="{64FC46BD-FCD3-4070-A2FE-CF068D21089D}"/>
               </a:ext>
             </a:extLst>
           </p:cNvPr>
@@ -5742,7 +7416,7 @@
 </p:sld>
 </file>
 
-<file path=ppt/slides/slide14.xml><?xml version="1.0" encoding="utf-8"?>
+<file path=ppt/slides/slide18.xml><?xml version="1.0" encoding="utf-8"?>
 <p:sld xmlns:a="http://schemas.openxmlformats.org/drawingml/2006/main" xmlns:r="http://schemas.openxmlformats.org/officeDocument/2006/relationships" xmlns:p="http://schemas.openxmlformats.org/presentationml/2006/main">
   <p:cSld>
     <p:spTree>
@@ -5764,7 +7438,7 @@
           <p:cNvPr id="2" name="Title 1">
             <a:extLst>
               <a:ext uri="{FF2B5EF4-FFF2-40B4-BE49-F238E27FC236}">
-                <a16:creationId xmlns="" xmlns:a16="http://schemas.microsoft.com/office/drawing/2014/main" id="{64FC46BD-FCD3-4070-A2FE-CF068D21089D}"/>
+                <a16:creationId xmlns:a16="http://schemas.microsoft.com/office/drawing/2014/main" xmlns="" id="{64FC46BD-FCD3-4070-A2FE-CF068D21089D}"/>
               </a:ext>
             </a:extLst>
           </p:cNvPr>
@@ -5792,14 +7466,14 @@
           </a:p>
         </p:txBody>
       </p:sp>
-      <mc:AlternateContent xmlns:mc="http://schemas.openxmlformats.org/markup-compatibility/2006" xmlns:a14="http://schemas.microsoft.com/office/drawing/2010/main">
-        <mc:Choice Requires="a14">
+      <mc:AlternateContent xmlns:mc="http://schemas.openxmlformats.org/markup-compatibility/2006">
+        <mc:Choice xmlns:a14="http://schemas.microsoft.com/office/drawing/2010/main" Requires="a14">
           <p:sp>
             <p:nvSpPr>
               <p:cNvPr id="4" name="Content Placeholder 2">
                 <a:extLst>
                   <a:ext uri="{FF2B5EF4-FFF2-40B4-BE49-F238E27FC236}">
-                    <a16:creationId xmlns="" xmlns:a16="http://schemas.microsoft.com/office/drawing/2014/main" id="{8FD3E7E3-6406-4C87-9E06-5BA40AA66E22}"/>
+                    <a16:creationId xmlns:a16="http://schemas.microsoft.com/office/drawing/2014/main" xmlns="" id="{8FD3E7E3-6406-4C87-9E06-5BA40AA66E22}"/>
                   </a:ext>
                 </a:extLst>
               </p:cNvPr>
@@ -5810,8 +7484,8 @@
             </p:nvSpPr>
             <p:spPr>
               <a:xfrm>
-                <a:off x="893617" y="1900234"/>
-                <a:ext cx="10393082" cy="1975730"/>
+                <a:off x="811730" y="1586336"/>
+                <a:ext cx="10393082" cy="802022"/>
               </a:xfrm>
               <a:prstGeom prst="rect">
                 <a:avLst/>
@@ -5819,7 +7493,7 @@
             </p:spPr>
             <p:txBody>
               <a:bodyPr vert="horz" lIns="91440" tIns="45720" rIns="91440" bIns="45720" rtlCol="0">
-                <a:normAutofit/>
+                <a:normAutofit lnSpcReduction="10000"/>
               </a:bodyPr>
               <a:lstStyle>
                 <a:lvl1pPr marL="228600" indent="-228600" algn="l" defTabSz="914400" rtl="0" eaLnBrk="1" latinLnBrk="0" hangingPunct="1">
@@ -5990,7 +7664,7 @@
                   <a:buNone/>
                 </a:pPr>
                 <a:r>
-                  <a:rPr lang="en-US" sz="4000" dirty="0" smtClean="0">
+                  <a:rPr lang="en-US" dirty="0" smtClean="0">
                     <a:latin typeface="Comic Sans MS" panose="030F0702030302020204" pitchFamily="66" charset="0"/>
                   </a:rPr>
                   <a:t>f:</a:t>
@@ -5998,7 +7672,7 @@
                 <a14:m>
                   <m:oMath xmlns:m="http://schemas.openxmlformats.org/officeDocument/2006/math">
                     <m:r>
-                      <a:rPr lang="en-US" sz="4000" i="1">
+                      <a:rPr lang="en-US" i="1">
                         <a:latin typeface="Cambria Math" panose="02040503050406030204" pitchFamily="18" charset="0"/>
                         <a:ea typeface="Cambria Math" panose="02040503050406030204" pitchFamily="18" charset="0"/>
                       </a:rPr>
@@ -6008,7 +7682,7 @@
                       <m:rPr>
                         <m:nor/>
                       </m:rPr>
-                      <a:rPr lang="en-US" sz="4000" b="0" i="0" smtClean="0">
+                      <a:rPr lang="en-US" b="0" i="0" smtClean="0">
                         <a:latin typeface="Cambria Math" panose="02040503050406030204" pitchFamily="18" charset="0"/>
                         <a:ea typeface="Cambria Math" panose="02040503050406030204" pitchFamily="18" charset="0"/>
                       </a:rPr>
@@ -6018,21 +7692,21 @@
                       <m:rPr>
                         <m:nor/>
                       </m:rPr>
-                      <a:rPr lang="en-US" sz="4000" b="0" i="0" smtClean="0">
+                      <a:rPr lang="en-US" b="0" i="0" smtClean="0">
                         <a:latin typeface="Comic Sans MS" panose="030F0702030302020204" pitchFamily="66" charset="0"/>
                         <a:ea typeface="Cambria Math" panose="02040503050406030204" pitchFamily="18" charset="0"/>
                       </a:rPr>
                       <m:t>to</m:t>
                     </m:r>
                     <m:r>
-                      <a:rPr lang="en-US" sz="4000" b="0" i="1" smtClean="0">
+                      <a:rPr lang="en-US" b="0" i="1" smtClean="0">
                         <a:latin typeface="Cambria Math" panose="02040503050406030204" pitchFamily="18" charset="0"/>
                         <a:ea typeface="Cambria Math" panose="02040503050406030204" pitchFamily="18" charset="0"/>
                       </a:rPr>
                       <m:t> </m:t>
                     </m:r>
                     <m:r>
-                      <a:rPr lang="en-US" sz="4000" i="1" smtClean="0">
+                      <a:rPr lang="en-US" i="1" smtClean="0">
                         <a:latin typeface="Cambria Math" panose="02040503050406030204" pitchFamily="18" charset="0"/>
                         <a:ea typeface="Cambria Math" panose="02040503050406030204" pitchFamily="18" charset="0"/>
                       </a:rPr>
@@ -6041,7 +7715,7 @@
                   </m:oMath>
                 </a14:m>
                 <a:r>
-                  <a:rPr lang="en-US" sz="4000" dirty="0" smtClean="0">
+                  <a:rPr lang="en-US" dirty="0" smtClean="0">
                     <a:latin typeface="Comic Sans MS" panose="030F0702030302020204" pitchFamily="66" charset="0"/>
                     <a:ea typeface="Cambria Math" panose="02040503050406030204" pitchFamily="18" charset="0"/>
                   </a:rPr>
@@ -6051,7 +7725,7 @@
             </p:txBody>
           </p:sp>
         </mc:Choice>
-        <mc:Fallback xmlns="">
+        <mc:Fallback>
           <p:sp>
             <p:nvSpPr>
               <p:cNvPr id="4" name="Content Placeholder 2">
@@ -6068,8 +7742,8 @@
             </p:nvSpPr>
             <p:spPr>
               <a:xfrm>
-                <a:off x="893617" y="1900234"/>
-                <a:ext cx="10393082" cy="1975730"/>
+                <a:off x="811730" y="1586336"/>
+                <a:ext cx="10393082" cy="802022"/>
               </a:xfrm>
               <a:prstGeom prst="rect">
                 <a:avLst/>
@@ -6077,7 +7751,7 @@
               <a:blipFill rotWithShape="0">
                 <a:blip r:embed="rId2"/>
                 <a:stretch>
-                  <a:fillRect l="-2113" t="-8642" b="-1235"/>
+                  <a:fillRect l="-1173" t="-17424" b="-18182"/>
                 </a:stretch>
               </a:blipFill>
             </p:spPr>
@@ -6116,7 +7790,7 @@
 </p:sld>
 </file>
 
-<file path=ppt/slides/slide15.xml><?xml version="1.0" encoding="utf-8"?>
+<file path=ppt/slides/slide19.xml><?xml version="1.0" encoding="utf-8"?>
 <p:sld xmlns:a="http://schemas.openxmlformats.org/drawingml/2006/main" xmlns:r="http://schemas.openxmlformats.org/officeDocument/2006/relationships" xmlns:p="http://schemas.openxmlformats.org/presentationml/2006/main">
   <p:cSld>
     <p:spTree>
@@ -6138,7 +7812,7 @@
           <p:cNvPr id="2" name="Title 1">
             <a:extLst>
               <a:ext uri="{FF2B5EF4-FFF2-40B4-BE49-F238E27FC236}">
-                <a16:creationId xmlns="" xmlns:a16="http://schemas.microsoft.com/office/drawing/2014/main" id="{64FC46BD-FCD3-4070-A2FE-CF068D21089D}"/>
+                <a16:creationId xmlns:a16="http://schemas.microsoft.com/office/drawing/2014/main" xmlns="" id="{64FC46BD-FCD3-4070-A2FE-CF068D21089D}"/>
               </a:ext>
             </a:extLst>
           </p:cNvPr>
@@ -6171,7 +7845,7 @@
           <p:cNvPr id="4" name="Content Placeholder 2">
             <a:extLst>
               <a:ext uri="{FF2B5EF4-FFF2-40B4-BE49-F238E27FC236}">
-                <a16:creationId xmlns:mc="http://schemas.openxmlformats.org/markup-compatibility/2006" xmlns:a14="http://schemas.microsoft.com/office/drawing/2010/main" xmlns="" xmlns:a16="http://schemas.microsoft.com/office/drawing/2014/main" id="{8FD3E7E3-6406-4C87-9E06-5BA40AA66E22}"/>
+                <a16:creationId xmlns:a16="http://schemas.microsoft.com/office/drawing/2014/main" xmlns="" xmlns:a14="http://schemas.microsoft.com/office/drawing/2010/main" xmlns:mc="http://schemas.openxmlformats.org/markup-compatibility/2006" id="{8FD3E7E3-6406-4C87-9E06-5BA40AA66E22}"/>
               </a:ext>
             </a:extLst>
           </p:cNvPr>
@@ -6531,7 +8205,7 @@
           <p:cNvPr id="2" name="Title 1">
             <a:extLst>
               <a:ext uri="{FF2B5EF4-FFF2-40B4-BE49-F238E27FC236}">
-                <a16:creationId xmlns="" xmlns:a16="http://schemas.microsoft.com/office/drawing/2014/main" id="{64FC46BD-FCD3-4070-A2FE-CF068D21089D}"/>
+                <a16:creationId xmlns:a16="http://schemas.microsoft.com/office/drawing/2014/main" xmlns="" id="{64FC46BD-FCD3-4070-A2FE-CF068D21089D}"/>
               </a:ext>
             </a:extLst>
           </p:cNvPr>
@@ -6564,7 +8238,7 @@
           <p:cNvPr id="3" name="Content Placeholder 2">
             <a:extLst>
               <a:ext uri="{FF2B5EF4-FFF2-40B4-BE49-F238E27FC236}">
-                <a16:creationId xmlns="" xmlns:a16="http://schemas.microsoft.com/office/drawing/2014/main" id="{8FD3E7E3-6406-4C87-9E06-5BA40AA66E22}"/>
+                <a16:creationId xmlns:a16="http://schemas.microsoft.com/office/drawing/2014/main" xmlns="" id="{8FD3E7E3-6406-4C87-9E06-5BA40AA66E22}"/>
               </a:ext>
             </a:extLst>
           </p:cNvPr>
@@ -6577,7 +8251,7 @@
         </p:nvSpPr>
         <p:spPr>
           <a:xfrm>
-            <a:off x="838199" y="1825625"/>
+            <a:off x="879143" y="1457135"/>
             <a:ext cx="10425545" cy="432666"/>
           </a:xfrm>
         </p:spPr>
@@ -6610,7 +8284,7 @@
         </p:nvSpPr>
         <p:spPr>
           <a:xfrm>
-            <a:off x="1856509" y="2322005"/>
+            <a:off x="778336" y="2089993"/>
             <a:ext cx="1607127" cy="3463637"/>
           </a:xfrm>
           <a:prstGeom prst="ellipse">
@@ -6651,7 +8325,7 @@
         </p:nvSpPr>
         <p:spPr>
           <a:xfrm>
-            <a:off x="2327564" y="2654514"/>
+            <a:off x="1249391" y="2422502"/>
             <a:ext cx="595745" cy="2585323"/>
           </a:xfrm>
           <a:prstGeom prst="rect">
@@ -6737,7 +8411,7 @@
         </p:nvSpPr>
         <p:spPr>
           <a:xfrm>
-            <a:off x="5721927" y="2367756"/>
+            <a:off x="4643754" y="2135744"/>
             <a:ext cx="1607127" cy="3463637"/>
           </a:xfrm>
           <a:prstGeom prst="ellipse">
@@ -6778,7 +8452,7 @@
         </p:nvSpPr>
         <p:spPr>
           <a:xfrm>
-            <a:off x="6026727" y="3208511"/>
+            <a:off x="4948554" y="2976499"/>
             <a:ext cx="1468582" cy="1477328"/>
           </a:xfrm>
           <a:prstGeom prst="rect">
@@ -6835,7 +8509,7 @@
         </p:nvCxnSpPr>
         <p:spPr>
           <a:xfrm>
-            <a:off x="2660072" y="2806914"/>
+            <a:off x="1581899" y="2574902"/>
             <a:ext cx="3366655" cy="1593273"/>
           </a:xfrm>
           <a:prstGeom prst="straightConnector1">
@@ -6868,7 +8542,7 @@
         </p:nvCxnSpPr>
         <p:spPr>
           <a:xfrm>
-            <a:off x="2660072" y="3402659"/>
+            <a:off x="1581899" y="3170647"/>
             <a:ext cx="3269673" cy="0"/>
           </a:xfrm>
           <a:prstGeom prst="straightConnector1">
@@ -6901,7 +8575,7 @@
         </p:nvCxnSpPr>
         <p:spPr>
           <a:xfrm flipV="1">
-            <a:off x="2660072" y="3603550"/>
+            <a:off x="1581899" y="3371538"/>
             <a:ext cx="3269673" cy="343625"/>
           </a:xfrm>
           <a:prstGeom prst="straightConnector1">
@@ -6934,7 +8608,7 @@
         </p:nvCxnSpPr>
         <p:spPr>
           <a:xfrm>
-            <a:off x="2708562" y="4429346"/>
+            <a:off x="1630389" y="4197334"/>
             <a:ext cx="3318165" cy="123241"/>
           </a:xfrm>
           <a:prstGeom prst="straightConnector1">
@@ -6967,7 +8641,7 @@
         </p:nvCxnSpPr>
         <p:spPr>
           <a:xfrm flipV="1">
-            <a:off x="2708562" y="4685839"/>
+            <a:off x="1630389" y="4453827"/>
             <a:ext cx="3318165" cy="430757"/>
           </a:xfrm>
           <a:prstGeom prst="straightConnector1">
@@ -6997,7 +8671,7 @@
           <p:cNvPr id="22" name="Content Placeholder 2">
             <a:extLst>
               <a:ext uri="{FF2B5EF4-FFF2-40B4-BE49-F238E27FC236}">
-                <a16:creationId xmlns="" xmlns:a16="http://schemas.microsoft.com/office/drawing/2014/main" id="{8FD3E7E3-6406-4C87-9E06-5BA40AA66E22}"/>
+                <a16:creationId xmlns:a16="http://schemas.microsoft.com/office/drawing/2014/main" xmlns="" id="{8FD3E7E3-6406-4C87-9E06-5BA40AA66E22}"/>
               </a:ext>
             </a:extLst>
           </p:cNvPr>
@@ -7008,7 +8682,7 @@
         </p:nvSpPr>
         <p:spPr>
           <a:xfrm>
-            <a:off x="1813213" y="5979545"/>
+            <a:off x="857869" y="5788476"/>
             <a:ext cx="2220191" cy="432666"/>
           </a:xfrm>
           <a:prstGeom prst="rect">
@@ -7208,7 +8882,7 @@
         </p:nvSpPr>
         <p:spPr>
           <a:xfrm>
-            <a:off x="5929745" y="6051254"/>
+            <a:off x="4715094" y="5791947"/>
             <a:ext cx="1607127" cy="369332"/>
           </a:xfrm>
           <a:prstGeom prst="rect">
@@ -7398,7 +9072,7 @@
           <p:cNvPr id="2" name="Title 1">
             <a:extLst>
               <a:ext uri="{FF2B5EF4-FFF2-40B4-BE49-F238E27FC236}">
-                <a16:creationId xmlns="" xmlns:a16="http://schemas.microsoft.com/office/drawing/2014/main" id="{64FC46BD-FCD3-4070-A2FE-CF068D21089D}"/>
+                <a16:creationId xmlns:a16="http://schemas.microsoft.com/office/drawing/2014/main" xmlns="" id="{64FC46BD-FCD3-4070-A2FE-CF068D21089D}"/>
               </a:ext>
             </a:extLst>
           </p:cNvPr>
@@ -7428,10 +9102,443 @@
       </p:sp>
       <p:sp>
         <p:nvSpPr>
-          <p:cNvPr id="4" name="Content Placeholder 2">
+          <p:cNvPr id="3" name="Content Placeholder 2">
             <a:extLst>
               <a:ext uri="{FF2B5EF4-FFF2-40B4-BE49-F238E27FC236}">
-                <a16:creationId xmlns="" xmlns:a16="http://schemas.microsoft.com/office/drawing/2014/main" id="{8FD3E7E3-6406-4C87-9E06-5BA40AA66E22}"/>
+                <a16:creationId xmlns:a16="http://schemas.microsoft.com/office/drawing/2014/main" xmlns="" id="{8FD3E7E3-6406-4C87-9E06-5BA40AA66E22}"/>
+              </a:ext>
+            </a:extLst>
+          </p:cNvPr>
+          <p:cNvSpPr>
+            <a:spLocks noGrp="1"/>
+          </p:cNvSpPr>
+          <p:nvPr>
+            <p:ph idx="1"/>
+          </p:nvPr>
+        </p:nvSpPr>
+        <p:spPr>
+          <a:xfrm>
+            <a:off x="879143" y="1457135"/>
+            <a:ext cx="10425545" cy="432666"/>
+          </a:xfrm>
+        </p:spPr>
+        <p:txBody>
+          <a:bodyPr>
+            <a:normAutofit fontScale="77500" lnSpcReduction="20000"/>
+          </a:bodyPr>
+          <a:lstStyle/>
+          <a:p>
+            <a:pPr marL="0" indent="0">
+              <a:buNone/>
+            </a:pPr>
+            <a:r>
+              <a:rPr lang="en-US" sz="4000" dirty="0" smtClean="0">
+                <a:latin typeface="Comic Sans MS" panose="030F0702030302020204" pitchFamily="66" charset="0"/>
+              </a:rPr>
+              <a:t>Informally, mapping between two sets</a:t>
+            </a:r>
+            <a:endParaRPr lang="en-US" sz="4000" dirty="0">
+              <a:latin typeface="Comic Sans MS" panose="030F0702030302020204" pitchFamily="66" charset="0"/>
+            </a:endParaRPr>
+          </a:p>
+        </p:txBody>
+      </p:sp>
+      <p:sp>
+        <p:nvSpPr>
+          <p:cNvPr id="6" name="Oval 5"/>
+          <p:cNvSpPr/>
+          <p:nvPr/>
+        </p:nvSpPr>
+        <p:spPr>
+          <a:xfrm>
+            <a:off x="778336" y="2089993"/>
+            <a:ext cx="1607127" cy="3463637"/>
+          </a:xfrm>
+          <a:prstGeom prst="ellipse">
+            <a:avLst/>
+          </a:prstGeom>
+          <a:noFill/>
+        </p:spPr>
+        <p:style>
+          <a:lnRef idx="2">
+            <a:schemeClr val="accent1">
+              <a:shade val="50000"/>
+            </a:schemeClr>
+          </a:lnRef>
+          <a:fillRef idx="1">
+            <a:schemeClr val="accent1"/>
+          </a:fillRef>
+          <a:effectRef idx="0">
+            <a:schemeClr val="accent1"/>
+          </a:effectRef>
+          <a:fontRef idx="minor">
+            <a:schemeClr val="lt1"/>
+          </a:fontRef>
+        </p:style>
+        <p:txBody>
+          <a:bodyPr rtlCol="0" anchor="ctr"/>
+          <a:lstStyle/>
+          <a:p>
+            <a:pPr algn="ctr"/>
+            <a:endParaRPr lang="en-US"/>
+          </a:p>
+        </p:txBody>
+      </p:sp>
+      <p:sp>
+        <p:nvSpPr>
+          <p:cNvPr id="7" name="TextBox 6"/>
+          <p:cNvSpPr txBox="1"/>
+          <p:nvPr/>
+        </p:nvSpPr>
+        <p:spPr>
+          <a:xfrm>
+            <a:off x="1249391" y="2422502"/>
+            <a:ext cx="595745" cy="2585323"/>
+          </a:xfrm>
+          <a:prstGeom prst="rect">
+            <a:avLst/>
+          </a:prstGeom>
+          <a:noFill/>
+        </p:spPr>
+        <p:txBody>
+          <a:bodyPr wrap="square" rtlCol="0">
+            <a:spAutoFit/>
+          </a:bodyPr>
+          <a:lstStyle/>
+          <a:p>
+            <a:r>
+              <a:rPr lang="en-US" dirty="0" smtClean="0">
+                <a:latin typeface="Comic Sans MS" pitchFamily="66" charset="0"/>
+              </a:rPr>
+              <a:t>1</a:t>
+            </a:r>
+          </a:p>
+          <a:p>
+            <a:endParaRPr lang="en-US" dirty="0">
+              <a:latin typeface="Comic Sans MS" pitchFamily="66" charset="0"/>
+            </a:endParaRPr>
+          </a:p>
+          <a:p>
+            <a:r>
+              <a:rPr lang="en-US" dirty="0" smtClean="0">
+                <a:latin typeface="Comic Sans MS" pitchFamily="66" charset="0"/>
+              </a:rPr>
+              <a:t>5</a:t>
+            </a:r>
+          </a:p>
+          <a:p>
+            <a:endParaRPr lang="en-US" dirty="0">
+              <a:latin typeface="Comic Sans MS" pitchFamily="66" charset="0"/>
+            </a:endParaRPr>
+          </a:p>
+          <a:p>
+            <a:r>
+              <a:rPr lang="en-US" dirty="0" smtClean="0">
+                <a:latin typeface="Comic Sans MS" pitchFamily="66" charset="0"/>
+              </a:rPr>
+              <a:t>7</a:t>
+            </a:r>
+          </a:p>
+          <a:p>
+            <a:endParaRPr lang="en-US" dirty="0">
+              <a:latin typeface="Comic Sans MS" pitchFamily="66" charset="0"/>
+            </a:endParaRPr>
+          </a:p>
+          <a:p>
+            <a:r>
+              <a:rPr lang="en-US" dirty="0" smtClean="0">
+                <a:latin typeface="Comic Sans MS" pitchFamily="66" charset="0"/>
+              </a:rPr>
+              <a:t>9</a:t>
+            </a:r>
+          </a:p>
+          <a:p>
+            <a:endParaRPr lang="en-US" dirty="0">
+              <a:latin typeface="Comic Sans MS" pitchFamily="66" charset="0"/>
+            </a:endParaRPr>
+          </a:p>
+          <a:p>
+            <a:r>
+              <a:rPr lang="en-US" dirty="0" smtClean="0">
+                <a:latin typeface="Comic Sans MS" pitchFamily="66" charset="0"/>
+              </a:rPr>
+              <a:t>10</a:t>
+            </a:r>
+            <a:endParaRPr lang="en-US" dirty="0">
+              <a:latin typeface="Comic Sans MS" pitchFamily="66" charset="0"/>
+            </a:endParaRPr>
+          </a:p>
+        </p:txBody>
+      </p:sp>
+      <p:sp>
+        <p:nvSpPr>
+          <p:cNvPr id="8" name="Oval 7"/>
+          <p:cNvSpPr/>
+          <p:nvPr/>
+        </p:nvSpPr>
+        <p:spPr>
+          <a:xfrm>
+            <a:off x="4643754" y="2135744"/>
+            <a:ext cx="1607127" cy="3463637"/>
+          </a:xfrm>
+          <a:prstGeom prst="ellipse">
+            <a:avLst/>
+          </a:prstGeom>
+          <a:noFill/>
+        </p:spPr>
+        <p:style>
+          <a:lnRef idx="2">
+            <a:schemeClr val="accent1">
+              <a:shade val="50000"/>
+            </a:schemeClr>
+          </a:lnRef>
+          <a:fillRef idx="1">
+            <a:schemeClr val="accent1"/>
+          </a:fillRef>
+          <a:effectRef idx="0">
+            <a:schemeClr val="accent1"/>
+          </a:effectRef>
+          <a:fontRef idx="minor">
+            <a:schemeClr val="lt1"/>
+          </a:fontRef>
+        </p:style>
+        <p:txBody>
+          <a:bodyPr rtlCol="0" anchor="ctr"/>
+          <a:lstStyle/>
+          <a:p>
+            <a:pPr algn="ctr"/>
+            <a:endParaRPr lang="en-US"/>
+          </a:p>
+        </p:txBody>
+      </p:sp>
+      <p:sp>
+        <p:nvSpPr>
+          <p:cNvPr id="9" name="TextBox 8"/>
+          <p:cNvSpPr txBox="1"/>
+          <p:nvPr/>
+        </p:nvSpPr>
+        <p:spPr>
+          <a:xfrm>
+            <a:off x="4948554" y="2976499"/>
+            <a:ext cx="1468582" cy="1477328"/>
+          </a:xfrm>
+          <a:prstGeom prst="rect">
+            <a:avLst/>
+          </a:prstGeom>
+          <a:noFill/>
+        </p:spPr>
+        <p:txBody>
+          <a:bodyPr wrap="square" rtlCol="0">
+            <a:spAutoFit/>
+          </a:bodyPr>
+          <a:lstStyle/>
+          <a:p>
+            <a:r>
+              <a:rPr lang="en-US" dirty="0" smtClean="0">
+                <a:latin typeface="Comic Sans MS" pitchFamily="66" charset="0"/>
+              </a:rPr>
+              <a:t>Prime</a:t>
+            </a:r>
+          </a:p>
+          <a:p>
+            <a:endParaRPr lang="en-US" dirty="0">
+              <a:latin typeface="Comic Sans MS" pitchFamily="66" charset="0"/>
+            </a:endParaRPr>
+          </a:p>
+          <a:p>
+            <a:endParaRPr lang="en-US" dirty="0" smtClean="0">
+              <a:latin typeface="Comic Sans MS" pitchFamily="66" charset="0"/>
+            </a:endParaRPr>
+          </a:p>
+          <a:p>
+            <a:endParaRPr lang="en-US" dirty="0">
+              <a:latin typeface="Comic Sans MS" pitchFamily="66" charset="0"/>
+            </a:endParaRPr>
+          </a:p>
+          <a:p>
+            <a:r>
+              <a:rPr lang="en-US" dirty="0" smtClean="0">
+                <a:latin typeface="Comic Sans MS" pitchFamily="66" charset="0"/>
+              </a:rPr>
+              <a:t>Not prime</a:t>
+            </a:r>
+            <a:endParaRPr lang="en-US" dirty="0">
+              <a:latin typeface="Comic Sans MS" pitchFamily="66" charset="0"/>
+            </a:endParaRPr>
+          </a:p>
+        </p:txBody>
+      </p:sp>
+      <p:cxnSp>
+        <p:nvCxnSpPr>
+          <p:cNvPr id="11" name="Straight Arrow Connector 10"/>
+          <p:cNvCxnSpPr/>
+          <p:nvPr/>
+        </p:nvCxnSpPr>
+        <p:spPr>
+          <a:xfrm>
+            <a:off x="1581899" y="2574902"/>
+            <a:ext cx="3366655" cy="1593273"/>
+          </a:xfrm>
+          <a:prstGeom prst="straightConnector1">
+            <a:avLst/>
+          </a:prstGeom>
+          <a:ln>
+            <a:tailEnd type="arrow"/>
+          </a:ln>
+        </p:spPr>
+        <p:style>
+          <a:lnRef idx="1">
+            <a:schemeClr val="accent1"/>
+          </a:lnRef>
+          <a:fillRef idx="0">
+            <a:schemeClr val="accent1"/>
+          </a:fillRef>
+          <a:effectRef idx="0">
+            <a:schemeClr val="accent1"/>
+          </a:effectRef>
+          <a:fontRef idx="minor">
+            <a:schemeClr val="tx1"/>
+          </a:fontRef>
+        </p:style>
+      </p:cxnSp>
+      <p:cxnSp>
+        <p:nvCxnSpPr>
+          <p:cNvPr id="13" name="Straight Arrow Connector 12"/>
+          <p:cNvCxnSpPr/>
+          <p:nvPr/>
+        </p:nvCxnSpPr>
+        <p:spPr>
+          <a:xfrm>
+            <a:off x="1581899" y="3170647"/>
+            <a:ext cx="3269673" cy="0"/>
+          </a:xfrm>
+          <a:prstGeom prst="straightConnector1">
+            <a:avLst/>
+          </a:prstGeom>
+          <a:ln>
+            <a:tailEnd type="arrow"/>
+          </a:ln>
+        </p:spPr>
+        <p:style>
+          <a:lnRef idx="1">
+            <a:schemeClr val="accent1"/>
+          </a:lnRef>
+          <a:fillRef idx="0">
+            <a:schemeClr val="accent1"/>
+          </a:fillRef>
+          <a:effectRef idx="0">
+            <a:schemeClr val="accent1"/>
+          </a:effectRef>
+          <a:fontRef idx="minor">
+            <a:schemeClr val="tx1"/>
+          </a:fontRef>
+        </p:style>
+      </p:cxnSp>
+      <p:cxnSp>
+        <p:nvCxnSpPr>
+          <p:cNvPr id="15" name="Straight Arrow Connector 14"/>
+          <p:cNvCxnSpPr/>
+          <p:nvPr/>
+        </p:nvCxnSpPr>
+        <p:spPr>
+          <a:xfrm flipV="1">
+            <a:off x="1581899" y="3371538"/>
+            <a:ext cx="3269673" cy="343625"/>
+          </a:xfrm>
+          <a:prstGeom prst="straightConnector1">
+            <a:avLst/>
+          </a:prstGeom>
+          <a:ln>
+            <a:tailEnd type="arrow"/>
+          </a:ln>
+        </p:spPr>
+        <p:style>
+          <a:lnRef idx="1">
+            <a:schemeClr val="accent1"/>
+          </a:lnRef>
+          <a:fillRef idx="0">
+            <a:schemeClr val="accent1"/>
+          </a:fillRef>
+          <a:effectRef idx="0">
+            <a:schemeClr val="accent1"/>
+          </a:effectRef>
+          <a:fontRef idx="minor">
+            <a:schemeClr val="tx1"/>
+          </a:fontRef>
+        </p:style>
+      </p:cxnSp>
+      <p:cxnSp>
+        <p:nvCxnSpPr>
+          <p:cNvPr id="18" name="Straight Arrow Connector 17"/>
+          <p:cNvCxnSpPr/>
+          <p:nvPr/>
+        </p:nvCxnSpPr>
+        <p:spPr>
+          <a:xfrm>
+            <a:off x="1630389" y="4197334"/>
+            <a:ext cx="3318165" cy="123241"/>
+          </a:xfrm>
+          <a:prstGeom prst="straightConnector1">
+            <a:avLst/>
+          </a:prstGeom>
+          <a:ln>
+            <a:tailEnd type="arrow"/>
+          </a:ln>
+        </p:spPr>
+        <p:style>
+          <a:lnRef idx="1">
+            <a:schemeClr val="accent1"/>
+          </a:lnRef>
+          <a:fillRef idx="0">
+            <a:schemeClr val="accent1"/>
+          </a:fillRef>
+          <a:effectRef idx="0">
+            <a:schemeClr val="accent1"/>
+          </a:effectRef>
+          <a:fontRef idx="minor">
+            <a:schemeClr val="tx1"/>
+          </a:fontRef>
+        </p:style>
+      </p:cxnSp>
+      <p:cxnSp>
+        <p:nvCxnSpPr>
+          <p:cNvPr id="20" name="Straight Arrow Connector 19"/>
+          <p:cNvCxnSpPr/>
+          <p:nvPr/>
+        </p:nvCxnSpPr>
+        <p:spPr>
+          <a:xfrm flipV="1">
+            <a:off x="1630389" y="4453827"/>
+            <a:ext cx="3318165" cy="430757"/>
+          </a:xfrm>
+          <a:prstGeom prst="straightConnector1">
+            <a:avLst/>
+          </a:prstGeom>
+          <a:ln>
+            <a:tailEnd type="arrow"/>
+          </a:ln>
+        </p:spPr>
+        <p:style>
+          <a:lnRef idx="1">
+            <a:schemeClr val="accent1"/>
+          </a:lnRef>
+          <a:fillRef idx="0">
+            <a:schemeClr val="accent1"/>
+          </a:fillRef>
+          <a:effectRef idx="0">
+            <a:schemeClr val="accent1"/>
+          </a:effectRef>
+          <a:fontRef idx="minor">
+            <a:schemeClr val="tx1"/>
+          </a:fontRef>
+        </p:style>
+      </p:cxnSp>
+      <p:sp>
+        <p:nvSpPr>
+          <p:cNvPr id="22" name="Content Placeholder 2">
+            <a:extLst>
+              <a:ext uri="{FF2B5EF4-FFF2-40B4-BE49-F238E27FC236}">
+                <a16:creationId xmlns:a16="http://schemas.microsoft.com/office/drawing/2014/main" xmlns="" id="{8FD3E7E3-6406-4C87-9E06-5BA40AA66E22}"/>
               </a:ext>
             </a:extLst>
           </p:cNvPr>
@@ -7442,8 +9549,8 @@
         </p:nvSpPr>
         <p:spPr>
           <a:xfrm>
-            <a:off x="893618" y="1900235"/>
-            <a:ext cx="10515600" cy="1291649"/>
+            <a:off x="857869" y="5788476"/>
+            <a:ext cx="2220191" cy="432666"/>
           </a:xfrm>
           <a:prstGeom prst="rect">
             <a:avLst/>
@@ -7623,76 +9730,56 @@
               <a:buNone/>
             </a:pPr>
             <a:r>
+              <a:rPr lang="en-US" sz="1800" dirty="0" smtClean="0">
+                <a:latin typeface="Comic Sans MS" panose="030F0702030302020204" pitchFamily="66" charset="0"/>
+              </a:rPr>
+              <a:t>A(numbers)</a:t>
+            </a:r>
+            <a:endParaRPr lang="en-US" sz="1800" dirty="0">
+              <a:latin typeface="Comic Sans MS" panose="030F0702030302020204" pitchFamily="66" charset="0"/>
+            </a:endParaRPr>
+          </a:p>
+        </p:txBody>
+      </p:sp>
+      <p:sp>
+        <p:nvSpPr>
+          <p:cNvPr id="23" name="Rectangle 22"/>
+          <p:cNvSpPr/>
+          <p:nvPr/>
+        </p:nvSpPr>
+        <p:spPr>
+          <a:xfrm>
+            <a:off x="4715094" y="5791947"/>
+            <a:ext cx="1607127" cy="369332"/>
+          </a:xfrm>
+          <a:prstGeom prst="rect">
+            <a:avLst/>
+          </a:prstGeom>
+        </p:spPr>
+        <p:txBody>
+          <a:bodyPr wrap="square">
+            <a:spAutoFit/>
+          </a:bodyPr>
+          <a:lstStyle/>
+          <a:p>
+            <a:r>
               <a:rPr lang="en-US" dirty="0" smtClean="0">
                 <a:latin typeface="Comic Sans MS" panose="030F0702030302020204" pitchFamily="66" charset="0"/>
               </a:rPr>
-              <a:t>A function from A to B is</a:t>
-            </a:r>
-            <a:br>
-              <a:rPr lang="en-US" dirty="0" smtClean="0">
-                <a:latin typeface="Comic Sans MS" panose="030F0702030302020204" pitchFamily="66" charset="0"/>
-              </a:rPr>
-            </a:br>
-            <a:r>
-              <a:rPr lang="en-US" dirty="0" smtClean="0">
-                <a:latin typeface="Comic Sans MS" panose="030F0702030302020204" pitchFamily="66" charset="0"/>
-              </a:rPr>
-              <a:t>an assignment of </a:t>
-            </a:r>
-            <a:r>
-              <a:rPr lang="en-US" dirty="0" smtClean="0">
-                <a:solidFill>
-                  <a:srgbClr val="00B050"/>
-                </a:solidFill>
-                <a:latin typeface="Comic Sans MS" panose="030F0702030302020204" pitchFamily="66" charset="0"/>
-              </a:rPr>
-              <a:t>exactly one member of B </a:t>
-            </a:r>
-            <a:r>
-              <a:rPr lang="en-US" dirty="0" smtClean="0">
-                <a:latin typeface="Comic Sans MS" panose="030F0702030302020204" pitchFamily="66" charset="0"/>
-              </a:rPr>
-              <a:t>to </a:t>
-            </a:r>
-            <a:br>
-              <a:rPr lang="en-US" dirty="0" smtClean="0">
-                <a:latin typeface="Comic Sans MS" panose="030F0702030302020204" pitchFamily="66" charset="0"/>
-              </a:rPr>
-            </a:br>
-            <a:r>
-              <a:rPr lang="en-US" dirty="0" smtClean="0">
-                <a:solidFill>
-                  <a:srgbClr val="D3359B"/>
-                </a:solidFill>
-                <a:latin typeface="Comic Sans MS" panose="030F0702030302020204" pitchFamily="66" charset="0"/>
-              </a:rPr>
-              <a:t>each element of A</a:t>
-            </a:r>
-            <a:br>
-              <a:rPr lang="en-US" dirty="0" smtClean="0">
-                <a:solidFill>
-                  <a:srgbClr val="D3359B"/>
-                </a:solidFill>
-                <a:latin typeface="Comic Sans MS" panose="030F0702030302020204" pitchFamily="66" charset="0"/>
-              </a:rPr>
-            </a:br>
-            <a:endParaRPr lang="en-US" dirty="0" smtClean="0">
-              <a:solidFill>
-                <a:srgbClr val="D3359B"/>
-              </a:solidFill>
-              <a:latin typeface="Comic Sans MS" panose="030F0702030302020204" pitchFamily="66" charset="0"/>
-            </a:endParaRPr>
+              <a:t>B(prime/not)</a:t>
+            </a:r>
+            <a:endParaRPr lang="en-US" dirty="0"/>
           </a:p>
         </p:txBody>
       </p:sp>
-      <mc:AlternateContent xmlns:mc="http://schemas.openxmlformats.org/markup-compatibility/2006" xmlns:a14="http://schemas.microsoft.com/office/drawing/2010/main">
-        <mc:Choice Requires="a14">
+      <mc:AlternateContent xmlns:mc="http://schemas.openxmlformats.org/markup-compatibility/2006">
+        <mc:Choice xmlns:a14="http://schemas.microsoft.com/office/drawing/2010/main" Requires="a14">
           <p:sp>
             <p:nvSpPr>
-              <p:cNvPr id="5" name="Content Placeholder 2">
+              <p:cNvPr id="16" name="Content Placeholder 2">
                 <a:extLst>
                   <a:ext uri="{FF2B5EF4-FFF2-40B4-BE49-F238E27FC236}">
-                    <a16:creationId xmlns="" xmlns:a16="http://schemas.microsoft.com/office/drawing/2014/main" id="{8FD3E7E3-6406-4C87-9E06-5BA40AA66E22}"/>
+                    <a16:creationId xmlns:a16="http://schemas.microsoft.com/office/drawing/2014/main" xmlns="" id="{8FD3E7E3-6406-4C87-9E06-5BA40AA66E22}"/>
                   </a:ext>
                 </a:extLst>
               </p:cNvPr>
@@ -7703,8 +9790,8 @@
             </p:nvSpPr>
             <p:spPr>
               <a:xfrm>
-                <a:off x="893618" y="3585152"/>
-                <a:ext cx="10425545" cy="432666"/>
+                <a:off x="6928297" y="2036711"/>
+                <a:ext cx="4699595" cy="1291649"/>
               </a:xfrm>
               <a:prstGeom prst="rect">
                 <a:avLst/>
@@ -7712,7 +9799,7 @@
             </p:spPr>
             <p:txBody>
               <a:bodyPr vert="horz" lIns="91440" tIns="45720" rIns="91440" bIns="45720" rtlCol="0">
-                <a:normAutofit fontScale="77500" lnSpcReduction="20000"/>
+                <a:normAutofit/>
               </a:bodyPr>
               <a:lstStyle>
                 <a:lvl1pPr marL="228600" indent="-228600" algn="l" defTabSz="914400" rtl="0" eaLnBrk="1" latinLnBrk="0" hangingPunct="1">
@@ -7883,15 +9970,15 @@
                   <a:buNone/>
                 </a:pPr>
                 <a:r>
-                  <a:rPr lang="en-US" sz="4000" dirty="0">
+                  <a:rPr lang="en-US" dirty="0">
                     <a:latin typeface="Comic Sans MS" panose="030F0702030302020204" pitchFamily="66" charset="0"/>
                   </a:rPr>
-                  <a:t>denoted by f: A </a:t>
+                  <a:t>f: A </a:t>
                 </a:r>
                 <a14:m>
                   <m:oMath xmlns:m="http://schemas.openxmlformats.org/officeDocument/2006/math">
                     <m:r>
-                      <a:rPr lang="en-US" sz="4000" i="1">
+                      <a:rPr lang="en-US" i="1">
                         <a:latin typeface="Cambria Math"/>
                         <a:ea typeface="Cambria Math"/>
                       </a:rPr>
@@ -7900,22 +9987,61 @@
                   </m:oMath>
                 </a14:m>
                 <a:r>
-                  <a:rPr lang="en-US" sz="4000" dirty="0">
+                  <a:rPr lang="en-US" dirty="0">
                     <a:latin typeface="Comic Sans MS" panose="030F0702030302020204" pitchFamily="66" charset="0"/>
                   </a:rPr>
-                  <a:t> B (f maps A to B)</a:t>
+                  <a:t> </a:t>
+                </a:r>
+                <a:r>
+                  <a:rPr lang="en-US" dirty="0" smtClean="0">
+                    <a:latin typeface="Comic Sans MS" panose="030F0702030302020204" pitchFamily="66" charset="0"/>
+                  </a:rPr>
+                  <a:t>B</a:t>
+                </a:r>
+                <a:endParaRPr lang="en-US" dirty="0">
+                  <a:latin typeface="Comic Sans MS" panose="030F0702030302020204" pitchFamily="66" charset="0"/>
+                </a:endParaRPr>
+              </a:p>
+              <a:p>
+                <a:pPr marL="0" indent="0">
+                  <a:buFont typeface="Arial" panose="020B0604020202020204" pitchFamily="34" charset="0"/>
+                  <a:buNone/>
+                </a:pPr>
+                <a:r>
+                  <a:rPr lang="en-US" dirty="0" smtClean="0">
+                    <a:latin typeface="Comic Sans MS" panose="030F0702030302020204" pitchFamily="66" charset="0"/>
+                  </a:rPr>
+                  <a:t>A = </a:t>
+                </a:r>
+                <a:r>
+                  <a:rPr lang="en-US" dirty="0" smtClean="0">
+                    <a:latin typeface="Comic Sans MS" panose="030F0702030302020204" pitchFamily="66" charset="0"/>
+                  </a:rPr>
+                  <a:t>Domain; B </a:t>
+                </a:r>
+                <a:r>
+                  <a:rPr lang="en-US" dirty="0" smtClean="0">
+                    <a:latin typeface="Comic Sans MS" panose="030F0702030302020204" pitchFamily="66" charset="0"/>
+                  </a:rPr>
+                  <a:t>= </a:t>
+                </a:r>
+                <a:r>
+                  <a:rPr lang="en-US" dirty="0" smtClean="0">
+                    <a:latin typeface="Comic Sans MS" panose="030F0702030302020204" pitchFamily="66" charset="0"/>
+                  </a:rPr>
+                  <a:t>Co-Domain</a:t>
                 </a:r>
               </a:p>
             </p:txBody>
           </p:sp>
         </mc:Choice>
-        <mc:Fallback xmlns="">
+        <mc:Fallback>
           <p:sp>
             <p:nvSpPr>
-              <p:cNvPr id="5" name="Content Placeholder 2">
+              <p:cNvPr id="16" name="Content Placeholder 2">
                 <a:extLst>
                   <a:ext uri="{FF2B5EF4-FFF2-40B4-BE49-F238E27FC236}">
-                    <a16:creationId xmlns="" xmlns:a16="http://schemas.microsoft.com/office/drawing/2014/main" xmlns:a14="http://schemas.microsoft.com/office/drawing/2010/main" id="{8FD3E7E3-6406-4C87-9E06-5BA40AA66E22}"/>
+                    <a16:creationId xmlns:a16="http://schemas.microsoft.com/office/drawing/2014/main" xmlns="" xmlns:a14="http://schemas.microsoft.com/office/drawing/2010/main" id="{8FD3E7E3-6406-4C87-9E06-5BA40AA66E22}"/>
                   </a:ext>
                 </a:extLst>
               </p:cNvPr>
@@ -7926,16 +10052,16 @@
             </p:nvSpPr>
             <p:spPr>
               <a:xfrm>
-                <a:off x="893618" y="3585152"/>
-                <a:ext cx="10425545" cy="432666"/>
+                <a:off x="6928297" y="2036711"/>
+                <a:ext cx="4699595" cy="1291649"/>
               </a:xfrm>
               <a:prstGeom prst="rect">
                 <a:avLst/>
               </a:prstGeom>
-              <a:blipFill rotWithShape="1">
+              <a:blipFill rotWithShape="0">
                 <a:blip r:embed="rId2"/>
                 <a:stretch>
-                  <a:fillRect l="-1462" t="-46479" b="-46479"/>
+                  <a:fillRect l="-2727" t="-8019" r="-390"/>
                 </a:stretch>
               </a:blipFill>
             </p:spPr>
@@ -7954,10 +10080,264 @@
           </p:sp>
         </mc:Fallback>
       </mc:AlternateContent>
+      <p:sp>
+        <p:nvSpPr>
+          <p:cNvPr id="17" name="Content Placeholder 2">
+            <a:extLst>
+              <a:ext uri="{FF2B5EF4-FFF2-40B4-BE49-F238E27FC236}">
+                <a16:creationId xmlns:a16="http://schemas.microsoft.com/office/drawing/2014/main" xmlns="" id="{8FD3E7E3-6406-4C87-9E06-5BA40AA66E22}"/>
+              </a:ext>
+            </a:extLst>
+          </p:cNvPr>
+          <p:cNvSpPr txBox="1">
+            <a:spLocks/>
+          </p:cNvSpPr>
+          <p:nvPr/>
+        </p:nvSpPr>
+        <p:spPr>
+          <a:xfrm>
+            <a:off x="6969145" y="3712519"/>
+            <a:ext cx="4520211" cy="2115075"/>
+          </a:xfrm>
+          <a:prstGeom prst="rect">
+            <a:avLst/>
+          </a:prstGeom>
+        </p:spPr>
+        <p:txBody>
+          <a:bodyPr vert="horz" lIns="91440" tIns="45720" rIns="91440" bIns="45720" rtlCol="0">
+            <a:normAutofit/>
+          </a:bodyPr>
+          <a:lstStyle>
+            <a:lvl1pPr marL="228600" indent="-228600" algn="l" defTabSz="914400" rtl="0" eaLnBrk="1" latinLnBrk="0" hangingPunct="1">
+              <a:lnSpc>
+                <a:spcPct val="90000"/>
+              </a:lnSpc>
+              <a:spcBef>
+                <a:spcPts val="1000"/>
+              </a:spcBef>
+              <a:buFont typeface="Arial" panose="020B0604020202020204" pitchFamily="34" charset="0"/>
+              <a:buChar char="•"/>
+              <a:defRPr sz="2800" kern="1200">
+                <a:solidFill>
+                  <a:schemeClr val="tx1"/>
+                </a:solidFill>
+                <a:latin typeface="+mn-lt"/>
+                <a:ea typeface="+mn-ea"/>
+                <a:cs typeface="+mn-cs"/>
+              </a:defRPr>
+            </a:lvl1pPr>
+            <a:lvl2pPr marL="685800" indent="-228600" algn="l" defTabSz="914400" rtl="0" eaLnBrk="1" latinLnBrk="0" hangingPunct="1">
+              <a:lnSpc>
+                <a:spcPct val="90000"/>
+              </a:lnSpc>
+              <a:spcBef>
+                <a:spcPts val="500"/>
+              </a:spcBef>
+              <a:buFont typeface="Arial" panose="020B0604020202020204" pitchFamily="34" charset="0"/>
+              <a:buChar char="•"/>
+              <a:defRPr sz="2400" kern="1200">
+                <a:solidFill>
+                  <a:schemeClr val="tx1"/>
+                </a:solidFill>
+                <a:latin typeface="+mn-lt"/>
+                <a:ea typeface="+mn-ea"/>
+                <a:cs typeface="+mn-cs"/>
+              </a:defRPr>
+            </a:lvl2pPr>
+            <a:lvl3pPr marL="1143000" indent="-228600" algn="l" defTabSz="914400" rtl="0" eaLnBrk="1" latinLnBrk="0" hangingPunct="1">
+              <a:lnSpc>
+                <a:spcPct val="90000"/>
+              </a:lnSpc>
+              <a:spcBef>
+                <a:spcPts val="500"/>
+              </a:spcBef>
+              <a:buFont typeface="Arial" panose="020B0604020202020204" pitchFamily="34" charset="0"/>
+              <a:buChar char="•"/>
+              <a:defRPr sz="2000" kern="1200">
+                <a:solidFill>
+                  <a:schemeClr val="tx1"/>
+                </a:solidFill>
+                <a:latin typeface="+mn-lt"/>
+                <a:ea typeface="+mn-ea"/>
+                <a:cs typeface="+mn-cs"/>
+              </a:defRPr>
+            </a:lvl3pPr>
+            <a:lvl4pPr marL="1600200" indent="-228600" algn="l" defTabSz="914400" rtl="0" eaLnBrk="1" latinLnBrk="0" hangingPunct="1">
+              <a:lnSpc>
+                <a:spcPct val="90000"/>
+              </a:lnSpc>
+              <a:spcBef>
+                <a:spcPts val="500"/>
+              </a:spcBef>
+              <a:buFont typeface="Arial" panose="020B0604020202020204" pitchFamily="34" charset="0"/>
+              <a:buChar char="•"/>
+              <a:defRPr sz="1800" kern="1200">
+                <a:solidFill>
+                  <a:schemeClr val="tx1"/>
+                </a:solidFill>
+                <a:latin typeface="+mn-lt"/>
+                <a:ea typeface="+mn-ea"/>
+                <a:cs typeface="+mn-cs"/>
+              </a:defRPr>
+            </a:lvl4pPr>
+            <a:lvl5pPr marL="2057400" indent="-228600" algn="l" defTabSz="914400" rtl="0" eaLnBrk="1" latinLnBrk="0" hangingPunct="1">
+              <a:lnSpc>
+                <a:spcPct val="90000"/>
+              </a:lnSpc>
+              <a:spcBef>
+                <a:spcPts val="500"/>
+              </a:spcBef>
+              <a:buFont typeface="Arial" panose="020B0604020202020204" pitchFamily="34" charset="0"/>
+              <a:buChar char="•"/>
+              <a:defRPr sz="1800" kern="1200">
+                <a:solidFill>
+                  <a:schemeClr val="tx1"/>
+                </a:solidFill>
+                <a:latin typeface="+mn-lt"/>
+                <a:ea typeface="+mn-ea"/>
+                <a:cs typeface="+mn-cs"/>
+              </a:defRPr>
+            </a:lvl5pPr>
+            <a:lvl6pPr marL="2514600" indent="-228600" algn="l" defTabSz="914400" rtl="0" eaLnBrk="1" latinLnBrk="0" hangingPunct="1">
+              <a:lnSpc>
+                <a:spcPct val="90000"/>
+              </a:lnSpc>
+              <a:spcBef>
+                <a:spcPts val="500"/>
+              </a:spcBef>
+              <a:buFont typeface="Arial" panose="020B0604020202020204" pitchFamily="34" charset="0"/>
+              <a:buChar char="•"/>
+              <a:defRPr sz="1800" kern="1200">
+                <a:solidFill>
+                  <a:schemeClr val="tx1"/>
+                </a:solidFill>
+                <a:latin typeface="+mn-lt"/>
+                <a:ea typeface="+mn-ea"/>
+                <a:cs typeface="+mn-cs"/>
+              </a:defRPr>
+            </a:lvl6pPr>
+            <a:lvl7pPr marL="2971800" indent="-228600" algn="l" defTabSz="914400" rtl="0" eaLnBrk="1" latinLnBrk="0" hangingPunct="1">
+              <a:lnSpc>
+                <a:spcPct val="90000"/>
+              </a:lnSpc>
+              <a:spcBef>
+                <a:spcPts val="500"/>
+              </a:spcBef>
+              <a:buFont typeface="Arial" panose="020B0604020202020204" pitchFamily="34" charset="0"/>
+              <a:buChar char="•"/>
+              <a:defRPr sz="1800" kern="1200">
+                <a:solidFill>
+                  <a:schemeClr val="tx1"/>
+                </a:solidFill>
+                <a:latin typeface="+mn-lt"/>
+                <a:ea typeface="+mn-ea"/>
+                <a:cs typeface="+mn-cs"/>
+              </a:defRPr>
+            </a:lvl7pPr>
+            <a:lvl8pPr marL="3429000" indent="-228600" algn="l" defTabSz="914400" rtl="0" eaLnBrk="1" latinLnBrk="0" hangingPunct="1">
+              <a:lnSpc>
+                <a:spcPct val="90000"/>
+              </a:lnSpc>
+              <a:spcBef>
+                <a:spcPts val="500"/>
+              </a:spcBef>
+              <a:buFont typeface="Arial" panose="020B0604020202020204" pitchFamily="34" charset="0"/>
+              <a:buChar char="•"/>
+              <a:defRPr sz="1800" kern="1200">
+                <a:solidFill>
+                  <a:schemeClr val="tx1"/>
+                </a:solidFill>
+                <a:latin typeface="+mn-lt"/>
+                <a:ea typeface="+mn-ea"/>
+                <a:cs typeface="+mn-cs"/>
+              </a:defRPr>
+            </a:lvl8pPr>
+            <a:lvl9pPr marL="3886200" indent="-228600" algn="l" defTabSz="914400" rtl="0" eaLnBrk="1" latinLnBrk="0" hangingPunct="1">
+              <a:lnSpc>
+                <a:spcPct val="90000"/>
+              </a:lnSpc>
+              <a:spcBef>
+                <a:spcPts val="500"/>
+              </a:spcBef>
+              <a:buFont typeface="Arial" panose="020B0604020202020204" pitchFamily="34" charset="0"/>
+              <a:buChar char="•"/>
+              <a:defRPr sz="1800" kern="1200">
+                <a:solidFill>
+                  <a:schemeClr val="tx1"/>
+                </a:solidFill>
+                <a:latin typeface="+mn-lt"/>
+                <a:ea typeface="+mn-ea"/>
+                <a:cs typeface="+mn-cs"/>
+              </a:defRPr>
+            </a:lvl9pPr>
+          </a:lstStyle>
+          <a:p>
+            <a:pPr marL="0" indent="0">
+              <a:buNone/>
+            </a:pPr>
+            <a:r>
+              <a:rPr lang="en-US" sz="2400" dirty="0" smtClean="0">
+                <a:latin typeface="Comic Sans MS" panose="030F0702030302020204" pitchFamily="66" charset="0"/>
+              </a:rPr>
+              <a:t>If f(a) = b</a:t>
+            </a:r>
+          </a:p>
+          <a:p>
+            <a:pPr marL="0" indent="0">
+              <a:buNone/>
+            </a:pPr>
+            <a:r>
+              <a:rPr lang="en-US" sz="2400" dirty="0" smtClean="0">
+                <a:latin typeface="Comic Sans MS" panose="030F0702030302020204" pitchFamily="66" charset="0"/>
+              </a:rPr>
+              <a:t>b = image of a</a:t>
+            </a:r>
+          </a:p>
+          <a:p>
+            <a:pPr marL="0" indent="0">
+              <a:buNone/>
+            </a:pPr>
+            <a:r>
+              <a:rPr lang="en-US" sz="2400" dirty="0" smtClean="0">
+                <a:latin typeface="Comic Sans MS" panose="030F0702030302020204" pitchFamily="66" charset="0"/>
+              </a:rPr>
+              <a:t>a = pre-image of </a:t>
+            </a:r>
+            <a:r>
+              <a:rPr lang="en-US" sz="2400" dirty="0" smtClean="0">
+                <a:latin typeface="Comic Sans MS" panose="030F0702030302020204" pitchFamily="66" charset="0"/>
+              </a:rPr>
+              <a:t>b</a:t>
+            </a:r>
+          </a:p>
+          <a:p>
+            <a:pPr marL="0" indent="0">
+              <a:buNone/>
+            </a:pPr>
+            <a:r>
+              <a:rPr lang="en-US" sz="2400" dirty="0" smtClean="0">
+                <a:latin typeface="Comic Sans MS" panose="030F0702030302020204" pitchFamily="66" charset="0"/>
+              </a:rPr>
+              <a:t>Range, R = Images of A</a:t>
+            </a:r>
+            <a:endParaRPr lang="en-US" sz="2400" dirty="0" smtClean="0">
+              <a:latin typeface="Comic Sans MS" panose="030F0702030302020204" pitchFamily="66" charset="0"/>
+            </a:endParaRPr>
+          </a:p>
+          <a:p>
+            <a:pPr marL="0" indent="0">
+              <a:buNone/>
+            </a:pPr>
+            <a:endParaRPr lang="en-US" sz="4000" dirty="0" smtClean="0">
+              <a:latin typeface="Comic Sans MS" panose="030F0702030302020204" pitchFamily="66" charset="0"/>
+            </a:endParaRPr>
+          </a:p>
+        </p:txBody>
+      </p:sp>
     </p:spTree>
     <p:extLst>
       <p:ext uri="{BB962C8B-B14F-4D97-AF65-F5344CB8AC3E}">
-        <p14:creationId xmlns:p14="http://schemas.microsoft.com/office/powerpoint/2010/main" val="1305123137"/>
+        <p14:creationId xmlns:p14="http://schemas.microsoft.com/office/powerpoint/2010/main" val="2664824678"/>
       </p:ext>
     </p:extLst>
   </p:cSld>
@@ -7998,7 +10378,11 @@
                                           </p:stCondLst>
                                         </p:cTn>
                                         <p:tgtEl>
-                                          <p:spTgt spid="4"/>
+                                          <p:spTgt spid="3">
+                                            <p:txEl>
+                                              <p:pRg st="0" end="0"/>
+                                            </p:txEl>
+                                          </p:spTgt>
                                         </p:tgtEl>
                                         <p:attrNameLst>
                                           <p:attrName>style.visibility</p:attrName>
@@ -8043,7 +10427,101 @@
                                           </p:stCondLst>
                                         </p:cTn>
                                         <p:tgtEl>
-                                          <p:spTgt spid="5"/>
+                                          <p:spTgt spid="22">
+                                            <p:txEl>
+                                              <p:pRg st="0" end="0"/>
+                                            </p:txEl>
+                                          </p:spTgt>
+                                        </p:tgtEl>
+                                        <p:attrNameLst>
+                                          <p:attrName>style.visibility</p:attrName>
+                                        </p:attrNameLst>
+                                      </p:cBhvr>
+                                      <p:to>
+                                        <p:strVal val="visible"/>
+                                      </p:to>
+                                    </p:set>
+                                  </p:childTnLst>
+                                </p:cTn>
+                              </p:par>
+                            </p:childTnLst>
+                          </p:cTn>
+                        </p:par>
+                      </p:childTnLst>
+                    </p:cTn>
+                  </p:par>
+                  <p:par>
+                    <p:cTn id="11" fill="hold">
+                      <p:stCondLst>
+                        <p:cond delay="indefinite"/>
+                      </p:stCondLst>
+                      <p:childTnLst>
+                        <p:par>
+                          <p:cTn id="12" fill="hold">
+                            <p:stCondLst>
+                              <p:cond delay="0"/>
+                            </p:stCondLst>
+                            <p:childTnLst>
+                              <p:par>
+                                <p:cTn id="13" presetID="1" presetClass="entr" presetSubtype="0" fill="hold" grpId="0" nodeType="clickEffect">
+                                  <p:stCondLst>
+                                    <p:cond delay="0"/>
+                                  </p:stCondLst>
+                                  <p:childTnLst>
+                                    <p:set>
+                                      <p:cBhvr>
+                                        <p:cTn id="14" dur="1" fill="hold">
+                                          <p:stCondLst>
+                                            <p:cond delay="0"/>
+                                          </p:stCondLst>
+                                        </p:cTn>
+                                        <p:tgtEl>
+                                          <p:spTgt spid="16"/>
+                                        </p:tgtEl>
+                                        <p:attrNameLst>
+                                          <p:attrName>style.visibility</p:attrName>
+                                        </p:attrNameLst>
+                                      </p:cBhvr>
+                                      <p:to>
+                                        <p:strVal val="visible"/>
+                                      </p:to>
+                                    </p:set>
+                                  </p:childTnLst>
+                                </p:cTn>
+                              </p:par>
+                            </p:childTnLst>
+                          </p:cTn>
+                        </p:par>
+                      </p:childTnLst>
+                    </p:cTn>
+                  </p:par>
+                  <p:par>
+                    <p:cTn id="15" fill="hold">
+                      <p:stCondLst>
+                        <p:cond delay="indefinite"/>
+                      </p:stCondLst>
+                      <p:childTnLst>
+                        <p:par>
+                          <p:cTn id="16" fill="hold">
+                            <p:stCondLst>
+                              <p:cond delay="0"/>
+                            </p:stCondLst>
+                            <p:childTnLst>
+                              <p:par>
+                                <p:cTn id="17" presetID="1" presetClass="entr" presetSubtype="0" fill="hold" grpId="0" nodeType="clickEffect">
+                                  <p:stCondLst>
+                                    <p:cond delay="0"/>
+                                  </p:stCondLst>
+                                  <p:childTnLst>
+                                    <p:set>
+                                      <p:cBhvr>
+                                        <p:cTn id="18" dur="1" fill="hold">
+                                          <p:stCondLst>
+                                            <p:cond delay="0"/>
+                                          </p:stCondLst>
+                                        </p:cTn>
+                                        <p:tgtEl>
+                                          <p:spTgt spid="17"/>
                                         </p:tgtEl>
                                         <p:attrNameLst>
                                           <p:attrName>style.visibility</p:attrName>
@@ -8084,8 +10562,10 @@
       </p:par>
     </p:tnLst>
     <p:bldLst>
-      <p:bldP spid="4" grpId="0"/>
-      <p:bldP spid="5" grpId="0"/>
+      <p:bldP spid="3" grpId="0" build="p"/>
+      <p:bldP spid="22" grpId="0" build="p"/>
+      <p:bldP spid="16" grpId="0"/>
+      <p:bldP spid="17" grpId="0"/>
     </p:bldLst>
   </p:timing>
 </p:sld>
@@ -8113,7 +10593,7 @@
           <p:cNvPr id="2" name="Title 1">
             <a:extLst>
               <a:ext uri="{FF2B5EF4-FFF2-40B4-BE49-F238E27FC236}">
-                <a16:creationId xmlns="" xmlns:a16="http://schemas.microsoft.com/office/drawing/2014/main" id="{64FC46BD-FCD3-4070-A2FE-CF068D21089D}"/>
+                <a16:creationId xmlns:a16="http://schemas.microsoft.com/office/drawing/2014/main" xmlns="" id="{64FC46BD-FCD3-4070-A2FE-CF068D21089D}"/>
               </a:ext>
             </a:extLst>
           </p:cNvPr>
@@ -8133,712 +10613,20 @@
               <a:rPr lang="en-US" dirty="0" smtClean="0">
                 <a:latin typeface="Comic Sans MS" panose="030F0702030302020204" pitchFamily="66" charset="0"/>
               </a:rPr>
-              <a:t>What are functions?</a:t>
+              <a:t>Examples of functions</a:t>
             </a:r>
             <a:endParaRPr lang="en-US" dirty="0">
               <a:latin typeface="Comic Sans MS" panose="030F0702030302020204" pitchFamily="66" charset="0"/>
             </a:endParaRPr>
-          </a:p>
-        </p:txBody>
-      </p:sp>
-      <mc:AlternateContent xmlns:mc="http://schemas.openxmlformats.org/markup-compatibility/2006" xmlns:a14="http://schemas.microsoft.com/office/drawing/2010/main">
-        <mc:Choice Requires="a14">
-          <p:sp>
-            <p:nvSpPr>
-              <p:cNvPr id="4" name="Content Placeholder 2">
-                <a:extLst>
-                  <a:ext uri="{FF2B5EF4-FFF2-40B4-BE49-F238E27FC236}">
-                    <a16:creationId xmlns="" xmlns:a16="http://schemas.microsoft.com/office/drawing/2014/main" id="{8FD3E7E3-6406-4C87-9E06-5BA40AA66E22}"/>
-                  </a:ext>
-                </a:extLst>
-              </p:cNvPr>
-              <p:cNvSpPr txBox="1">
-                <a:spLocks/>
-              </p:cNvSpPr>
-              <p:nvPr/>
-            </p:nvSpPr>
-            <p:spPr>
-              <a:xfrm>
-                <a:off x="893617" y="1900234"/>
-                <a:ext cx="4520211" cy="1291649"/>
-              </a:xfrm>
-              <a:prstGeom prst="rect">
-                <a:avLst/>
-              </a:prstGeom>
-            </p:spPr>
-            <p:txBody>
-              <a:bodyPr vert="horz" lIns="91440" tIns="45720" rIns="91440" bIns="45720" rtlCol="0">
-                <a:normAutofit fontScale="70000" lnSpcReduction="20000"/>
-              </a:bodyPr>
-              <a:lstStyle>
-                <a:lvl1pPr marL="228600" indent="-228600" algn="l" defTabSz="914400" rtl="0" eaLnBrk="1" latinLnBrk="0" hangingPunct="1">
-                  <a:lnSpc>
-                    <a:spcPct val="90000"/>
-                  </a:lnSpc>
-                  <a:spcBef>
-                    <a:spcPts val="1000"/>
-                  </a:spcBef>
-                  <a:buFont typeface="Arial" panose="020B0604020202020204" pitchFamily="34" charset="0"/>
-                  <a:buChar char="•"/>
-                  <a:defRPr sz="2800" kern="1200">
-                    <a:solidFill>
-                      <a:schemeClr val="tx1"/>
-                    </a:solidFill>
-                    <a:latin typeface="+mn-lt"/>
-                    <a:ea typeface="+mn-ea"/>
-                    <a:cs typeface="+mn-cs"/>
-                  </a:defRPr>
-                </a:lvl1pPr>
-                <a:lvl2pPr marL="685800" indent="-228600" algn="l" defTabSz="914400" rtl="0" eaLnBrk="1" latinLnBrk="0" hangingPunct="1">
-                  <a:lnSpc>
-                    <a:spcPct val="90000"/>
-                  </a:lnSpc>
-                  <a:spcBef>
-                    <a:spcPts val="500"/>
-                  </a:spcBef>
-                  <a:buFont typeface="Arial" panose="020B0604020202020204" pitchFamily="34" charset="0"/>
-                  <a:buChar char="•"/>
-                  <a:defRPr sz="2400" kern="1200">
-                    <a:solidFill>
-                      <a:schemeClr val="tx1"/>
-                    </a:solidFill>
-                    <a:latin typeface="+mn-lt"/>
-                    <a:ea typeface="+mn-ea"/>
-                    <a:cs typeface="+mn-cs"/>
-                  </a:defRPr>
-                </a:lvl2pPr>
-                <a:lvl3pPr marL="1143000" indent="-228600" algn="l" defTabSz="914400" rtl="0" eaLnBrk="1" latinLnBrk="0" hangingPunct="1">
-                  <a:lnSpc>
-                    <a:spcPct val="90000"/>
-                  </a:lnSpc>
-                  <a:spcBef>
-                    <a:spcPts val="500"/>
-                  </a:spcBef>
-                  <a:buFont typeface="Arial" panose="020B0604020202020204" pitchFamily="34" charset="0"/>
-                  <a:buChar char="•"/>
-                  <a:defRPr sz="2000" kern="1200">
-                    <a:solidFill>
-                      <a:schemeClr val="tx1"/>
-                    </a:solidFill>
-                    <a:latin typeface="+mn-lt"/>
-                    <a:ea typeface="+mn-ea"/>
-                    <a:cs typeface="+mn-cs"/>
-                  </a:defRPr>
-                </a:lvl3pPr>
-                <a:lvl4pPr marL="1600200" indent="-228600" algn="l" defTabSz="914400" rtl="0" eaLnBrk="1" latinLnBrk="0" hangingPunct="1">
-                  <a:lnSpc>
-                    <a:spcPct val="90000"/>
-                  </a:lnSpc>
-                  <a:spcBef>
-                    <a:spcPts val="500"/>
-                  </a:spcBef>
-                  <a:buFont typeface="Arial" panose="020B0604020202020204" pitchFamily="34" charset="0"/>
-                  <a:buChar char="•"/>
-                  <a:defRPr sz="1800" kern="1200">
-                    <a:solidFill>
-                      <a:schemeClr val="tx1"/>
-                    </a:solidFill>
-                    <a:latin typeface="+mn-lt"/>
-                    <a:ea typeface="+mn-ea"/>
-                    <a:cs typeface="+mn-cs"/>
-                  </a:defRPr>
-                </a:lvl4pPr>
-                <a:lvl5pPr marL="2057400" indent="-228600" algn="l" defTabSz="914400" rtl="0" eaLnBrk="1" latinLnBrk="0" hangingPunct="1">
-                  <a:lnSpc>
-                    <a:spcPct val="90000"/>
-                  </a:lnSpc>
-                  <a:spcBef>
-                    <a:spcPts val="500"/>
-                  </a:spcBef>
-                  <a:buFont typeface="Arial" panose="020B0604020202020204" pitchFamily="34" charset="0"/>
-                  <a:buChar char="•"/>
-                  <a:defRPr sz="1800" kern="1200">
-                    <a:solidFill>
-                      <a:schemeClr val="tx1"/>
-                    </a:solidFill>
-                    <a:latin typeface="+mn-lt"/>
-                    <a:ea typeface="+mn-ea"/>
-                    <a:cs typeface="+mn-cs"/>
-                  </a:defRPr>
-                </a:lvl5pPr>
-                <a:lvl6pPr marL="2514600" indent="-228600" algn="l" defTabSz="914400" rtl="0" eaLnBrk="1" latinLnBrk="0" hangingPunct="1">
-                  <a:lnSpc>
-                    <a:spcPct val="90000"/>
-                  </a:lnSpc>
-                  <a:spcBef>
-                    <a:spcPts val="500"/>
-                  </a:spcBef>
-                  <a:buFont typeface="Arial" panose="020B0604020202020204" pitchFamily="34" charset="0"/>
-                  <a:buChar char="•"/>
-                  <a:defRPr sz="1800" kern="1200">
-                    <a:solidFill>
-                      <a:schemeClr val="tx1"/>
-                    </a:solidFill>
-                    <a:latin typeface="+mn-lt"/>
-                    <a:ea typeface="+mn-ea"/>
-                    <a:cs typeface="+mn-cs"/>
-                  </a:defRPr>
-                </a:lvl6pPr>
-                <a:lvl7pPr marL="2971800" indent="-228600" algn="l" defTabSz="914400" rtl="0" eaLnBrk="1" latinLnBrk="0" hangingPunct="1">
-                  <a:lnSpc>
-                    <a:spcPct val="90000"/>
-                  </a:lnSpc>
-                  <a:spcBef>
-                    <a:spcPts val="500"/>
-                  </a:spcBef>
-                  <a:buFont typeface="Arial" panose="020B0604020202020204" pitchFamily="34" charset="0"/>
-                  <a:buChar char="•"/>
-                  <a:defRPr sz="1800" kern="1200">
-                    <a:solidFill>
-                      <a:schemeClr val="tx1"/>
-                    </a:solidFill>
-                    <a:latin typeface="+mn-lt"/>
-                    <a:ea typeface="+mn-ea"/>
-                    <a:cs typeface="+mn-cs"/>
-                  </a:defRPr>
-                </a:lvl7pPr>
-                <a:lvl8pPr marL="3429000" indent="-228600" algn="l" defTabSz="914400" rtl="0" eaLnBrk="1" latinLnBrk="0" hangingPunct="1">
-                  <a:lnSpc>
-                    <a:spcPct val="90000"/>
-                  </a:lnSpc>
-                  <a:spcBef>
-                    <a:spcPts val="500"/>
-                  </a:spcBef>
-                  <a:buFont typeface="Arial" panose="020B0604020202020204" pitchFamily="34" charset="0"/>
-                  <a:buChar char="•"/>
-                  <a:defRPr sz="1800" kern="1200">
-                    <a:solidFill>
-                      <a:schemeClr val="tx1"/>
-                    </a:solidFill>
-                    <a:latin typeface="+mn-lt"/>
-                    <a:ea typeface="+mn-ea"/>
-                    <a:cs typeface="+mn-cs"/>
-                  </a:defRPr>
-                </a:lvl8pPr>
-                <a:lvl9pPr marL="3886200" indent="-228600" algn="l" defTabSz="914400" rtl="0" eaLnBrk="1" latinLnBrk="0" hangingPunct="1">
-                  <a:lnSpc>
-                    <a:spcPct val="90000"/>
-                  </a:lnSpc>
-                  <a:spcBef>
-                    <a:spcPts val="500"/>
-                  </a:spcBef>
-                  <a:buFont typeface="Arial" panose="020B0604020202020204" pitchFamily="34" charset="0"/>
-                  <a:buChar char="•"/>
-                  <a:defRPr sz="1800" kern="1200">
-                    <a:solidFill>
-                      <a:schemeClr val="tx1"/>
-                    </a:solidFill>
-                    <a:latin typeface="+mn-lt"/>
-                    <a:ea typeface="+mn-ea"/>
-                    <a:cs typeface="+mn-cs"/>
-                  </a:defRPr>
-                </a:lvl9pPr>
-              </a:lstStyle>
-              <a:p>
-                <a:pPr marL="0" indent="0">
-                  <a:buNone/>
-                </a:pPr>
-                <a:r>
-                  <a:rPr lang="en-US" sz="4000" dirty="0">
-                    <a:latin typeface="Comic Sans MS" panose="030F0702030302020204" pitchFamily="66" charset="0"/>
-                  </a:rPr>
-                  <a:t>f: A </a:t>
-                </a:r>
-                <a14:m>
-                  <m:oMath xmlns:m="http://schemas.openxmlformats.org/officeDocument/2006/math">
-                    <m:r>
-                      <a:rPr lang="en-US" sz="4000" i="1">
-                        <a:latin typeface="Cambria Math"/>
-                        <a:ea typeface="Cambria Math"/>
-                      </a:rPr>
-                      <m:t>→</m:t>
-                    </m:r>
-                  </m:oMath>
-                </a14:m>
-                <a:r>
-                  <a:rPr lang="en-US" sz="4000" dirty="0">
-                    <a:latin typeface="Comic Sans MS" panose="030F0702030302020204" pitchFamily="66" charset="0"/>
-                  </a:rPr>
-                  <a:t> </a:t>
-                </a:r>
-                <a:r>
-                  <a:rPr lang="en-US" sz="4000" dirty="0" smtClean="0">
-                    <a:latin typeface="Comic Sans MS" panose="030F0702030302020204" pitchFamily="66" charset="0"/>
-                  </a:rPr>
-                  <a:t>B</a:t>
-                </a:r>
-                <a:endParaRPr lang="en-US" sz="4000" dirty="0">
-                  <a:latin typeface="Comic Sans MS" panose="030F0702030302020204" pitchFamily="66" charset="0"/>
-                </a:endParaRPr>
-              </a:p>
-              <a:p>
-                <a:pPr marL="0" indent="0">
-                  <a:buFont typeface="Arial" panose="020B0604020202020204" pitchFamily="34" charset="0"/>
-                  <a:buNone/>
-                </a:pPr>
-                <a:r>
-                  <a:rPr lang="en-US" sz="4000" dirty="0" smtClean="0">
-                    <a:latin typeface="Comic Sans MS" panose="030F0702030302020204" pitchFamily="66" charset="0"/>
-                  </a:rPr>
-                  <a:t>A = Domain</a:t>
-                </a:r>
-              </a:p>
-              <a:p>
-                <a:pPr marL="0" indent="0">
-                  <a:buFont typeface="Arial" panose="020B0604020202020204" pitchFamily="34" charset="0"/>
-                  <a:buNone/>
-                </a:pPr>
-                <a:r>
-                  <a:rPr lang="en-US" sz="4000" dirty="0" smtClean="0">
-                    <a:latin typeface="Comic Sans MS" panose="030F0702030302020204" pitchFamily="66" charset="0"/>
-                  </a:rPr>
-                  <a:t>B = Co-Domain</a:t>
-                </a:r>
-              </a:p>
-            </p:txBody>
-          </p:sp>
-        </mc:Choice>
-        <mc:Fallback xmlns="">
-          <p:sp>
-            <p:nvSpPr>
-              <p:cNvPr id="4" name="Content Placeholder 2">
-                <a:extLst>
-                  <a:ext uri="{FF2B5EF4-FFF2-40B4-BE49-F238E27FC236}">
-                    <a16:creationId xmlns="" xmlns:a16="http://schemas.microsoft.com/office/drawing/2014/main" id="{8FD3E7E3-6406-4C87-9E06-5BA40AA66E22}"/>
-                  </a:ext>
-                </a:extLst>
-              </p:cNvPr>
-              <p:cNvSpPr txBox="1">
-                <a:spLocks noRot="1" noChangeAspect="1" noMove="1" noResize="1" noEditPoints="1" noAdjustHandles="1" noChangeArrowheads="1" noChangeShapeType="1" noTextEdit="1"/>
-              </p:cNvSpPr>
-              <p:nvPr/>
-            </p:nvSpPr>
-            <p:spPr>
-              <a:xfrm>
-                <a:off x="893617" y="1900234"/>
-                <a:ext cx="4520211" cy="1291649"/>
-              </a:xfrm>
-              <a:prstGeom prst="rect">
-                <a:avLst/>
-              </a:prstGeom>
-              <a:blipFill rotWithShape="1">
-                <a:blip r:embed="rId2"/>
-                <a:stretch>
-                  <a:fillRect l="-2834" t="-13208" b="-10377"/>
-                </a:stretch>
-              </a:blipFill>
-            </p:spPr>
-            <p:txBody>
-              <a:bodyPr/>
-              <a:lstStyle/>
-              <a:p>
-                <a:r>
-                  <a:rPr lang="en-US">
-                    <a:noFill/>
-                  </a:rPr>
-                  <a:t> </a:t>
-                </a:r>
-              </a:p>
-            </p:txBody>
-          </p:sp>
-        </mc:Fallback>
-      </mc:AlternateContent>
-      <p:sp>
-        <p:nvSpPr>
-          <p:cNvPr id="36" name="Oval 35"/>
-          <p:cNvSpPr/>
-          <p:nvPr/>
-        </p:nvSpPr>
-        <p:spPr>
-          <a:xfrm>
-            <a:off x="7105402" y="1734120"/>
-            <a:ext cx="1607127" cy="3463637"/>
-          </a:xfrm>
-          <a:prstGeom prst="ellipse">
-            <a:avLst/>
-          </a:prstGeom>
-          <a:noFill/>
-        </p:spPr>
-        <p:style>
-          <a:lnRef idx="2">
-            <a:schemeClr val="accent1">
-              <a:shade val="50000"/>
-            </a:schemeClr>
-          </a:lnRef>
-          <a:fillRef idx="1">
-            <a:schemeClr val="accent1"/>
-          </a:fillRef>
-          <a:effectRef idx="0">
-            <a:schemeClr val="accent1"/>
-          </a:effectRef>
-          <a:fontRef idx="minor">
-            <a:schemeClr val="lt1"/>
-          </a:fontRef>
-        </p:style>
-        <p:txBody>
-          <a:bodyPr rtlCol="0" anchor="ctr"/>
-          <a:lstStyle/>
-          <a:p>
-            <a:pPr algn="ctr"/>
-            <a:endParaRPr lang="en-US"/>
           </a:p>
         </p:txBody>
       </p:sp>
       <p:sp>
         <p:nvSpPr>
-          <p:cNvPr id="37" name="TextBox 36"/>
-          <p:cNvSpPr txBox="1"/>
-          <p:nvPr/>
-        </p:nvSpPr>
-        <p:spPr>
-          <a:xfrm>
-            <a:off x="7576457" y="2066629"/>
-            <a:ext cx="595745" cy="2585323"/>
-          </a:xfrm>
-          <a:prstGeom prst="rect">
-            <a:avLst/>
-          </a:prstGeom>
-          <a:noFill/>
-        </p:spPr>
-        <p:txBody>
-          <a:bodyPr wrap="square" rtlCol="0">
-            <a:spAutoFit/>
-          </a:bodyPr>
-          <a:lstStyle/>
-          <a:p>
-            <a:r>
-              <a:rPr lang="en-US" dirty="0" smtClean="0">
-                <a:latin typeface="Comic Sans MS" pitchFamily="66" charset="0"/>
-              </a:rPr>
-              <a:t>1</a:t>
-            </a:r>
-          </a:p>
-          <a:p>
-            <a:endParaRPr lang="en-US" dirty="0">
-              <a:latin typeface="Comic Sans MS" pitchFamily="66" charset="0"/>
-            </a:endParaRPr>
-          </a:p>
-          <a:p>
-            <a:r>
-              <a:rPr lang="en-US" dirty="0" smtClean="0">
-                <a:latin typeface="Comic Sans MS" pitchFamily="66" charset="0"/>
-              </a:rPr>
-              <a:t>5</a:t>
-            </a:r>
-          </a:p>
-          <a:p>
-            <a:endParaRPr lang="en-US" dirty="0">
-              <a:latin typeface="Comic Sans MS" pitchFamily="66" charset="0"/>
-            </a:endParaRPr>
-          </a:p>
-          <a:p>
-            <a:r>
-              <a:rPr lang="en-US" dirty="0" smtClean="0">
-                <a:latin typeface="Comic Sans MS" pitchFamily="66" charset="0"/>
-              </a:rPr>
-              <a:t>7</a:t>
-            </a:r>
-          </a:p>
-          <a:p>
-            <a:endParaRPr lang="en-US" dirty="0">
-              <a:latin typeface="Comic Sans MS" pitchFamily="66" charset="0"/>
-            </a:endParaRPr>
-          </a:p>
-          <a:p>
-            <a:r>
-              <a:rPr lang="en-US" dirty="0" smtClean="0">
-                <a:latin typeface="Comic Sans MS" pitchFamily="66" charset="0"/>
-              </a:rPr>
-              <a:t>9</a:t>
-            </a:r>
-          </a:p>
-          <a:p>
-            <a:endParaRPr lang="en-US" dirty="0">
-              <a:latin typeface="Comic Sans MS" pitchFamily="66" charset="0"/>
-            </a:endParaRPr>
-          </a:p>
-          <a:p>
-            <a:r>
-              <a:rPr lang="en-US" dirty="0" smtClean="0">
-                <a:latin typeface="Comic Sans MS" pitchFamily="66" charset="0"/>
-              </a:rPr>
-              <a:t>10</a:t>
-            </a:r>
-            <a:endParaRPr lang="en-US" dirty="0">
-              <a:latin typeface="Comic Sans MS" pitchFamily="66" charset="0"/>
-            </a:endParaRPr>
-          </a:p>
-        </p:txBody>
-      </p:sp>
-      <p:sp>
-        <p:nvSpPr>
-          <p:cNvPr id="38" name="Oval 37"/>
-          <p:cNvSpPr/>
-          <p:nvPr/>
-        </p:nvSpPr>
-        <p:spPr>
-          <a:xfrm>
-            <a:off x="9904020" y="1673224"/>
-            <a:ext cx="1607127" cy="3463637"/>
-          </a:xfrm>
-          <a:prstGeom prst="ellipse">
-            <a:avLst/>
-          </a:prstGeom>
-          <a:noFill/>
-        </p:spPr>
-        <p:style>
-          <a:lnRef idx="2">
-            <a:schemeClr val="accent1">
-              <a:shade val="50000"/>
-            </a:schemeClr>
-          </a:lnRef>
-          <a:fillRef idx="1">
-            <a:schemeClr val="accent1"/>
-          </a:fillRef>
-          <a:effectRef idx="0">
-            <a:schemeClr val="accent1"/>
-          </a:effectRef>
-          <a:fontRef idx="minor">
-            <a:schemeClr val="lt1"/>
-          </a:fontRef>
-        </p:style>
-        <p:txBody>
-          <a:bodyPr rtlCol="0" anchor="ctr"/>
-          <a:lstStyle/>
-          <a:p>
-            <a:pPr algn="ctr"/>
-            <a:endParaRPr lang="en-US"/>
-          </a:p>
-        </p:txBody>
-      </p:sp>
-      <p:sp>
-        <p:nvSpPr>
-          <p:cNvPr id="39" name="TextBox 38"/>
-          <p:cNvSpPr txBox="1"/>
-          <p:nvPr/>
-        </p:nvSpPr>
-        <p:spPr>
-          <a:xfrm>
-            <a:off x="10208820" y="2513979"/>
-            <a:ext cx="1468582" cy="1477328"/>
-          </a:xfrm>
-          <a:prstGeom prst="rect">
-            <a:avLst/>
-          </a:prstGeom>
-          <a:noFill/>
-        </p:spPr>
-        <p:txBody>
-          <a:bodyPr wrap="square" rtlCol="0">
-            <a:spAutoFit/>
-          </a:bodyPr>
-          <a:lstStyle/>
-          <a:p>
-            <a:r>
-              <a:rPr lang="en-US" dirty="0" smtClean="0">
-                <a:latin typeface="Comic Sans MS" pitchFamily="66" charset="0"/>
-              </a:rPr>
-              <a:t>Prime</a:t>
-            </a:r>
-          </a:p>
-          <a:p>
-            <a:endParaRPr lang="en-US" dirty="0">
-              <a:latin typeface="Comic Sans MS" pitchFamily="66" charset="0"/>
-            </a:endParaRPr>
-          </a:p>
-          <a:p>
-            <a:endParaRPr lang="en-US" dirty="0" smtClean="0">
-              <a:latin typeface="Comic Sans MS" pitchFamily="66" charset="0"/>
-            </a:endParaRPr>
-          </a:p>
-          <a:p>
-            <a:endParaRPr lang="en-US" dirty="0">
-              <a:latin typeface="Comic Sans MS" pitchFamily="66" charset="0"/>
-            </a:endParaRPr>
-          </a:p>
-          <a:p>
-            <a:r>
-              <a:rPr lang="en-US" dirty="0" smtClean="0">
-                <a:latin typeface="Comic Sans MS" pitchFamily="66" charset="0"/>
-              </a:rPr>
-              <a:t>Not prime</a:t>
-            </a:r>
-            <a:endParaRPr lang="en-US" dirty="0">
-              <a:latin typeface="Comic Sans MS" pitchFamily="66" charset="0"/>
-            </a:endParaRPr>
-          </a:p>
-        </p:txBody>
-      </p:sp>
-      <p:cxnSp>
-        <p:nvCxnSpPr>
-          <p:cNvPr id="40" name="Straight Arrow Connector 39"/>
-          <p:cNvCxnSpPr/>
-          <p:nvPr/>
-        </p:nvCxnSpPr>
-        <p:spPr>
-          <a:xfrm>
-            <a:off x="7874329" y="2322286"/>
-            <a:ext cx="2431473" cy="1383369"/>
-          </a:xfrm>
-          <a:prstGeom prst="straightConnector1">
-            <a:avLst/>
-          </a:prstGeom>
-          <a:ln>
-            <a:tailEnd type="arrow"/>
-          </a:ln>
-        </p:spPr>
-        <p:style>
-          <a:lnRef idx="1">
-            <a:schemeClr val="accent1"/>
-          </a:lnRef>
-          <a:fillRef idx="0">
-            <a:schemeClr val="accent1"/>
-          </a:fillRef>
-          <a:effectRef idx="0">
-            <a:schemeClr val="accent1"/>
-          </a:effectRef>
-          <a:fontRef idx="minor">
-            <a:schemeClr val="tx1"/>
-          </a:fontRef>
-        </p:style>
-      </p:cxnSp>
-      <p:cxnSp>
-        <p:nvCxnSpPr>
-          <p:cNvPr id="41" name="Straight Arrow Connector 40"/>
-          <p:cNvCxnSpPr/>
-          <p:nvPr/>
-        </p:nvCxnSpPr>
-        <p:spPr>
-          <a:xfrm>
-            <a:off x="7874329" y="2708127"/>
-            <a:ext cx="2334491" cy="0"/>
-          </a:xfrm>
-          <a:prstGeom prst="straightConnector1">
-            <a:avLst/>
-          </a:prstGeom>
-          <a:ln>
-            <a:tailEnd type="arrow"/>
-          </a:ln>
-        </p:spPr>
-        <p:style>
-          <a:lnRef idx="1">
-            <a:schemeClr val="accent1"/>
-          </a:lnRef>
-          <a:fillRef idx="0">
-            <a:schemeClr val="accent1"/>
-          </a:fillRef>
-          <a:effectRef idx="0">
-            <a:schemeClr val="accent1"/>
-          </a:effectRef>
-          <a:fontRef idx="minor">
-            <a:schemeClr val="tx1"/>
-          </a:fontRef>
-        </p:style>
-      </p:cxnSp>
-      <p:cxnSp>
-        <p:nvCxnSpPr>
-          <p:cNvPr id="42" name="Straight Arrow Connector 41"/>
-          <p:cNvCxnSpPr/>
-          <p:nvPr/>
-        </p:nvCxnSpPr>
-        <p:spPr>
-          <a:xfrm flipV="1">
-            <a:off x="7874329" y="2909019"/>
-            <a:ext cx="2334491" cy="343624"/>
-          </a:xfrm>
-          <a:prstGeom prst="straightConnector1">
-            <a:avLst/>
-          </a:prstGeom>
-          <a:ln>
-            <a:tailEnd type="arrow"/>
-          </a:ln>
-        </p:spPr>
-        <p:style>
-          <a:lnRef idx="1">
-            <a:schemeClr val="accent1"/>
-          </a:lnRef>
-          <a:fillRef idx="0">
-            <a:schemeClr val="accent1"/>
-          </a:fillRef>
-          <a:effectRef idx="0">
-            <a:schemeClr val="accent1"/>
-          </a:effectRef>
-          <a:fontRef idx="minor">
-            <a:schemeClr val="tx1"/>
-          </a:fontRef>
-        </p:style>
-      </p:cxnSp>
-      <p:cxnSp>
-        <p:nvCxnSpPr>
-          <p:cNvPr id="43" name="Straight Arrow Connector 42"/>
-          <p:cNvCxnSpPr/>
-          <p:nvPr/>
-        </p:nvCxnSpPr>
-        <p:spPr>
-          <a:xfrm>
-            <a:off x="7908965" y="3858055"/>
-            <a:ext cx="2396837" cy="0"/>
-          </a:xfrm>
-          <a:prstGeom prst="straightConnector1">
-            <a:avLst/>
-          </a:prstGeom>
-          <a:ln>
-            <a:tailEnd type="arrow"/>
-          </a:ln>
-        </p:spPr>
-        <p:style>
-          <a:lnRef idx="1">
-            <a:schemeClr val="accent1"/>
-          </a:lnRef>
-          <a:fillRef idx="0">
-            <a:schemeClr val="accent1"/>
-          </a:fillRef>
-          <a:effectRef idx="0">
-            <a:schemeClr val="accent1"/>
-          </a:effectRef>
-          <a:fontRef idx="minor">
-            <a:schemeClr val="tx1"/>
-          </a:fontRef>
-        </p:style>
-      </p:cxnSp>
-      <p:cxnSp>
-        <p:nvCxnSpPr>
-          <p:cNvPr id="44" name="Straight Arrow Connector 43"/>
-          <p:cNvCxnSpPr/>
-          <p:nvPr/>
-        </p:nvCxnSpPr>
-        <p:spPr>
-          <a:xfrm flipV="1">
-            <a:off x="8055429" y="3991308"/>
-            <a:ext cx="2250373" cy="430756"/>
-          </a:xfrm>
-          <a:prstGeom prst="straightConnector1">
-            <a:avLst/>
-          </a:prstGeom>
-          <a:ln>
-            <a:tailEnd type="arrow"/>
-          </a:ln>
-        </p:spPr>
-        <p:style>
-          <a:lnRef idx="1">
-            <a:schemeClr val="accent1"/>
-          </a:lnRef>
-          <a:fillRef idx="0">
-            <a:schemeClr val="accent1"/>
-          </a:fillRef>
-          <a:effectRef idx="0">
-            <a:schemeClr val="accent1"/>
-          </a:effectRef>
-          <a:fontRef idx="minor">
-            <a:schemeClr val="tx1"/>
-          </a:fontRef>
-        </p:style>
-      </p:cxnSp>
-      <p:sp>
-        <p:nvSpPr>
-          <p:cNvPr id="75" name="Content Placeholder 2">
+          <p:cNvPr id="4" name="Content Placeholder 2">
             <a:extLst>
               <a:ext uri="{FF2B5EF4-FFF2-40B4-BE49-F238E27FC236}">
-                <a16:creationId xmlns="" xmlns:a16="http://schemas.microsoft.com/office/drawing/2014/main" id="{8FD3E7E3-6406-4C87-9E06-5BA40AA66E22}"/>
+                <a16:creationId xmlns:a16="http://schemas.microsoft.com/office/drawing/2014/main" xmlns="" id="{8FD3E7E3-6406-4C87-9E06-5BA40AA66E22}"/>
               </a:ext>
             </a:extLst>
           </p:cNvPr>
@@ -8849,8 +10637,8 @@
         </p:nvSpPr>
         <p:spPr>
           <a:xfrm>
-            <a:off x="7278708" y="5477000"/>
-            <a:ext cx="1553442" cy="432666"/>
+            <a:off x="879970" y="1422564"/>
+            <a:ext cx="10515600" cy="1620887"/>
           </a:xfrm>
           <a:prstGeom prst="rect">
             <a:avLst/>
@@ -9026,16 +10814,273 @@
           </a:lstStyle>
           <a:p>
             <a:pPr marL="0" indent="0">
-              <a:buFont typeface="Arial" panose="020B0604020202020204" pitchFamily="34" charset="0"/>
               <a:buNone/>
             </a:pPr>
             <a:r>
-              <a:rPr lang="en-US" sz="1800" dirty="0" smtClean="0">
+              <a:rPr lang="en-US" dirty="0">
                 <a:latin typeface="Comic Sans MS" panose="030F0702030302020204" pitchFamily="66" charset="0"/>
               </a:rPr>
-              <a:t>A(numbers)</a:t>
-            </a:r>
-            <a:endParaRPr lang="en-US" sz="1800" dirty="0">
+              <a:t>S</a:t>
+            </a:r>
+            <a:r>
+              <a:rPr lang="en-US" dirty="0" smtClean="0">
+                <a:latin typeface="Comic Sans MS" panose="030F0702030302020204" pitchFamily="66" charset="0"/>
+              </a:rPr>
+              <a:t>uppose </a:t>
+            </a:r>
+            <a:r>
+              <a:rPr lang="en-US" dirty="0">
+                <a:latin typeface="Comic Sans MS" panose="030F0702030302020204" pitchFamily="66" charset="0"/>
+              </a:rPr>
+              <a:t>that each student in a discrete </a:t>
+            </a:r>
+            <a:r>
+              <a:rPr lang="en-US" dirty="0" smtClean="0">
+                <a:latin typeface="Comic Sans MS" panose="030F0702030302020204" pitchFamily="66" charset="0"/>
+              </a:rPr>
+              <a:t>mathematics class </a:t>
+            </a:r>
+            <a:r>
+              <a:rPr lang="en-US" dirty="0">
+                <a:latin typeface="Comic Sans MS" panose="030F0702030302020204" pitchFamily="66" charset="0"/>
+              </a:rPr>
+              <a:t>is assigned a letter grade from the set {</a:t>
+            </a:r>
+            <a:r>
+              <a:rPr lang="en-US" i="1" dirty="0">
+                <a:latin typeface="Comic Sans MS" panose="030F0702030302020204" pitchFamily="66" charset="0"/>
+              </a:rPr>
+              <a:t>A</a:t>
+            </a:r>
+            <a:r>
+              <a:rPr lang="en-US" i="1" dirty="0" smtClean="0">
+                <a:latin typeface="Comic Sans MS" panose="030F0702030302020204" pitchFamily="66" charset="0"/>
+              </a:rPr>
+              <a:t>, B, C, D</a:t>
+            </a:r>
+            <a:r>
+              <a:rPr lang="en-US" i="1" dirty="0">
+                <a:latin typeface="Comic Sans MS" panose="030F0702030302020204" pitchFamily="66" charset="0"/>
+              </a:rPr>
+              <a:t>, F</a:t>
+            </a:r>
+            <a:r>
+              <a:rPr lang="en-US" dirty="0">
+                <a:latin typeface="Comic Sans MS" panose="030F0702030302020204" pitchFamily="66" charset="0"/>
+              </a:rPr>
+              <a:t>}. And suppose that the grades are </a:t>
+            </a:r>
+            <a:r>
+              <a:rPr lang="en-US" i="1" dirty="0" smtClean="0">
+                <a:latin typeface="Comic Sans MS" panose="030F0702030302020204" pitchFamily="66" charset="0"/>
+              </a:rPr>
+              <a:t>A </a:t>
+            </a:r>
+            <a:r>
+              <a:rPr lang="en-US" dirty="0" smtClean="0">
+                <a:latin typeface="Comic Sans MS" panose="030F0702030302020204" pitchFamily="66" charset="0"/>
+              </a:rPr>
+              <a:t>for </a:t>
+            </a:r>
+            <a:r>
+              <a:rPr lang="en-US" dirty="0">
+                <a:latin typeface="Comic Sans MS" panose="030F0702030302020204" pitchFamily="66" charset="0"/>
+              </a:rPr>
+              <a:t>Adams, </a:t>
+            </a:r>
+            <a:r>
+              <a:rPr lang="en-US" i="1" dirty="0">
+                <a:latin typeface="Comic Sans MS" panose="030F0702030302020204" pitchFamily="66" charset="0"/>
+              </a:rPr>
+              <a:t>C </a:t>
+            </a:r>
+            <a:r>
+              <a:rPr lang="en-US" dirty="0">
+                <a:latin typeface="Comic Sans MS" panose="030F0702030302020204" pitchFamily="66" charset="0"/>
+              </a:rPr>
+              <a:t>for Chou, </a:t>
+            </a:r>
+            <a:r>
+              <a:rPr lang="en-US" i="1" dirty="0">
+                <a:latin typeface="Comic Sans MS" panose="030F0702030302020204" pitchFamily="66" charset="0"/>
+              </a:rPr>
+              <a:t>B </a:t>
+            </a:r>
+            <a:r>
+              <a:rPr lang="en-US" dirty="0">
+                <a:latin typeface="Comic Sans MS" panose="030F0702030302020204" pitchFamily="66" charset="0"/>
+              </a:rPr>
+              <a:t>for Goodfriend, </a:t>
+            </a:r>
+            <a:r>
+              <a:rPr lang="en-US" i="1" dirty="0">
+                <a:latin typeface="Comic Sans MS" panose="030F0702030302020204" pitchFamily="66" charset="0"/>
+              </a:rPr>
+              <a:t>A </a:t>
+            </a:r>
+            <a:r>
+              <a:rPr lang="en-US" dirty="0">
+                <a:latin typeface="Comic Sans MS" panose="030F0702030302020204" pitchFamily="66" charset="0"/>
+              </a:rPr>
+              <a:t>for Rodriguez, and </a:t>
+            </a:r>
+            <a:r>
+              <a:rPr lang="en-US" i="1" dirty="0">
+                <a:latin typeface="Comic Sans MS" panose="030F0702030302020204" pitchFamily="66" charset="0"/>
+              </a:rPr>
+              <a:t>F </a:t>
+            </a:r>
+            <a:r>
+              <a:rPr lang="en-US" dirty="0">
+                <a:latin typeface="Comic Sans MS" panose="030F0702030302020204" pitchFamily="66" charset="0"/>
+              </a:rPr>
+              <a:t>for Stevens.</a:t>
+            </a:r>
+            <a:endParaRPr lang="en-US" dirty="0" smtClean="0">
+              <a:solidFill>
+                <a:srgbClr val="D3359B"/>
+              </a:solidFill>
+              <a:latin typeface="Comic Sans MS" panose="030F0702030302020204" pitchFamily="66" charset="0"/>
+            </a:endParaRPr>
+          </a:p>
+        </p:txBody>
+      </p:sp>
+    </p:spTree>
+    <p:extLst>
+      <p:ext uri="{BB962C8B-B14F-4D97-AF65-F5344CB8AC3E}">
+        <p14:creationId xmlns:p14="http://schemas.microsoft.com/office/powerpoint/2010/main" val="3862641079"/>
+      </p:ext>
+    </p:extLst>
+  </p:cSld>
+  <p:clrMapOvr>
+    <a:masterClrMapping/>
+  </p:clrMapOvr>
+  <p:timing>
+    <p:tnLst>
+      <p:par>
+        <p:cTn id="1" dur="indefinite" restart="never" nodeType="tmRoot">
+          <p:childTnLst>
+            <p:seq concurrent="1" nextAc="seek">
+              <p:cTn id="2" dur="indefinite" nodeType="mainSeq">
+                <p:childTnLst>
+                  <p:par>
+                    <p:cTn id="3" fill="hold">
+                      <p:stCondLst>
+                        <p:cond delay="indefinite"/>
+                      </p:stCondLst>
+                      <p:childTnLst>
+                        <p:par>
+                          <p:cTn id="4" fill="hold">
+                            <p:stCondLst>
+                              <p:cond delay="0"/>
+                            </p:stCondLst>
+                            <p:childTnLst>
+                              <p:par>
+                                <p:cTn id="5" presetID="1" presetClass="entr" presetSubtype="0" fill="hold" grpId="0" nodeType="clickEffect">
+                                  <p:stCondLst>
+                                    <p:cond delay="0"/>
+                                  </p:stCondLst>
+                                  <p:childTnLst>
+                                    <p:set>
+                                      <p:cBhvr>
+                                        <p:cTn id="6" dur="1" fill="hold">
+                                          <p:stCondLst>
+                                            <p:cond delay="0"/>
+                                          </p:stCondLst>
+                                        </p:cTn>
+                                        <p:tgtEl>
+                                          <p:spTgt spid="4"/>
+                                        </p:tgtEl>
+                                        <p:attrNameLst>
+                                          <p:attrName>style.visibility</p:attrName>
+                                        </p:attrNameLst>
+                                      </p:cBhvr>
+                                      <p:to>
+                                        <p:strVal val="visible"/>
+                                      </p:to>
+                                    </p:set>
+                                  </p:childTnLst>
+                                </p:cTn>
+                              </p:par>
+                            </p:childTnLst>
+                          </p:cTn>
+                        </p:par>
+                      </p:childTnLst>
+                    </p:cTn>
+                  </p:par>
+                </p:childTnLst>
+              </p:cTn>
+              <p:prevCondLst>
+                <p:cond evt="onPrev" delay="0">
+                  <p:tgtEl>
+                    <p:sldTgt/>
+                  </p:tgtEl>
+                </p:cond>
+              </p:prevCondLst>
+              <p:nextCondLst>
+                <p:cond evt="onNext" delay="0">
+                  <p:tgtEl>
+                    <p:sldTgt/>
+                  </p:tgtEl>
+                </p:cond>
+              </p:nextCondLst>
+            </p:seq>
+          </p:childTnLst>
+        </p:cTn>
+      </p:par>
+    </p:tnLst>
+    <p:bldLst>
+      <p:bldP spid="4" grpId="0"/>
+    </p:bldLst>
+  </p:timing>
+</p:sld>
+</file>
+
+<file path=ppt/slides/slide5.xml><?xml version="1.0" encoding="utf-8"?>
+<p:sld xmlns:a="http://schemas.openxmlformats.org/drawingml/2006/main" xmlns:r="http://schemas.openxmlformats.org/officeDocument/2006/relationships" xmlns:p="http://schemas.openxmlformats.org/presentationml/2006/main">
+  <p:cSld>
+    <p:spTree>
+      <p:nvGrpSpPr>
+        <p:cNvPr id="1" name=""/>
+        <p:cNvGrpSpPr/>
+        <p:nvPr/>
+      </p:nvGrpSpPr>
+      <p:grpSpPr>
+        <a:xfrm>
+          <a:off x="0" y="0"/>
+          <a:ext cx="0" cy="0"/>
+          <a:chOff x="0" y="0"/>
+          <a:chExt cx="0" cy="0"/>
+        </a:xfrm>
+      </p:grpSpPr>
+      <p:sp>
+        <p:nvSpPr>
+          <p:cNvPr id="2" name="Title 1">
+            <a:extLst>
+              <a:ext uri="{FF2B5EF4-FFF2-40B4-BE49-F238E27FC236}">
+                <a16:creationId xmlns:a16="http://schemas.microsoft.com/office/drawing/2014/main" xmlns="" id="{64FC46BD-FCD3-4070-A2FE-CF068D21089D}"/>
+              </a:ext>
+            </a:extLst>
+          </p:cNvPr>
+          <p:cNvSpPr>
+            <a:spLocks noGrp="1"/>
+          </p:cNvSpPr>
+          <p:nvPr>
+            <p:ph type="title"/>
+          </p:nvPr>
+        </p:nvSpPr>
+        <p:spPr/>
+        <p:txBody>
+          <a:bodyPr/>
+          <a:lstStyle/>
+          <a:p>
+            <a:r>
+              <a:rPr lang="en-US" dirty="0" smtClean="0">
+                <a:latin typeface="Comic Sans MS" panose="030F0702030302020204" pitchFamily="66" charset="0"/>
+              </a:rPr>
+              <a:t>What are functions?</a:t>
+            </a:r>
+            <a:endParaRPr lang="en-US" dirty="0">
               <a:latin typeface="Comic Sans MS" panose="030F0702030302020204" pitchFamily="66" charset="0"/>
             </a:endParaRPr>
           </a:p>
@@ -9043,41 +11088,10 @@
       </p:sp>
       <p:sp>
         <p:nvSpPr>
-          <p:cNvPr id="76" name="Rectangle 75"/>
-          <p:cNvSpPr/>
-          <p:nvPr/>
-        </p:nvSpPr>
-        <p:spPr>
-          <a:xfrm>
-            <a:off x="10305802" y="5512400"/>
-            <a:ext cx="1607127" cy="369332"/>
-          </a:xfrm>
-          <a:prstGeom prst="rect">
-            <a:avLst/>
-          </a:prstGeom>
-        </p:spPr>
-        <p:txBody>
-          <a:bodyPr wrap="square">
-            <a:spAutoFit/>
-          </a:bodyPr>
-          <a:lstStyle/>
-          <a:p>
-            <a:r>
-              <a:rPr lang="en-US" dirty="0" smtClean="0">
-                <a:latin typeface="Comic Sans MS" panose="030F0702030302020204" pitchFamily="66" charset="0"/>
-              </a:rPr>
-              <a:t>B(prime/not)</a:t>
-            </a:r>
-            <a:endParaRPr lang="en-US" dirty="0"/>
-          </a:p>
-        </p:txBody>
-      </p:sp>
-      <p:sp>
-        <p:nvSpPr>
-          <p:cNvPr id="77" name="Content Placeholder 2">
+          <p:cNvPr id="4" name="Content Placeholder 2">
             <a:extLst>
               <a:ext uri="{FF2B5EF4-FFF2-40B4-BE49-F238E27FC236}">
-                <a16:creationId xmlns="" xmlns:a16="http://schemas.microsoft.com/office/drawing/2014/main" id="{8FD3E7E3-6406-4C87-9E06-5BA40AA66E22}"/>
+                <a16:creationId xmlns:a16="http://schemas.microsoft.com/office/drawing/2014/main" xmlns="" id="{8FD3E7E3-6406-4C87-9E06-5BA40AA66E22}"/>
               </a:ext>
             </a:extLst>
           </p:cNvPr>
@@ -9088,8 +11102,8 @@
         </p:nvSpPr>
         <p:spPr>
           <a:xfrm>
-            <a:off x="1046016" y="3726167"/>
-            <a:ext cx="4520211" cy="1291649"/>
+            <a:off x="879970" y="1559041"/>
+            <a:ext cx="10515600" cy="829317"/>
           </a:xfrm>
           <a:prstGeom prst="rect">
             <a:avLst/>
@@ -9097,7 +11111,7 @@
         </p:spPr>
         <p:txBody>
           <a:bodyPr vert="horz" lIns="91440" tIns="45720" rIns="91440" bIns="45720" rtlCol="0">
-            <a:normAutofit fontScale="70000" lnSpcReduction="20000"/>
+            <a:noAutofit/>
           </a:bodyPr>
           <a:lstStyle>
             <a:lvl1pPr marL="228600" indent="-228600" algn="l" defTabSz="914400" rtl="0" eaLnBrk="1" latinLnBrk="0" hangingPunct="1">
@@ -9265,42 +11279,73 @@
           </a:lstStyle>
           <a:p>
             <a:pPr marL="0" indent="0">
+              <a:buFont typeface="Arial" panose="020B0604020202020204" pitchFamily="34" charset="0"/>
               <a:buNone/>
             </a:pPr>
             <a:r>
-              <a:rPr lang="en-US" sz="4000" dirty="0" smtClean="0">
+              <a:rPr lang="en-US" dirty="0" smtClean="0">
                 <a:latin typeface="Comic Sans MS" panose="030F0702030302020204" pitchFamily="66" charset="0"/>
               </a:rPr>
-              <a:t>If f(a) = b</a:t>
-            </a:r>
-          </a:p>
-          <a:p>
-            <a:pPr marL="0" indent="0">
-              <a:buNone/>
-            </a:pPr>
-            <a:r>
-              <a:rPr lang="en-US" sz="4000" dirty="0" smtClean="0">
+              <a:t>A function from A to B </a:t>
+            </a:r>
+            <a:r>
+              <a:rPr lang="en-US" dirty="0" smtClean="0">
                 <a:latin typeface="Comic Sans MS" panose="030F0702030302020204" pitchFamily="66" charset="0"/>
               </a:rPr>
-              <a:t>b = image of a</a:t>
-            </a:r>
-          </a:p>
-          <a:p>
-            <a:pPr marL="0" indent="0">
-              <a:buNone/>
-            </a:pPr>
-            <a:r>
-              <a:rPr lang="en-US" sz="4000" dirty="0" smtClean="0">
+              <a:t>is an </a:t>
+            </a:r>
+            <a:r>
+              <a:rPr lang="en-US" dirty="0" smtClean="0">
                 <a:latin typeface="Comic Sans MS" panose="030F0702030302020204" pitchFamily="66" charset="0"/>
               </a:rPr>
-              <a:t>a = pre-image of b</a:t>
-            </a:r>
-          </a:p>
-          <a:p>
-            <a:pPr marL="0" indent="0">
-              <a:buNone/>
-            </a:pPr>
-            <a:endParaRPr lang="en-US" sz="4000" dirty="0" smtClean="0">
+              <a:t>assignment of </a:t>
+            </a:r>
+            <a:r>
+              <a:rPr lang="en-US" dirty="0" smtClean="0">
+                <a:solidFill>
+                  <a:srgbClr val="00B050"/>
+                </a:solidFill>
+                <a:latin typeface="Comic Sans MS" panose="030F0702030302020204" pitchFamily="66" charset="0"/>
+              </a:rPr>
+              <a:t>exactly one member of B </a:t>
+            </a:r>
+            <a:r>
+              <a:rPr lang="en-US" dirty="0" smtClean="0">
+                <a:latin typeface="Comic Sans MS" panose="030F0702030302020204" pitchFamily="66" charset="0"/>
+              </a:rPr>
+              <a:t>to </a:t>
+            </a:r>
+            <a:r>
+              <a:rPr lang="en-US" dirty="0" smtClean="0">
+                <a:solidFill>
+                  <a:srgbClr val="D3359B"/>
+                </a:solidFill>
+                <a:latin typeface="Comic Sans MS" panose="030F0702030302020204" pitchFamily="66" charset="0"/>
+              </a:rPr>
+              <a:t>each </a:t>
+            </a:r>
+            <a:r>
+              <a:rPr lang="en-US" dirty="0" smtClean="0">
+                <a:solidFill>
+                  <a:srgbClr val="D3359B"/>
+                </a:solidFill>
+                <a:latin typeface="Comic Sans MS" panose="030F0702030302020204" pitchFamily="66" charset="0"/>
+              </a:rPr>
+              <a:t>element of </a:t>
+            </a:r>
+            <a:r>
+              <a:rPr lang="en-US" dirty="0" smtClean="0">
+                <a:solidFill>
+                  <a:srgbClr val="D3359B"/>
+                </a:solidFill>
+                <a:latin typeface="Comic Sans MS" panose="030F0702030302020204" pitchFamily="66" charset="0"/>
+              </a:rPr>
+              <a:t>A</a:t>
+            </a:r>
+            <a:endParaRPr lang="en-US" dirty="0" smtClean="0">
+              <a:solidFill>
+                <a:srgbClr val="D3359B"/>
+              </a:solidFill>
               <a:latin typeface="Comic Sans MS" panose="030F0702030302020204" pitchFamily="66" charset="0"/>
             </a:endParaRPr>
           </a:p>
@@ -9309,560 +11354,7 @@
     </p:spTree>
     <p:extLst>
       <p:ext uri="{BB962C8B-B14F-4D97-AF65-F5344CB8AC3E}">
-        <p14:creationId xmlns:p14="http://schemas.microsoft.com/office/powerpoint/2010/main" val="857271201"/>
-      </p:ext>
-    </p:extLst>
-  </p:cSld>
-  <p:clrMapOvr>
-    <a:masterClrMapping/>
-  </p:clrMapOvr>
-  <p:timing>
-    <p:tnLst>
-      <p:par>
-        <p:cTn id="1" dur="indefinite" restart="never" nodeType="tmRoot">
-          <p:childTnLst>
-            <p:seq concurrent="1" nextAc="seek">
-              <p:cTn id="2" dur="indefinite" nodeType="mainSeq">
-                <p:childTnLst>
-                  <p:par>
-                    <p:cTn id="3" fill="hold">
-                      <p:stCondLst>
-                        <p:cond delay="indefinite"/>
-                      </p:stCondLst>
-                      <p:childTnLst>
-                        <p:par>
-                          <p:cTn id="4" fill="hold">
-                            <p:stCondLst>
-                              <p:cond delay="0"/>
-                            </p:stCondLst>
-                            <p:childTnLst>
-                              <p:par>
-                                <p:cTn id="5" presetID="1" presetClass="entr" presetSubtype="0" fill="hold" grpId="0" nodeType="clickEffect">
-                                  <p:stCondLst>
-                                    <p:cond delay="0"/>
-                                  </p:stCondLst>
-                                  <p:childTnLst>
-                                    <p:set>
-                                      <p:cBhvr>
-                                        <p:cTn id="6" dur="1" fill="hold">
-                                          <p:stCondLst>
-                                            <p:cond delay="0"/>
-                                          </p:stCondLst>
-                                        </p:cTn>
-                                        <p:tgtEl>
-                                          <p:spTgt spid="4"/>
-                                        </p:tgtEl>
-                                        <p:attrNameLst>
-                                          <p:attrName>style.visibility</p:attrName>
-                                        </p:attrNameLst>
-                                      </p:cBhvr>
-                                      <p:to>
-                                        <p:strVal val="visible"/>
-                                      </p:to>
-                                    </p:set>
-                                  </p:childTnLst>
-                                </p:cTn>
-                              </p:par>
-                            </p:childTnLst>
-                          </p:cTn>
-                        </p:par>
-                      </p:childTnLst>
-                    </p:cTn>
-                  </p:par>
-                  <p:par>
-                    <p:cTn id="7" fill="hold">
-                      <p:stCondLst>
-                        <p:cond delay="indefinite"/>
-                      </p:stCondLst>
-                      <p:childTnLst>
-                        <p:par>
-                          <p:cTn id="8" fill="hold">
-                            <p:stCondLst>
-                              <p:cond delay="0"/>
-                            </p:stCondLst>
-                            <p:childTnLst>
-                              <p:par>
-                                <p:cTn id="9" presetID="1" presetClass="entr" presetSubtype="0" fill="hold" grpId="0" nodeType="clickEffect">
-                                  <p:stCondLst>
-                                    <p:cond delay="0"/>
-                                  </p:stCondLst>
-                                  <p:childTnLst>
-                                    <p:set>
-                                      <p:cBhvr>
-                                        <p:cTn id="10" dur="1" fill="hold">
-                                          <p:stCondLst>
-                                            <p:cond delay="0"/>
-                                          </p:stCondLst>
-                                        </p:cTn>
-                                        <p:tgtEl>
-                                          <p:spTgt spid="75">
-                                            <p:txEl>
-                                              <p:pRg st="0" end="0"/>
-                                            </p:txEl>
-                                          </p:spTgt>
-                                        </p:tgtEl>
-                                        <p:attrNameLst>
-                                          <p:attrName>style.visibility</p:attrName>
-                                        </p:attrNameLst>
-                                      </p:cBhvr>
-                                      <p:to>
-                                        <p:strVal val="visible"/>
-                                      </p:to>
-                                    </p:set>
-                                  </p:childTnLst>
-                                </p:cTn>
-                              </p:par>
-                            </p:childTnLst>
-                          </p:cTn>
-                        </p:par>
-                      </p:childTnLst>
-                    </p:cTn>
-                  </p:par>
-                  <p:par>
-                    <p:cTn id="11" fill="hold">
-                      <p:stCondLst>
-                        <p:cond delay="indefinite"/>
-                      </p:stCondLst>
-                      <p:childTnLst>
-                        <p:par>
-                          <p:cTn id="12" fill="hold">
-                            <p:stCondLst>
-                              <p:cond delay="0"/>
-                            </p:stCondLst>
-                            <p:childTnLst>
-                              <p:par>
-                                <p:cTn id="13" presetID="1" presetClass="entr" presetSubtype="0" fill="hold" grpId="0" nodeType="clickEffect">
-                                  <p:stCondLst>
-                                    <p:cond delay="0"/>
-                                  </p:stCondLst>
-                                  <p:childTnLst>
-                                    <p:set>
-                                      <p:cBhvr>
-                                        <p:cTn id="14" dur="1" fill="hold">
-                                          <p:stCondLst>
-                                            <p:cond delay="0"/>
-                                          </p:stCondLst>
-                                        </p:cTn>
-                                        <p:tgtEl>
-                                          <p:spTgt spid="77"/>
-                                        </p:tgtEl>
-                                        <p:attrNameLst>
-                                          <p:attrName>style.visibility</p:attrName>
-                                        </p:attrNameLst>
-                                      </p:cBhvr>
-                                      <p:to>
-                                        <p:strVal val="visible"/>
-                                      </p:to>
-                                    </p:set>
-                                  </p:childTnLst>
-                                </p:cTn>
-                              </p:par>
-                            </p:childTnLst>
-                          </p:cTn>
-                        </p:par>
-                      </p:childTnLst>
-                    </p:cTn>
-                  </p:par>
-                </p:childTnLst>
-              </p:cTn>
-              <p:prevCondLst>
-                <p:cond evt="onPrev" delay="0">
-                  <p:tgtEl>
-                    <p:sldTgt/>
-                  </p:tgtEl>
-                </p:cond>
-              </p:prevCondLst>
-              <p:nextCondLst>
-                <p:cond evt="onNext" delay="0">
-                  <p:tgtEl>
-                    <p:sldTgt/>
-                  </p:tgtEl>
-                </p:cond>
-              </p:nextCondLst>
-            </p:seq>
-          </p:childTnLst>
-        </p:cTn>
-      </p:par>
-    </p:tnLst>
-    <p:bldLst>
-      <p:bldP spid="4" grpId="0"/>
-      <p:bldP spid="75" grpId="0" build="p"/>
-      <p:bldP spid="77" grpId="0"/>
-    </p:bldLst>
-  </p:timing>
-</p:sld>
-</file>
-
-<file path=ppt/slides/slide5.xml><?xml version="1.0" encoding="utf-8"?>
-<p:sld xmlns:a="http://schemas.openxmlformats.org/drawingml/2006/main" xmlns:r="http://schemas.openxmlformats.org/officeDocument/2006/relationships" xmlns:p="http://schemas.openxmlformats.org/presentationml/2006/main">
-  <p:cSld>
-    <p:spTree>
-      <p:nvGrpSpPr>
-        <p:cNvPr id="1" name=""/>
-        <p:cNvGrpSpPr/>
-        <p:nvPr/>
-      </p:nvGrpSpPr>
-      <p:grpSpPr>
-        <a:xfrm>
-          <a:off x="0" y="0"/>
-          <a:ext cx="0" cy="0"/>
-          <a:chOff x="0" y="0"/>
-          <a:chExt cx="0" cy="0"/>
-        </a:xfrm>
-      </p:grpSpPr>
-      <p:sp>
-        <p:nvSpPr>
-          <p:cNvPr id="2" name="Title 1">
-            <a:extLst>
-              <a:ext uri="{FF2B5EF4-FFF2-40B4-BE49-F238E27FC236}">
-                <a16:creationId xmlns="" xmlns:a16="http://schemas.microsoft.com/office/drawing/2014/main" id="{64FC46BD-FCD3-4070-A2FE-CF068D21089D}"/>
-              </a:ext>
-            </a:extLst>
-          </p:cNvPr>
-          <p:cNvSpPr>
-            <a:spLocks noGrp="1"/>
-          </p:cNvSpPr>
-          <p:nvPr>
-            <p:ph type="title"/>
-          </p:nvPr>
-        </p:nvSpPr>
-        <p:spPr/>
-        <p:txBody>
-          <a:bodyPr/>
-          <a:lstStyle/>
-          <a:p>
-            <a:r>
-              <a:rPr lang="en-US" dirty="0" smtClean="0">
-                <a:latin typeface="Comic Sans MS" panose="030F0702030302020204" pitchFamily="66" charset="0"/>
-              </a:rPr>
-              <a:t>What are functions?</a:t>
-            </a:r>
-            <a:endParaRPr lang="en-US" dirty="0">
-              <a:latin typeface="Comic Sans MS" panose="030F0702030302020204" pitchFamily="66" charset="0"/>
-            </a:endParaRPr>
-          </a:p>
-        </p:txBody>
-      </p:sp>
-      <mc:AlternateContent xmlns:mc="http://schemas.openxmlformats.org/markup-compatibility/2006" xmlns:a14="http://schemas.microsoft.com/office/drawing/2010/main">
-        <mc:Choice Requires="a14">
-          <p:sp>
-            <p:nvSpPr>
-              <p:cNvPr id="4" name="Content Placeholder 2">
-                <a:extLst>
-                  <a:ext uri="{FF2B5EF4-FFF2-40B4-BE49-F238E27FC236}">
-                    <a16:creationId xmlns="" xmlns:a16="http://schemas.microsoft.com/office/drawing/2014/main" id="{8FD3E7E3-6406-4C87-9E06-5BA40AA66E22}"/>
-                  </a:ext>
-                </a:extLst>
-              </p:cNvPr>
-              <p:cNvSpPr txBox="1">
-                <a:spLocks/>
-              </p:cNvSpPr>
-              <p:nvPr/>
-            </p:nvSpPr>
-            <p:spPr>
-              <a:xfrm>
-                <a:off x="893618" y="1900235"/>
-                <a:ext cx="10515600" cy="1291649"/>
-              </a:xfrm>
-              <a:prstGeom prst="rect">
-                <a:avLst/>
-              </a:prstGeom>
-            </p:spPr>
-            <p:txBody>
-              <a:bodyPr vert="horz" lIns="91440" tIns="45720" rIns="91440" bIns="45720" rtlCol="0">
-                <a:noAutofit/>
-              </a:bodyPr>
-              <a:lstStyle>
-                <a:lvl1pPr marL="228600" indent="-228600" algn="l" defTabSz="914400" rtl="0" eaLnBrk="1" latinLnBrk="0" hangingPunct="1">
-                  <a:lnSpc>
-                    <a:spcPct val="90000"/>
-                  </a:lnSpc>
-                  <a:spcBef>
-                    <a:spcPts val="1000"/>
-                  </a:spcBef>
-                  <a:buFont typeface="Arial" panose="020B0604020202020204" pitchFamily="34" charset="0"/>
-                  <a:buChar char="•"/>
-                  <a:defRPr sz="2800" kern="1200">
-                    <a:solidFill>
-                      <a:schemeClr val="tx1"/>
-                    </a:solidFill>
-                    <a:latin typeface="+mn-lt"/>
-                    <a:ea typeface="+mn-ea"/>
-                    <a:cs typeface="+mn-cs"/>
-                  </a:defRPr>
-                </a:lvl1pPr>
-                <a:lvl2pPr marL="685800" indent="-228600" algn="l" defTabSz="914400" rtl="0" eaLnBrk="1" latinLnBrk="0" hangingPunct="1">
-                  <a:lnSpc>
-                    <a:spcPct val="90000"/>
-                  </a:lnSpc>
-                  <a:spcBef>
-                    <a:spcPts val="500"/>
-                  </a:spcBef>
-                  <a:buFont typeface="Arial" panose="020B0604020202020204" pitchFamily="34" charset="0"/>
-                  <a:buChar char="•"/>
-                  <a:defRPr sz="2400" kern="1200">
-                    <a:solidFill>
-                      <a:schemeClr val="tx1"/>
-                    </a:solidFill>
-                    <a:latin typeface="+mn-lt"/>
-                    <a:ea typeface="+mn-ea"/>
-                    <a:cs typeface="+mn-cs"/>
-                  </a:defRPr>
-                </a:lvl2pPr>
-                <a:lvl3pPr marL="1143000" indent="-228600" algn="l" defTabSz="914400" rtl="0" eaLnBrk="1" latinLnBrk="0" hangingPunct="1">
-                  <a:lnSpc>
-                    <a:spcPct val="90000"/>
-                  </a:lnSpc>
-                  <a:spcBef>
-                    <a:spcPts val="500"/>
-                  </a:spcBef>
-                  <a:buFont typeface="Arial" panose="020B0604020202020204" pitchFamily="34" charset="0"/>
-                  <a:buChar char="•"/>
-                  <a:defRPr sz="2000" kern="1200">
-                    <a:solidFill>
-                      <a:schemeClr val="tx1"/>
-                    </a:solidFill>
-                    <a:latin typeface="+mn-lt"/>
-                    <a:ea typeface="+mn-ea"/>
-                    <a:cs typeface="+mn-cs"/>
-                  </a:defRPr>
-                </a:lvl3pPr>
-                <a:lvl4pPr marL="1600200" indent="-228600" algn="l" defTabSz="914400" rtl="0" eaLnBrk="1" latinLnBrk="0" hangingPunct="1">
-                  <a:lnSpc>
-                    <a:spcPct val="90000"/>
-                  </a:lnSpc>
-                  <a:spcBef>
-                    <a:spcPts val="500"/>
-                  </a:spcBef>
-                  <a:buFont typeface="Arial" panose="020B0604020202020204" pitchFamily="34" charset="0"/>
-                  <a:buChar char="•"/>
-                  <a:defRPr sz="1800" kern="1200">
-                    <a:solidFill>
-                      <a:schemeClr val="tx1"/>
-                    </a:solidFill>
-                    <a:latin typeface="+mn-lt"/>
-                    <a:ea typeface="+mn-ea"/>
-                    <a:cs typeface="+mn-cs"/>
-                  </a:defRPr>
-                </a:lvl4pPr>
-                <a:lvl5pPr marL="2057400" indent="-228600" algn="l" defTabSz="914400" rtl="0" eaLnBrk="1" latinLnBrk="0" hangingPunct="1">
-                  <a:lnSpc>
-                    <a:spcPct val="90000"/>
-                  </a:lnSpc>
-                  <a:spcBef>
-                    <a:spcPts val="500"/>
-                  </a:spcBef>
-                  <a:buFont typeface="Arial" panose="020B0604020202020204" pitchFamily="34" charset="0"/>
-                  <a:buChar char="•"/>
-                  <a:defRPr sz="1800" kern="1200">
-                    <a:solidFill>
-                      <a:schemeClr val="tx1"/>
-                    </a:solidFill>
-                    <a:latin typeface="+mn-lt"/>
-                    <a:ea typeface="+mn-ea"/>
-                    <a:cs typeface="+mn-cs"/>
-                  </a:defRPr>
-                </a:lvl5pPr>
-                <a:lvl6pPr marL="2514600" indent="-228600" algn="l" defTabSz="914400" rtl="0" eaLnBrk="1" latinLnBrk="0" hangingPunct="1">
-                  <a:lnSpc>
-                    <a:spcPct val="90000"/>
-                  </a:lnSpc>
-                  <a:spcBef>
-                    <a:spcPts val="500"/>
-                  </a:spcBef>
-                  <a:buFont typeface="Arial" panose="020B0604020202020204" pitchFamily="34" charset="0"/>
-                  <a:buChar char="•"/>
-                  <a:defRPr sz="1800" kern="1200">
-                    <a:solidFill>
-                      <a:schemeClr val="tx1"/>
-                    </a:solidFill>
-                    <a:latin typeface="+mn-lt"/>
-                    <a:ea typeface="+mn-ea"/>
-                    <a:cs typeface="+mn-cs"/>
-                  </a:defRPr>
-                </a:lvl6pPr>
-                <a:lvl7pPr marL="2971800" indent="-228600" algn="l" defTabSz="914400" rtl="0" eaLnBrk="1" latinLnBrk="0" hangingPunct="1">
-                  <a:lnSpc>
-                    <a:spcPct val="90000"/>
-                  </a:lnSpc>
-                  <a:spcBef>
-                    <a:spcPts val="500"/>
-                  </a:spcBef>
-                  <a:buFont typeface="Arial" panose="020B0604020202020204" pitchFamily="34" charset="0"/>
-                  <a:buChar char="•"/>
-                  <a:defRPr sz="1800" kern="1200">
-                    <a:solidFill>
-                      <a:schemeClr val="tx1"/>
-                    </a:solidFill>
-                    <a:latin typeface="+mn-lt"/>
-                    <a:ea typeface="+mn-ea"/>
-                    <a:cs typeface="+mn-cs"/>
-                  </a:defRPr>
-                </a:lvl7pPr>
-                <a:lvl8pPr marL="3429000" indent="-228600" algn="l" defTabSz="914400" rtl="0" eaLnBrk="1" latinLnBrk="0" hangingPunct="1">
-                  <a:lnSpc>
-                    <a:spcPct val="90000"/>
-                  </a:lnSpc>
-                  <a:spcBef>
-                    <a:spcPts val="500"/>
-                  </a:spcBef>
-                  <a:buFont typeface="Arial" panose="020B0604020202020204" pitchFamily="34" charset="0"/>
-                  <a:buChar char="•"/>
-                  <a:defRPr sz="1800" kern="1200">
-                    <a:solidFill>
-                      <a:schemeClr val="tx1"/>
-                    </a:solidFill>
-                    <a:latin typeface="+mn-lt"/>
-                    <a:ea typeface="+mn-ea"/>
-                    <a:cs typeface="+mn-cs"/>
-                  </a:defRPr>
-                </a:lvl8pPr>
-                <a:lvl9pPr marL="3886200" indent="-228600" algn="l" defTabSz="914400" rtl="0" eaLnBrk="1" latinLnBrk="0" hangingPunct="1">
-                  <a:lnSpc>
-                    <a:spcPct val="90000"/>
-                  </a:lnSpc>
-                  <a:spcBef>
-                    <a:spcPts val="500"/>
-                  </a:spcBef>
-                  <a:buFont typeface="Arial" panose="020B0604020202020204" pitchFamily="34" charset="0"/>
-                  <a:buChar char="•"/>
-                  <a:defRPr sz="1800" kern="1200">
-                    <a:solidFill>
-                      <a:schemeClr val="tx1"/>
-                    </a:solidFill>
-                    <a:latin typeface="+mn-lt"/>
-                    <a:ea typeface="+mn-ea"/>
-                    <a:cs typeface="+mn-cs"/>
-                  </a:defRPr>
-                </a:lvl9pPr>
-              </a:lstStyle>
-              <a:p>
-                <a:pPr marL="0" indent="0">
-                  <a:buFont typeface="Arial" panose="020B0604020202020204" pitchFamily="34" charset="0"/>
-                  <a:buNone/>
-                </a:pPr>
-                <a:r>
-                  <a:rPr lang="en-US" dirty="0" smtClean="0">
-                    <a:latin typeface="Comic Sans MS" panose="030F0702030302020204" pitchFamily="66" charset="0"/>
-                  </a:rPr>
-                  <a:t>Real valued function: codomain = </a:t>
-                </a:r>
-                <a14:m>
-                  <m:oMath xmlns:m="http://schemas.openxmlformats.org/officeDocument/2006/math">
-                    <m:r>
-                      <a:rPr lang="en-US" i="1" smtClean="0">
-                        <a:latin typeface="Cambria Math"/>
-                        <a:ea typeface="Cambria Math"/>
-                      </a:rPr>
-                      <m:t>ℝ</m:t>
-                    </m:r>
-                  </m:oMath>
-                </a14:m>
-                <a:endParaRPr lang="en-US" dirty="0" smtClean="0">
-                  <a:solidFill>
-                    <a:srgbClr val="D3359B"/>
-                  </a:solidFill>
-                  <a:latin typeface="Comic Sans MS" panose="030F0702030302020204" pitchFamily="66" charset="0"/>
-                </a:endParaRPr>
-              </a:p>
-              <a:p>
-                <a:pPr marL="0" indent="0">
-                  <a:buFont typeface="Arial" panose="020B0604020202020204" pitchFamily="34" charset="0"/>
-                  <a:buNone/>
-                </a:pPr>
-                <a:r>
-                  <a:rPr lang="en-US" dirty="0" smtClean="0">
-                    <a:latin typeface="Comic Sans MS" panose="030F0702030302020204" pitchFamily="66" charset="0"/>
-                  </a:rPr>
-                  <a:t>Integer valued function: codomain = </a:t>
-                </a:r>
-                <a14:m>
-                  <m:oMath xmlns:m="http://schemas.openxmlformats.org/officeDocument/2006/math">
-                    <m:r>
-                      <a:rPr lang="en-US" i="1" smtClean="0">
-                        <a:latin typeface="Cambria Math"/>
-                        <a:ea typeface="Cambria Math"/>
-                      </a:rPr>
-                      <m:t>ℤ</m:t>
-                    </m:r>
-                  </m:oMath>
-                </a14:m>
-                <a:r>
-                  <a:rPr lang="en-US" dirty="0" smtClean="0">
-                    <a:solidFill>
-                      <a:srgbClr val="D3359B"/>
-                    </a:solidFill>
-                    <a:latin typeface="Comic Sans MS" panose="030F0702030302020204" pitchFamily="66" charset="0"/>
-                  </a:rPr>
-                  <a:t/>
-                </a:r>
-                <a:br>
-                  <a:rPr lang="en-US" dirty="0" smtClean="0">
-                    <a:solidFill>
-                      <a:srgbClr val="D3359B"/>
-                    </a:solidFill>
-                    <a:latin typeface="Comic Sans MS" panose="030F0702030302020204" pitchFamily="66" charset="0"/>
-                  </a:rPr>
-                </a:br>
-                <a:endParaRPr lang="en-US" dirty="0" smtClean="0">
-                  <a:solidFill>
-                    <a:srgbClr val="D3359B"/>
-                  </a:solidFill>
-                  <a:latin typeface="Comic Sans MS" panose="030F0702030302020204" pitchFamily="66" charset="0"/>
-                </a:endParaRPr>
-              </a:p>
-            </p:txBody>
-          </p:sp>
-        </mc:Choice>
-        <mc:Fallback xmlns="">
-          <p:sp>
-            <p:nvSpPr>
-              <p:cNvPr id="4" name="Content Placeholder 2">
-                <a:extLst>
-                  <a:ext uri="{FF2B5EF4-FFF2-40B4-BE49-F238E27FC236}">
-                    <a16:creationId xmlns="" xmlns:a16="http://schemas.microsoft.com/office/drawing/2014/main" id="{8FD3E7E3-6406-4C87-9E06-5BA40AA66E22}"/>
-                  </a:ext>
-                </a:extLst>
-              </p:cNvPr>
-              <p:cNvSpPr txBox="1">
-                <a:spLocks noRot="1" noChangeAspect="1" noMove="1" noResize="1" noEditPoints="1" noAdjustHandles="1" noChangeArrowheads="1" noChangeShapeType="1" noTextEdit="1"/>
-              </p:cNvSpPr>
-              <p:nvPr/>
-            </p:nvSpPr>
-            <p:spPr>
-              <a:xfrm>
-                <a:off x="893618" y="1900235"/>
-                <a:ext cx="10515600" cy="1291649"/>
-              </a:xfrm>
-              <a:prstGeom prst="rect">
-                <a:avLst/>
-              </a:prstGeom>
-              <a:blipFill rotWithShape="1">
-                <a:blip r:embed="rId2"/>
-                <a:stretch>
-                  <a:fillRect l="-1217" t="-8019"/>
-                </a:stretch>
-              </a:blipFill>
-            </p:spPr>
-            <p:txBody>
-              <a:bodyPr/>
-              <a:lstStyle/>
-              <a:p>
-                <a:r>
-                  <a:rPr lang="en-US">
-                    <a:noFill/>
-                  </a:rPr>
-                  <a:t> </a:t>
-                </a:r>
-              </a:p>
-            </p:txBody>
-          </p:sp>
-        </mc:Fallback>
-      </mc:AlternateContent>
-    </p:spTree>
-    <p:extLst>
-      <p:ext uri="{BB962C8B-B14F-4D97-AF65-F5344CB8AC3E}">
-        <p14:creationId xmlns:p14="http://schemas.microsoft.com/office/powerpoint/2010/main" val="1767089057"/>
+        <p14:creationId xmlns:p14="http://schemas.microsoft.com/office/powerpoint/2010/main" val="1305123137"/>
       </p:ext>
     </p:extLst>
   </p:cSld>
@@ -9972,7 +11464,7 @@
           <p:cNvPr id="2" name="Title 1">
             <a:extLst>
               <a:ext uri="{FF2B5EF4-FFF2-40B4-BE49-F238E27FC236}">
-                <a16:creationId xmlns="" xmlns:a16="http://schemas.microsoft.com/office/drawing/2014/main" id="{64FC46BD-FCD3-4070-A2FE-CF068D21089D}"/>
+                <a16:creationId xmlns:a16="http://schemas.microsoft.com/office/drawing/2014/main" xmlns="" id="{64FC46BD-FCD3-4070-A2FE-CF068D21089D}"/>
               </a:ext>
             </a:extLst>
           </p:cNvPr>
@@ -9992,6 +11484,1340 @@
               <a:rPr lang="en-US" dirty="0" smtClean="0">
                 <a:latin typeface="Comic Sans MS" panose="030F0702030302020204" pitchFamily="66" charset="0"/>
               </a:rPr>
+              <a:t>What are functions?</a:t>
+            </a:r>
+            <a:endParaRPr lang="en-US" dirty="0">
+              <a:latin typeface="Comic Sans MS" panose="030F0702030302020204" pitchFamily="66" charset="0"/>
+            </a:endParaRPr>
+          </a:p>
+        </p:txBody>
+      </p:sp>
+      <p:sp>
+        <p:nvSpPr>
+          <p:cNvPr id="6" name="Oval 5"/>
+          <p:cNvSpPr/>
+          <p:nvPr/>
+        </p:nvSpPr>
+        <p:spPr>
+          <a:xfrm>
+            <a:off x="396200" y="1789743"/>
+            <a:ext cx="1607127" cy="3463637"/>
+          </a:xfrm>
+          <a:prstGeom prst="ellipse">
+            <a:avLst/>
+          </a:prstGeom>
+          <a:noFill/>
+        </p:spPr>
+        <p:style>
+          <a:lnRef idx="2">
+            <a:schemeClr val="accent1">
+              <a:shade val="50000"/>
+            </a:schemeClr>
+          </a:lnRef>
+          <a:fillRef idx="1">
+            <a:schemeClr val="accent1"/>
+          </a:fillRef>
+          <a:effectRef idx="0">
+            <a:schemeClr val="accent1"/>
+          </a:effectRef>
+          <a:fontRef idx="minor">
+            <a:schemeClr val="lt1"/>
+          </a:fontRef>
+        </p:style>
+        <p:txBody>
+          <a:bodyPr rtlCol="0" anchor="ctr"/>
+          <a:lstStyle/>
+          <a:p>
+            <a:pPr algn="ctr"/>
+            <a:endParaRPr lang="en-US"/>
+          </a:p>
+        </p:txBody>
+      </p:sp>
+      <p:sp>
+        <p:nvSpPr>
+          <p:cNvPr id="7" name="TextBox 6"/>
+          <p:cNvSpPr txBox="1"/>
+          <p:nvPr/>
+        </p:nvSpPr>
+        <p:spPr>
+          <a:xfrm>
+            <a:off x="1085619" y="2122252"/>
+            <a:ext cx="595745" cy="2585323"/>
+          </a:xfrm>
+          <a:prstGeom prst="rect">
+            <a:avLst/>
+          </a:prstGeom>
+          <a:noFill/>
+        </p:spPr>
+        <p:txBody>
+          <a:bodyPr wrap="square" rtlCol="0">
+            <a:spAutoFit/>
+          </a:bodyPr>
+          <a:lstStyle/>
+          <a:p>
+            <a:r>
+              <a:rPr lang="en-US" dirty="0" smtClean="0">
+                <a:latin typeface="Comic Sans MS" pitchFamily="66" charset="0"/>
+              </a:rPr>
+              <a:t>1</a:t>
+            </a:r>
+          </a:p>
+          <a:p>
+            <a:endParaRPr lang="en-US" dirty="0">
+              <a:latin typeface="Comic Sans MS" pitchFamily="66" charset="0"/>
+            </a:endParaRPr>
+          </a:p>
+          <a:p>
+            <a:r>
+              <a:rPr lang="en-US" dirty="0" smtClean="0">
+                <a:latin typeface="Comic Sans MS" pitchFamily="66" charset="0"/>
+              </a:rPr>
+              <a:t>5</a:t>
+            </a:r>
+          </a:p>
+          <a:p>
+            <a:endParaRPr lang="en-US" dirty="0">
+              <a:latin typeface="Comic Sans MS" pitchFamily="66" charset="0"/>
+            </a:endParaRPr>
+          </a:p>
+          <a:p>
+            <a:r>
+              <a:rPr lang="en-US" dirty="0" smtClean="0">
+                <a:latin typeface="Comic Sans MS" pitchFamily="66" charset="0"/>
+              </a:rPr>
+              <a:t>7</a:t>
+            </a:r>
+          </a:p>
+          <a:p>
+            <a:endParaRPr lang="en-US" dirty="0">
+              <a:latin typeface="Comic Sans MS" pitchFamily="66" charset="0"/>
+            </a:endParaRPr>
+          </a:p>
+          <a:p>
+            <a:r>
+              <a:rPr lang="en-US" dirty="0" smtClean="0">
+                <a:latin typeface="Comic Sans MS" pitchFamily="66" charset="0"/>
+              </a:rPr>
+              <a:t>9</a:t>
+            </a:r>
+          </a:p>
+          <a:p>
+            <a:endParaRPr lang="en-US" dirty="0">
+              <a:latin typeface="Comic Sans MS" pitchFamily="66" charset="0"/>
+            </a:endParaRPr>
+          </a:p>
+          <a:p>
+            <a:r>
+              <a:rPr lang="en-US" dirty="0" smtClean="0">
+                <a:latin typeface="Comic Sans MS" pitchFamily="66" charset="0"/>
+              </a:rPr>
+              <a:t>10</a:t>
+            </a:r>
+            <a:endParaRPr lang="en-US" dirty="0">
+              <a:latin typeface="Comic Sans MS" pitchFamily="66" charset="0"/>
+            </a:endParaRPr>
+          </a:p>
+        </p:txBody>
+      </p:sp>
+      <p:sp>
+        <p:nvSpPr>
+          <p:cNvPr id="8" name="Oval 7"/>
+          <p:cNvSpPr/>
+          <p:nvPr/>
+        </p:nvSpPr>
+        <p:spPr>
+          <a:xfrm>
+            <a:off x="4316209" y="1821846"/>
+            <a:ext cx="1607127" cy="3463637"/>
+          </a:xfrm>
+          <a:prstGeom prst="ellipse">
+            <a:avLst/>
+          </a:prstGeom>
+          <a:noFill/>
+        </p:spPr>
+        <p:style>
+          <a:lnRef idx="2">
+            <a:schemeClr val="accent1">
+              <a:shade val="50000"/>
+            </a:schemeClr>
+          </a:lnRef>
+          <a:fillRef idx="1">
+            <a:schemeClr val="accent1"/>
+          </a:fillRef>
+          <a:effectRef idx="0">
+            <a:schemeClr val="accent1"/>
+          </a:effectRef>
+          <a:fontRef idx="minor">
+            <a:schemeClr val="lt1"/>
+          </a:fontRef>
+        </p:style>
+        <p:txBody>
+          <a:bodyPr rtlCol="0" anchor="ctr"/>
+          <a:lstStyle/>
+          <a:p>
+            <a:pPr algn="ctr"/>
+            <a:endParaRPr lang="en-US"/>
+          </a:p>
+        </p:txBody>
+      </p:sp>
+      <p:sp>
+        <p:nvSpPr>
+          <p:cNvPr id="9" name="TextBox 8"/>
+          <p:cNvSpPr txBox="1"/>
+          <p:nvPr/>
+        </p:nvSpPr>
+        <p:spPr>
+          <a:xfrm>
+            <a:off x="4621009" y="2662601"/>
+            <a:ext cx="1468582" cy="1477328"/>
+          </a:xfrm>
+          <a:prstGeom prst="rect">
+            <a:avLst/>
+          </a:prstGeom>
+          <a:noFill/>
+        </p:spPr>
+        <p:txBody>
+          <a:bodyPr wrap="square" rtlCol="0">
+            <a:spAutoFit/>
+          </a:bodyPr>
+          <a:lstStyle/>
+          <a:p>
+            <a:r>
+              <a:rPr lang="en-US" dirty="0" smtClean="0">
+                <a:latin typeface="Comic Sans MS" pitchFamily="66" charset="0"/>
+              </a:rPr>
+              <a:t>Prime</a:t>
+            </a:r>
+          </a:p>
+          <a:p>
+            <a:endParaRPr lang="en-US" dirty="0">
+              <a:latin typeface="Comic Sans MS" pitchFamily="66" charset="0"/>
+            </a:endParaRPr>
+          </a:p>
+          <a:p>
+            <a:endParaRPr lang="en-US" dirty="0" smtClean="0">
+              <a:latin typeface="Comic Sans MS" pitchFamily="66" charset="0"/>
+            </a:endParaRPr>
+          </a:p>
+          <a:p>
+            <a:endParaRPr lang="en-US" dirty="0">
+              <a:latin typeface="Comic Sans MS" pitchFamily="66" charset="0"/>
+            </a:endParaRPr>
+          </a:p>
+          <a:p>
+            <a:r>
+              <a:rPr lang="en-US" dirty="0" smtClean="0">
+                <a:latin typeface="Comic Sans MS" pitchFamily="66" charset="0"/>
+              </a:rPr>
+              <a:t>Not prime</a:t>
+            </a:r>
+            <a:endParaRPr lang="en-US" dirty="0">
+              <a:latin typeface="Comic Sans MS" pitchFamily="66" charset="0"/>
+            </a:endParaRPr>
+          </a:p>
+        </p:txBody>
+      </p:sp>
+      <p:cxnSp>
+        <p:nvCxnSpPr>
+          <p:cNvPr id="10" name="Straight Arrow Connector 9"/>
+          <p:cNvCxnSpPr/>
+          <p:nvPr/>
+        </p:nvCxnSpPr>
+        <p:spPr>
+          <a:xfrm>
+            <a:off x="1254354" y="2261004"/>
+            <a:ext cx="3366655" cy="1593273"/>
+          </a:xfrm>
+          <a:prstGeom prst="straightConnector1">
+            <a:avLst/>
+          </a:prstGeom>
+          <a:ln>
+            <a:tailEnd type="arrow"/>
+          </a:ln>
+        </p:spPr>
+        <p:style>
+          <a:lnRef idx="1">
+            <a:schemeClr val="accent1"/>
+          </a:lnRef>
+          <a:fillRef idx="0">
+            <a:schemeClr val="accent1"/>
+          </a:fillRef>
+          <a:effectRef idx="0">
+            <a:schemeClr val="accent1"/>
+          </a:effectRef>
+          <a:fontRef idx="minor">
+            <a:schemeClr val="tx1"/>
+          </a:fontRef>
+        </p:style>
+      </p:cxnSp>
+      <p:cxnSp>
+        <p:nvCxnSpPr>
+          <p:cNvPr id="11" name="Straight Arrow Connector 10"/>
+          <p:cNvCxnSpPr/>
+          <p:nvPr/>
+        </p:nvCxnSpPr>
+        <p:spPr>
+          <a:xfrm>
+            <a:off x="1254354" y="2856749"/>
+            <a:ext cx="3269673" cy="0"/>
+          </a:xfrm>
+          <a:prstGeom prst="straightConnector1">
+            <a:avLst/>
+          </a:prstGeom>
+          <a:ln>
+            <a:tailEnd type="arrow"/>
+          </a:ln>
+        </p:spPr>
+        <p:style>
+          <a:lnRef idx="1">
+            <a:schemeClr val="accent1"/>
+          </a:lnRef>
+          <a:fillRef idx="0">
+            <a:schemeClr val="accent1"/>
+          </a:fillRef>
+          <a:effectRef idx="0">
+            <a:schemeClr val="accent1"/>
+          </a:effectRef>
+          <a:fontRef idx="minor">
+            <a:schemeClr val="tx1"/>
+          </a:fontRef>
+        </p:style>
+      </p:cxnSp>
+      <p:cxnSp>
+        <p:nvCxnSpPr>
+          <p:cNvPr id="12" name="Straight Arrow Connector 11"/>
+          <p:cNvCxnSpPr/>
+          <p:nvPr/>
+        </p:nvCxnSpPr>
+        <p:spPr>
+          <a:xfrm flipV="1">
+            <a:off x="1254354" y="3057640"/>
+            <a:ext cx="3269673" cy="343625"/>
+          </a:xfrm>
+          <a:prstGeom prst="straightConnector1">
+            <a:avLst/>
+          </a:prstGeom>
+          <a:ln>
+            <a:tailEnd type="arrow"/>
+          </a:ln>
+        </p:spPr>
+        <p:style>
+          <a:lnRef idx="1">
+            <a:schemeClr val="accent1"/>
+          </a:lnRef>
+          <a:fillRef idx="0">
+            <a:schemeClr val="accent1"/>
+          </a:fillRef>
+          <a:effectRef idx="0">
+            <a:schemeClr val="accent1"/>
+          </a:effectRef>
+          <a:fontRef idx="minor">
+            <a:schemeClr val="tx1"/>
+          </a:fontRef>
+        </p:style>
+      </p:cxnSp>
+      <p:cxnSp>
+        <p:nvCxnSpPr>
+          <p:cNvPr id="14" name="Straight Arrow Connector 13"/>
+          <p:cNvCxnSpPr/>
+          <p:nvPr/>
+        </p:nvCxnSpPr>
+        <p:spPr>
+          <a:xfrm flipV="1">
+            <a:off x="1302844" y="4139929"/>
+            <a:ext cx="3318165" cy="430757"/>
+          </a:xfrm>
+          <a:prstGeom prst="straightConnector1">
+            <a:avLst/>
+          </a:prstGeom>
+          <a:ln>
+            <a:tailEnd type="arrow"/>
+          </a:ln>
+        </p:spPr>
+        <p:style>
+          <a:lnRef idx="1">
+            <a:schemeClr val="accent1"/>
+          </a:lnRef>
+          <a:fillRef idx="0">
+            <a:schemeClr val="accent1"/>
+          </a:fillRef>
+          <a:effectRef idx="0">
+            <a:schemeClr val="accent1"/>
+          </a:effectRef>
+          <a:fontRef idx="minor">
+            <a:schemeClr val="tx1"/>
+          </a:fontRef>
+        </p:style>
+      </p:cxnSp>
+      <p:sp>
+        <p:nvSpPr>
+          <p:cNvPr id="15" name="Oval 14"/>
+          <p:cNvSpPr/>
+          <p:nvPr/>
+        </p:nvSpPr>
+        <p:spPr>
+          <a:xfrm>
+            <a:off x="6280660" y="1641892"/>
+            <a:ext cx="1607127" cy="3463637"/>
+          </a:xfrm>
+          <a:prstGeom prst="ellipse">
+            <a:avLst/>
+          </a:prstGeom>
+          <a:noFill/>
+        </p:spPr>
+        <p:style>
+          <a:lnRef idx="2">
+            <a:schemeClr val="accent1">
+              <a:shade val="50000"/>
+            </a:schemeClr>
+          </a:lnRef>
+          <a:fillRef idx="1">
+            <a:schemeClr val="accent1"/>
+          </a:fillRef>
+          <a:effectRef idx="0">
+            <a:schemeClr val="accent1"/>
+          </a:effectRef>
+          <a:fontRef idx="minor">
+            <a:schemeClr val="lt1"/>
+          </a:fontRef>
+        </p:style>
+        <p:txBody>
+          <a:bodyPr rtlCol="0" anchor="ctr"/>
+          <a:lstStyle/>
+          <a:p>
+            <a:pPr algn="ctr"/>
+            <a:endParaRPr lang="en-US"/>
+          </a:p>
+        </p:txBody>
+      </p:sp>
+      <p:sp>
+        <p:nvSpPr>
+          <p:cNvPr id="16" name="TextBox 15"/>
+          <p:cNvSpPr txBox="1"/>
+          <p:nvPr/>
+        </p:nvSpPr>
+        <p:spPr>
+          <a:xfrm>
+            <a:off x="6751715" y="1974401"/>
+            <a:ext cx="595745" cy="2585323"/>
+          </a:xfrm>
+          <a:prstGeom prst="rect">
+            <a:avLst/>
+          </a:prstGeom>
+          <a:noFill/>
+        </p:spPr>
+        <p:txBody>
+          <a:bodyPr wrap="square" rtlCol="0">
+            <a:spAutoFit/>
+          </a:bodyPr>
+          <a:lstStyle/>
+          <a:p>
+            <a:r>
+              <a:rPr lang="en-US" dirty="0" smtClean="0">
+                <a:latin typeface="Comic Sans MS" pitchFamily="66" charset="0"/>
+              </a:rPr>
+              <a:t>1</a:t>
+            </a:r>
+          </a:p>
+          <a:p>
+            <a:endParaRPr lang="en-US" dirty="0">
+              <a:latin typeface="Comic Sans MS" pitchFamily="66" charset="0"/>
+            </a:endParaRPr>
+          </a:p>
+          <a:p>
+            <a:r>
+              <a:rPr lang="en-US" dirty="0" smtClean="0">
+                <a:latin typeface="Comic Sans MS" pitchFamily="66" charset="0"/>
+              </a:rPr>
+              <a:t>5</a:t>
+            </a:r>
+          </a:p>
+          <a:p>
+            <a:endParaRPr lang="en-US" dirty="0">
+              <a:latin typeface="Comic Sans MS" pitchFamily="66" charset="0"/>
+            </a:endParaRPr>
+          </a:p>
+          <a:p>
+            <a:r>
+              <a:rPr lang="en-US" dirty="0" smtClean="0">
+                <a:latin typeface="Comic Sans MS" pitchFamily="66" charset="0"/>
+              </a:rPr>
+              <a:t>7</a:t>
+            </a:r>
+          </a:p>
+          <a:p>
+            <a:endParaRPr lang="en-US" dirty="0">
+              <a:latin typeface="Comic Sans MS" pitchFamily="66" charset="0"/>
+            </a:endParaRPr>
+          </a:p>
+          <a:p>
+            <a:r>
+              <a:rPr lang="en-US" dirty="0" smtClean="0">
+                <a:latin typeface="Comic Sans MS" pitchFamily="66" charset="0"/>
+              </a:rPr>
+              <a:t>9</a:t>
+            </a:r>
+          </a:p>
+          <a:p>
+            <a:endParaRPr lang="en-US" dirty="0">
+              <a:latin typeface="Comic Sans MS" pitchFamily="66" charset="0"/>
+            </a:endParaRPr>
+          </a:p>
+          <a:p>
+            <a:r>
+              <a:rPr lang="en-US" dirty="0" smtClean="0">
+                <a:latin typeface="Comic Sans MS" pitchFamily="66" charset="0"/>
+              </a:rPr>
+              <a:t>10</a:t>
+            </a:r>
+            <a:endParaRPr lang="en-US" dirty="0">
+              <a:latin typeface="Comic Sans MS" pitchFamily="66" charset="0"/>
+            </a:endParaRPr>
+          </a:p>
+        </p:txBody>
+      </p:sp>
+      <p:sp>
+        <p:nvSpPr>
+          <p:cNvPr id="17" name="Oval 16"/>
+          <p:cNvSpPr/>
+          <p:nvPr/>
+        </p:nvSpPr>
+        <p:spPr>
+          <a:xfrm>
+            <a:off x="10146078" y="1687643"/>
+            <a:ext cx="1607127" cy="3463637"/>
+          </a:xfrm>
+          <a:prstGeom prst="ellipse">
+            <a:avLst/>
+          </a:prstGeom>
+          <a:noFill/>
+        </p:spPr>
+        <p:style>
+          <a:lnRef idx="2">
+            <a:schemeClr val="accent1">
+              <a:shade val="50000"/>
+            </a:schemeClr>
+          </a:lnRef>
+          <a:fillRef idx="1">
+            <a:schemeClr val="accent1"/>
+          </a:fillRef>
+          <a:effectRef idx="0">
+            <a:schemeClr val="accent1"/>
+          </a:effectRef>
+          <a:fontRef idx="minor">
+            <a:schemeClr val="lt1"/>
+          </a:fontRef>
+        </p:style>
+        <p:txBody>
+          <a:bodyPr rtlCol="0" anchor="ctr"/>
+          <a:lstStyle/>
+          <a:p>
+            <a:pPr algn="ctr"/>
+            <a:endParaRPr lang="en-US"/>
+          </a:p>
+        </p:txBody>
+      </p:sp>
+      <p:sp>
+        <p:nvSpPr>
+          <p:cNvPr id="18" name="TextBox 17"/>
+          <p:cNvSpPr txBox="1"/>
+          <p:nvPr/>
+        </p:nvSpPr>
+        <p:spPr>
+          <a:xfrm>
+            <a:off x="10450878" y="2528398"/>
+            <a:ext cx="1468582" cy="1477328"/>
+          </a:xfrm>
+          <a:prstGeom prst="rect">
+            <a:avLst/>
+          </a:prstGeom>
+          <a:noFill/>
+        </p:spPr>
+        <p:txBody>
+          <a:bodyPr wrap="square" rtlCol="0">
+            <a:spAutoFit/>
+          </a:bodyPr>
+          <a:lstStyle/>
+          <a:p>
+            <a:r>
+              <a:rPr lang="en-US" dirty="0" smtClean="0">
+                <a:latin typeface="Comic Sans MS" pitchFamily="66" charset="0"/>
+              </a:rPr>
+              <a:t>Prime</a:t>
+            </a:r>
+          </a:p>
+          <a:p>
+            <a:endParaRPr lang="en-US" dirty="0">
+              <a:latin typeface="Comic Sans MS" pitchFamily="66" charset="0"/>
+            </a:endParaRPr>
+          </a:p>
+          <a:p>
+            <a:endParaRPr lang="en-US" dirty="0" smtClean="0">
+              <a:latin typeface="Comic Sans MS" pitchFamily="66" charset="0"/>
+            </a:endParaRPr>
+          </a:p>
+          <a:p>
+            <a:endParaRPr lang="en-US" dirty="0">
+              <a:latin typeface="Comic Sans MS" pitchFamily="66" charset="0"/>
+            </a:endParaRPr>
+          </a:p>
+          <a:p>
+            <a:r>
+              <a:rPr lang="en-US" dirty="0" smtClean="0">
+                <a:latin typeface="Comic Sans MS" pitchFamily="66" charset="0"/>
+              </a:rPr>
+              <a:t>Not prime</a:t>
+            </a:r>
+            <a:endParaRPr lang="en-US" dirty="0">
+              <a:latin typeface="Comic Sans MS" pitchFamily="66" charset="0"/>
+            </a:endParaRPr>
+          </a:p>
+        </p:txBody>
+      </p:sp>
+      <p:cxnSp>
+        <p:nvCxnSpPr>
+          <p:cNvPr id="19" name="Straight Arrow Connector 18"/>
+          <p:cNvCxnSpPr/>
+          <p:nvPr/>
+        </p:nvCxnSpPr>
+        <p:spPr>
+          <a:xfrm>
+            <a:off x="7084223" y="2126801"/>
+            <a:ext cx="3366655" cy="1593273"/>
+          </a:xfrm>
+          <a:prstGeom prst="straightConnector1">
+            <a:avLst/>
+          </a:prstGeom>
+          <a:ln>
+            <a:tailEnd type="arrow"/>
+          </a:ln>
+        </p:spPr>
+        <p:style>
+          <a:lnRef idx="1">
+            <a:schemeClr val="accent1"/>
+          </a:lnRef>
+          <a:fillRef idx="0">
+            <a:schemeClr val="accent1"/>
+          </a:fillRef>
+          <a:effectRef idx="0">
+            <a:schemeClr val="accent1"/>
+          </a:effectRef>
+          <a:fontRef idx="minor">
+            <a:schemeClr val="tx1"/>
+          </a:fontRef>
+        </p:style>
+      </p:cxnSp>
+      <p:cxnSp>
+        <p:nvCxnSpPr>
+          <p:cNvPr id="20" name="Straight Arrow Connector 19"/>
+          <p:cNvCxnSpPr/>
+          <p:nvPr/>
+        </p:nvCxnSpPr>
+        <p:spPr>
+          <a:xfrm>
+            <a:off x="7084223" y="2722546"/>
+            <a:ext cx="3269673" cy="0"/>
+          </a:xfrm>
+          <a:prstGeom prst="straightConnector1">
+            <a:avLst/>
+          </a:prstGeom>
+          <a:ln>
+            <a:tailEnd type="arrow"/>
+          </a:ln>
+        </p:spPr>
+        <p:style>
+          <a:lnRef idx="1">
+            <a:schemeClr val="accent1"/>
+          </a:lnRef>
+          <a:fillRef idx="0">
+            <a:schemeClr val="accent1"/>
+          </a:fillRef>
+          <a:effectRef idx="0">
+            <a:schemeClr val="accent1"/>
+          </a:effectRef>
+          <a:fontRef idx="minor">
+            <a:schemeClr val="tx1"/>
+          </a:fontRef>
+        </p:style>
+      </p:cxnSp>
+      <p:cxnSp>
+        <p:nvCxnSpPr>
+          <p:cNvPr id="21" name="Straight Arrow Connector 20"/>
+          <p:cNvCxnSpPr/>
+          <p:nvPr/>
+        </p:nvCxnSpPr>
+        <p:spPr>
+          <a:xfrm flipV="1">
+            <a:off x="7084223" y="2811439"/>
+            <a:ext cx="3410905" cy="455624"/>
+          </a:xfrm>
+          <a:prstGeom prst="straightConnector1">
+            <a:avLst/>
+          </a:prstGeom>
+          <a:ln>
+            <a:tailEnd type="arrow"/>
+          </a:ln>
+        </p:spPr>
+        <p:style>
+          <a:lnRef idx="1">
+            <a:schemeClr val="accent1"/>
+          </a:lnRef>
+          <a:fillRef idx="0">
+            <a:schemeClr val="accent1"/>
+          </a:fillRef>
+          <a:effectRef idx="0">
+            <a:schemeClr val="accent1"/>
+          </a:effectRef>
+          <a:fontRef idx="minor">
+            <a:schemeClr val="tx1"/>
+          </a:fontRef>
+        </p:style>
+      </p:cxnSp>
+      <p:cxnSp>
+        <p:nvCxnSpPr>
+          <p:cNvPr id="22" name="Straight Arrow Connector 21"/>
+          <p:cNvCxnSpPr/>
+          <p:nvPr/>
+        </p:nvCxnSpPr>
+        <p:spPr>
+          <a:xfrm flipV="1">
+            <a:off x="7132713" y="4005726"/>
+            <a:ext cx="3318165" cy="430757"/>
+          </a:xfrm>
+          <a:prstGeom prst="straightConnector1">
+            <a:avLst/>
+          </a:prstGeom>
+          <a:ln>
+            <a:tailEnd type="arrow"/>
+          </a:ln>
+        </p:spPr>
+        <p:style>
+          <a:lnRef idx="1">
+            <a:schemeClr val="accent1"/>
+          </a:lnRef>
+          <a:fillRef idx="0">
+            <a:schemeClr val="accent1"/>
+          </a:fillRef>
+          <a:effectRef idx="0">
+            <a:schemeClr val="accent1"/>
+          </a:effectRef>
+          <a:fontRef idx="minor">
+            <a:schemeClr val="tx1"/>
+          </a:fontRef>
+        </p:style>
+      </p:cxnSp>
+      <p:cxnSp>
+        <p:nvCxnSpPr>
+          <p:cNvPr id="23" name="Straight Arrow Connector 22"/>
+          <p:cNvCxnSpPr/>
+          <p:nvPr/>
+        </p:nvCxnSpPr>
+        <p:spPr>
+          <a:xfrm>
+            <a:off x="7072850" y="3766807"/>
+            <a:ext cx="3313096" cy="54566"/>
+          </a:xfrm>
+          <a:prstGeom prst="straightConnector1">
+            <a:avLst/>
+          </a:prstGeom>
+          <a:ln>
+            <a:tailEnd type="arrow"/>
+          </a:ln>
+        </p:spPr>
+        <p:style>
+          <a:lnRef idx="1">
+            <a:schemeClr val="accent1"/>
+          </a:lnRef>
+          <a:fillRef idx="0">
+            <a:schemeClr val="accent1"/>
+          </a:fillRef>
+          <a:effectRef idx="0">
+            <a:schemeClr val="accent1"/>
+          </a:effectRef>
+          <a:fontRef idx="minor">
+            <a:schemeClr val="tx1"/>
+          </a:fontRef>
+        </p:style>
+      </p:cxnSp>
+      <p:cxnSp>
+        <p:nvCxnSpPr>
+          <p:cNvPr id="24" name="Straight Arrow Connector 23"/>
+          <p:cNvCxnSpPr/>
+          <p:nvPr/>
+        </p:nvCxnSpPr>
+        <p:spPr>
+          <a:xfrm flipV="1">
+            <a:off x="7148635" y="2920621"/>
+            <a:ext cx="3373789" cy="1408956"/>
+          </a:xfrm>
+          <a:prstGeom prst="straightConnector1">
+            <a:avLst/>
+          </a:prstGeom>
+          <a:ln>
+            <a:tailEnd type="arrow"/>
+          </a:ln>
+        </p:spPr>
+        <p:style>
+          <a:lnRef idx="1">
+            <a:schemeClr val="accent1"/>
+          </a:lnRef>
+          <a:fillRef idx="0">
+            <a:schemeClr val="accent1"/>
+          </a:fillRef>
+          <a:effectRef idx="0">
+            <a:schemeClr val="accent1"/>
+          </a:effectRef>
+          <a:fontRef idx="minor">
+            <a:schemeClr val="tx1"/>
+          </a:fontRef>
+        </p:style>
+      </p:cxnSp>
+    </p:spTree>
+    <p:extLst>
+      <p:ext uri="{BB962C8B-B14F-4D97-AF65-F5344CB8AC3E}">
+        <p14:creationId xmlns:p14="http://schemas.microsoft.com/office/powerpoint/2010/main" val="2261371816"/>
+      </p:ext>
+    </p:extLst>
+  </p:cSld>
+  <p:clrMapOvr>
+    <a:masterClrMapping/>
+  </p:clrMapOvr>
+  <p:timing>
+    <p:tnLst>
+      <p:par>
+        <p:cTn id="1" dur="indefinite" restart="never" nodeType="tmRoot"/>
+      </p:par>
+    </p:tnLst>
+  </p:timing>
+</p:sld>
+</file>
+
+<file path=ppt/slides/slide7.xml><?xml version="1.0" encoding="utf-8"?>
+<p:sld xmlns:a="http://schemas.openxmlformats.org/drawingml/2006/main" xmlns:r="http://schemas.openxmlformats.org/officeDocument/2006/relationships" xmlns:p="http://schemas.openxmlformats.org/presentationml/2006/main">
+  <p:cSld>
+    <p:spTree>
+      <p:nvGrpSpPr>
+        <p:cNvPr id="1" name=""/>
+        <p:cNvGrpSpPr/>
+        <p:nvPr/>
+      </p:nvGrpSpPr>
+      <p:grpSpPr>
+        <a:xfrm>
+          <a:off x="0" y="0"/>
+          <a:ext cx="0" cy="0"/>
+          <a:chOff x="0" y="0"/>
+          <a:chExt cx="0" cy="0"/>
+        </a:xfrm>
+      </p:grpSpPr>
+      <p:sp>
+        <p:nvSpPr>
+          <p:cNvPr id="2" name="Title 1">
+            <a:extLst>
+              <a:ext uri="{FF2B5EF4-FFF2-40B4-BE49-F238E27FC236}">
+                <a16:creationId xmlns:a16="http://schemas.microsoft.com/office/drawing/2014/main" xmlns="" id="{64FC46BD-FCD3-4070-A2FE-CF068D21089D}"/>
+              </a:ext>
+            </a:extLst>
+          </p:cNvPr>
+          <p:cNvSpPr>
+            <a:spLocks noGrp="1"/>
+          </p:cNvSpPr>
+          <p:nvPr>
+            <p:ph type="title"/>
+          </p:nvPr>
+        </p:nvSpPr>
+        <p:spPr/>
+        <p:txBody>
+          <a:bodyPr/>
+          <a:lstStyle/>
+          <a:p>
+            <a:r>
+              <a:rPr lang="en-US" dirty="0" smtClean="0">
+                <a:latin typeface="Comic Sans MS" panose="030F0702030302020204" pitchFamily="66" charset="0"/>
+              </a:rPr>
+              <a:t>What are functions?</a:t>
+            </a:r>
+            <a:endParaRPr lang="en-US" dirty="0">
+              <a:latin typeface="Comic Sans MS" panose="030F0702030302020204" pitchFamily="66" charset="0"/>
+            </a:endParaRPr>
+          </a:p>
+        </p:txBody>
+      </p:sp>
+      <p:sp>
+        <p:nvSpPr>
+          <p:cNvPr id="5" name="Oval 4"/>
+          <p:cNvSpPr/>
+          <p:nvPr/>
+        </p:nvSpPr>
+        <p:spPr>
+          <a:xfrm>
+            <a:off x="1720031" y="1776094"/>
+            <a:ext cx="1607127" cy="3463637"/>
+          </a:xfrm>
+          <a:prstGeom prst="ellipse">
+            <a:avLst/>
+          </a:prstGeom>
+          <a:noFill/>
+        </p:spPr>
+        <p:style>
+          <a:lnRef idx="2">
+            <a:schemeClr val="accent1">
+              <a:shade val="50000"/>
+            </a:schemeClr>
+          </a:lnRef>
+          <a:fillRef idx="1">
+            <a:schemeClr val="accent1"/>
+          </a:fillRef>
+          <a:effectRef idx="0">
+            <a:schemeClr val="accent1"/>
+          </a:effectRef>
+          <a:fontRef idx="minor">
+            <a:schemeClr val="lt1"/>
+          </a:fontRef>
+        </p:style>
+        <p:txBody>
+          <a:bodyPr rtlCol="0" anchor="ctr"/>
+          <a:lstStyle/>
+          <a:p>
+            <a:pPr algn="ctr"/>
+            <a:endParaRPr lang="en-US"/>
+          </a:p>
+        </p:txBody>
+      </p:sp>
+      <p:sp>
+        <p:nvSpPr>
+          <p:cNvPr id="6" name="TextBox 5"/>
+          <p:cNvSpPr txBox="1"/>
+          <p:nvPr/>
+        </p:nvSpPr>
+        <p:spPr>
+          <a:xfrm>
+            <a:off x="2191086" y="2108603"/>
+            <a:ext cx="595745" cy="2585323"/>
+          </a:xfrm>
+          <a:prstGeom prst="rect">
+            <a:avLst/>
+          </a:prstGeom>
+          <a:noFill/>
+        </p:spPr>
+        <p:txBody>
+          <a:bodyPr wrap="square" rtlCol="0">
+            <a:spAutoFit/>
+          </a:bodyPr>
+          <a:lstStyle/>
+          <a:p>
+            <a:r>
+              <a:rPr lang="en-US" dirty="0" smtClean="0">
+                <a:latin typeface="Comic Sans MS" pitchFamily="66" charset="0"/>
+              </a:rPr>
+              <a:t>1</a:t>
+            </a:r>
+          </a:p>
+          <a:p>
+            <a:endParaRPr lang="en-US" dirty="0">
+              <a:latin typeface="Comic Sans MS" pitchFamily="66" charset="0"/>
+            </a:endParaRPr>
+          </a:p>
+          <a:p>
+            <a:r>
+              <a:rPr lang="en-US" dirty="0" smtClean="0">
+                <a:latin typeface="Comic Sans MS" pitchFamily="66" charset="0"/>
+              </a:rPr>
+              <a:t>5</a:t>
+            </a:r>
+          </a:p>
+          <a:p>
+            <a:endParaRPr lang="en-US" dirty="0">
+              <a:latin typeface="Comic Sans MS" pitchFamily="66" charset="0"/>
+            </a:endParaRPr>
+          </a:p>
+          <a:p>
+            <a:r>
+              <a:rPr lang="en-US" dirty="0" smtClean="0">
+                <a:latin typeface="Comic Sans MS" pitchFamily="66" charset="0"/>
+              </a:rPr>
+              <a:t>7</a:t>
+            </a:r>
+          </a:p>
+          <a:p>
+            <a:endParaRPr lang="en-US" dirty="0">
+              <a:latin typeface="Comic Sans MS" pitchFamily="66" charset="0"/>
+            </a:endParaRPr>
+          </a:p>
+          <a:p>
+            <a:r>
+              <a:rPr lang="en-US" dirty="0" smtClean="0">
+                <a:latin typeface="Comic Sans MS" pitchFamily="66" charset="0"/>
+              </a:rPr>
+              <a:t>9</a:t>
+            </a:r>
+          </a:p>
+          <a:p>
+            <a:endParaRPr lang="en-US" dirty="0">
+              <a:latin typeface="Comic Sans MS" pitchFamily="66" charset="0"/>
+            </a:endParaRPr>
+          </a:p>
+          <a:p>
+            <a:r>
+              <a:rPr lang="en-US" dirty="0" smtClean="0">
+                <a:latin typeface="Comic Sans MS" pitchFamily="66" charset="0"/>
+              </a:rPr>
+              <a:t>10</a:t>
+            </a:r>
+            <a:endParaRPr lang="en-US" dirty="0">
+              <a:latin typeface="Comic Sans MS" pitchFamily="66" charset="0"/>
+            </a:endParaRPr>
+          </a:p>
+        </p:txBody>
+      </p:sp>
+      <p:sp>
+        <p:nvSpPr>
+          <p:cNvPr id="7" name="Oval 6"/>
+          <p:cNvSpPr/>
+          <p:nvPr/>
+        </p:nvSpPr>
+        <p:spPr>
+          <a:xfrm>
+            <a:off x="5585449" y="1821845"/>
+            <a:ext cx="1607127" cy="3463637"/>
+          </a:xfrm>
+          <a:prstGeom prst="ellipse">
+            <a:avLst/>
+          </a:prstGeom>
+          <a:noFill/>
+        </p:spPr>
+        <p:style>
+          <a:lnRef idx="2">
+            <a:schemeClr val="accent1">
+              <a:shade val="50000"/>
+            </a:schemeClr>
+          </a:lnRef>
+          <a:fillRef idx="1">
+            <a:schemeClr val="accent1"/>
+          </a:fillRef>
+          <a:effectRef idx="0">
+            <a:schemeClr val="accent1"/>
+          </a:effectRef>
+          <a:fontRef idx="minor">
+            <a:schemeClr val="lt1"/>
+          </a:fontRef>
+        </p:style>
+        <p:txBody>
+          <a:bodyPr rtlCol="0" anchor="ctr"/>
+          <a:lstStyle/>
+          <a:p>
+            <a:pPr algn="ctr"/>
+            <a:endParaRPr lang="en-US"/>
+          </a:p>
+        </p:txBody>
+      </p:sp>
+      <p:sp>
+        <p:nvSpPr>
+          <p:cNvPr id="8" name="TextBox 7"/>
+          <p:cNvSpPr txBox="1"/>
+          <p:nvPr/>
+        </p:nvSpPr>
+        <p:spPr>
+          <a:xfrm>
+            <a:off x="5822010" y="2608009"/>
+            <a:ext cx="1468582" cy="2308324"/>
+          </a:xfrm>
+          <a:prstGeom prst="rect">
+            <a:avLst/>
+          </a:prstGeom>
+          <a:noFill/>
+        </p:spPr>
+        <p:txBody>
+          <a:bodyPr wrap="square" rtlCol="0">
+            <a:spAutoFit/>
+          </a:bodyPr>
+          <a:lstStyle/>
+          <a:p>
+            <a:r>
+              <a:rPr lang="en-US" dirty="0" smtClean="0">
+                <a:latin typeface="Comic Sans MS" pitchFamily="66" charset="0"/>
+              </a:rPr>
+              <a:t>Prime</a:t>
+            </a:r>
+          </a:p>
+          <a:p>
+            <a:endParaRPr lang="en-US" dirty="0">
+              <a:latin typeface="Comic Sans MS" pitchFamily="66" charset="0"/>
+            </a:endParaRPr>
+          </a:p>
+          <a:p>
+            <a:endParaRPr lang="en-US" dirty="0" smtClean="0">
+              <a:latin typeface="Comic Sans MS" pitchFamily="66" charset="0"/>
+            </a:endParaRPr>
+          </a:p>
+          <a:p>
+            <a:endParaRPr lang="en-US" dirty="0">
+              <a:latin typeface="Comic Sans MS" pitchFamily="66" charset="0"/>
+            </a:endParaRPr>
+          </a:p>
+          <a:p>
+            <a:r>
+              <a:rPr lang="en-US" dirty="0" smtClean="0">
+                <a:latin typeface="Comic Sans MS" pitchFamily="66" charset="0"/>
+              </a:rPr>
+              <a:t>Not </a:t>
+            </a:r>
+            <a:r>
+              <a:rPr lang="en-US" dirty="0" smtClean="0">
+                <a:latin typeface="Comic Sans MS" pitchFamily="66" charset="0"/>
+              </a:rPr>
+              <a:t>prime</a:t>
+            </a:r>
+          </a:p>
+          <a:p>
+            <a:endParaRPr lang="en-US" dirty="0" smtClean="0">
+              <a:latin typeface="Comic Sans MS" pitchFamily="66" charset="0"/>
+            </a:endParaRPr>
+          </a:p>
+          <a:p>
+            <a:endParaRPr lang="en-US" dirty="0">
+              <a:latin typeface="Comic Sans MS" pitchFamily="66" charset="0"/>
+            </a:endParaRPr>
+          </a:p>
+          <a:p>
+            <a:r>
+              <a:rPr lang="en-US" dirty="0" smtClean="0">
+                <a:latin typeface="Comic Sans MS" pitchFamily="66" charset="0"/>
+              </a:rPr>
+              <a:t>composite</a:t>
+            </a:r>
+            <a:endParaRPr lang="en-US" dirty="0">
+              <a:latin typeface="Comic Sans MS" pitchFamily="66" charset="0"/>
+            </a:endParaRPr>
+          </a:p>
+        </p:txBody>
+      </p:sp>
+      <p:cxnSp>
+        <p:nvCxnSpPr>
+          <p:cNvPr id="9" name="Straight Arrow Connector 8"/>
+          <p:cNvCxnSpPr/>
+          <p:nvPr/>
+        </p:nvCxnSpPr>
+        <p:spPr>
+          <a:xfrm>
+            <a:off x="2523594" y="2261003"/>
+            <a:ext cx="3366655" cy="1593273"/>
+          </a:xfrm>
+          <a:prstGeom prst="straightConnector1">
+            <a:avLst/>
+          </a:prstGeom>
+          <a:ln>
+            <a:tailEnd type="arrow"/>
+          </a:ln>
+        </p:spPr>
+        <p:style>
+          <a:lnRef idx="1">
+            <a:schemeClr val="accent1"/>
+          </a:lnRef>
+          <a:fillRef idx="0">
+            <a:schemeClr val="accent1"/>
+          </a:fillRef>
+          <a:effectRef idx="0">
+            <a:schemeClr val="accent1"/>
+          </a:effectRef>
+          <a:fontRef idx="minor">
+            <a:schemeClr val="tx1"/>
+          </a:fontRef>
+        </p:style>
+      </p:cxnSp>
+      <p:cxnSp>
+        <p:nvCxnSpPr>
+          <p:cNvPr id="10" name="Straight Arrow Connector 9"/>
+          <p:cNvCxnSpPr/>
+          <p:nvPr/>
+        </p:nvCxnSpPr>
+        <p:spPr>
+          <a:xfrm>
+            <a:off x="2523594" y="2856748"/>
+            <a:ext cx="3269673" cy="0"/>
+          </a:xfrm>
+          <a:prstGeom prst="straightConnector1">
+            <a:avLst/>
+          </a:prstGeom>
+          <a:ln>
+            <a:tailEnd type="arrow"/>
+          </a:ln>
+        </p:spPr>
+        <p:style>
+          <a:lnRef idx="1">
+            <a:schemeClr val="accent1"/>
+          </a:lnRef>
+          <a:fillRef idx="0">
+            <a:schemeClr val="accent1"/>
+          </a:fillRef>
+          <a:effectRef idx="0">
+            <a:schemeClr val="accent1"/>
+          </a:effectRef>
+          <a:fontRef idx="minor">
+            <a:schemeClr val="tx1"/>
+          </a:fontRef>
+        </p:style>
+      </p:cxnSp>
+      <p:cxnSp>
+        <p:nvCxnSpPr>
+          <p:cNvPr id="11" name="Straight Arrow Connector 10"/>
+          <p:cNvCxnSpPr/>
+          <p:nvPr/>
+        </p:nvCxnSpPr>
+        <p:spPr>
+          <a:xfrm flipV="1">
+            <a:off x="2523594" y="3057639"/>
+            <a:ext cx="3269673" cy="343625"/>
+          </a:xfrm>
+          <a:prstGeom prst="straightConnector1">
+            <a:avLst/>
+          </a:prstGeom>
+          <a:ln>
+            <a:tailEnd type="arrow"/>
+          </a:ln>
+        </p:spPr>
+        <p:style>
+          <a:lnRef idx="1">
+            <a:schemeClr val="accent1"/>
+          </a:lnRef>
+          <a:fillRef idx="0">
+            <a:schemeClr val="accent1"/>
+          </a:fillRef>
+          <a:effectRef idx="0">
+            <a:schemeClr val="accent1"/>
+          </a:effectRef>
+          <a:fontRef idx="minor">
+            <a:schemeClr val="tx1"/>
+          </a:fontRef>
+        </p:style>
+      </p:cxnSp>
+      <p:cxnSp>
+        <p:nvCxnSpPr>
+          <p:cNvPr id="12" name="Straight Arrow Connector 11"/>
+          <p:cNvCxnSpPr/>
+          <p:nvPr/>
+        </p:nvCxnSpPr>
+        <p:spPr>
+          <a:xfrm>
+            <a:off x="2572084" y="3883435"/>
+            <a:ext cx="3318165" cy="123241"/>
+          </a:xfrm>
+          <a:prstGeom prst="straightConnector1">
+            <a:avLst/>
+          </a:prstGeom>
+          <a:ln>
+            <a:tailEnd type="arrow"/>
+          </a:ln>
+        </p:spPr>
+        <p:style>
+          <a:lnRef idx="1">
+            <a:schemeClr val="accent1"/>
+          </a:lnRef>
+          <a:fillRef idx="0">
+            <a:schemeClr val="accent1"/>
+          </a:fillRef>
+          <a:effectRef idx="0">
+            <a:schemeClr val="accent1"/>
+          </a:effectRef>
+          <a:fontRef idx="minor">
+            <a:schemeClr val="tx1"/>
+          </a:fontRef>
+        </p:style>
+      </p:cxnSp>
+      <p:cxnSp>
+        <p:nvCxnSpPr>
+          <p:cNvPr id="13" name="Straight Arrow Connector 12"/>
+          <p:cNvCxnSpPr/>
+          <p:nvPr/>
+        </p:nvCxnSpPr>
+        <p:spPr>
+          <a:xfrm flipV="1">
+            <a:off x="2572084" y="4139928"/>
+            <a:ext cx="3318165" cy="430757"/>
+          </a:xfrm>
+          <a:prstGeom prst="straightConnector1">
+            <a:avLst/>
+          </a:prstGeom>
+          <a:ln>
+            <a:tailEnd type="arrow"/>
+          </a:ln>
+        </p:spPr>
+        <p:style>
+          <a:lnRef idx="1">
+            <a:schemeClr val="accent1"/>
+          </a:lnRef>
+          <a:fillRef idx="0">
+            <a:schemeClr val="accent1"/>
+          </a:fillRef>
+          <a:effectRef idx="0">
+            <a:schemeClr val="accent1"/>
+          </a:effectRef>
+          <a:fontRef idx="minor">
+            <a:schemeClr val="tx1"/>
+          </a:fontRef>
+        </p:style>
+      </p:cxnSp>
+    </p:spTree>
+    <p:extLst>
+      <p:ext uri="{BB962C8B-B14F-4D97-AF65-F5344CB8AC3E}">
+        <p14:creationId xmlns:p14="http://schemas.microsoft.com/office/powerpoint/2010/main" val="4024340207"/>
+      </p:ext>
+    </p:extLst>
+  </p:cSld>
+  <p:clrMapOvr>
+    <a:masterClrMapping/>
+  </p:clrMapOvr>
+  <p:timing>
+    <p:tnLst>
+      <p:par>
+        <p:cTn id="1" dur="indefinite" restart="never" nodeType="tmRoot"/>
+      </p:par>
+    </p:tnLst>
+  </p:timing>
+</p:sld>
+</file>
+
+<file path=ppt/slides/slide8.xml><?xml version="1.0" encoding="utf-8"?>
+<p:sld xmlns:a="http://schemas.openxmlformats.org/drawingml/2006/main" xmlns:r="http://schemas.openxmlformats.org/officeDocument/2006/relationships" xmlns:p="http://schemas.openxmlformats.org/presentationml/2006/main">
+  <p:cSld>
+    <p:spTree>
+      <p:nvGrpSpPr>
+        <p:cNvPr id="1" name=""/>
+        <p:cNvGrpSpPr/>
+        <p:nvPr/>
+      </p:nvGrpSpPr>
+      <p:grpSpPr>
+        <a:xfrm>
+          <a:off x="0" y="0"/>
+          <a:ext cx="0" cy="0"/>
+          <a:chOff x="0" y="0"/>
+          <a:chExt cx="0" cy="0"/>
+        </a:xfrm>
+      </p:grpSpPr>
+      <p:sp>
+        <p:nvSpPr>
+          <p:cNvPr id="2" name="Title 1">
+            <a:extLst>
+              <a:ext uri="{FF2B5EF4-FFF2-40B4-BE49-F238E27FC236}">
+                <a16:creationId xmlns:a16="http://schemas.microsoft.com/office/drawing/2014/main" xmlns="" id="{64FC46BD-FCD3-4070-A2FE-CF068D21089D}"/>
+              </a:ext>
+            </a:extLst>
+          </p:cNvPr>
+          <p:cNvSpPr>
+            <a:spLocks noGrp="1"/>
+          </p:cNvSpPr>
+          <p:nvPr>
+            <p:ph type="title"/>
+          </p:nvPr>
+        </p:nvSpPr>
+        <p:spPr/>
+        <p:txBody>
+          <a:bodyPr/>
+          <a:lstStyle/>
+          <a:p>
+            <a:r>
+              <a:rPr lang="en-US" dirty="0" smtClean="0">
+                <a:latin typeface="Comic Sans MS" panose="030F0702030302020204" pitchFamily="66" charset="0"/>
+              </a:rPr>
               <a:t>Multiplication and addition of functions</a:t>
             </a:r>
             <a:endParaRPr lang="en-US" dirty="0">
@@ -10007,7 +12833,7 @@
               <p:cNvPr id="4" name="Content Placeholder 2">
                 <a:extLst>
                   <a:ext uri="{FF2B5EF4-FFF2-40B4-BE49-F238E27FC236}">
-                    <a16:creationId xmlns="" xmlns:a16="http://schemas.microsoft.com/office/drawing/2014/main" id="{8FD3E7E3-6406-4C87-9E06-5BA40AA66E22}"/>
+                    <a16:creationId xmlns:a16="http://schemas.microsoft.com/office/drawing/2014/main" xmlns="" id="{8FD3E7E3-6406-4C87-9E06-5BA40AA66E22}"/>
                   </a:ext>
                 </a:extLst>
               </p:cNvPr>
@@ -10337,14 +13163,14 @@
           </p:sp>
         </mc:Fallback>
       </mc:AlternateContent>
-      <mc:AlternateContent xmlns:mc="http://schemas.openxmlformats.org/markup-compatibility/2006" xmlns:a14="http://schemas.microsoft.com/office/drawing/2010/main">
-        <mc:Choice Requires="a14">
+      <mc:AlternateContent xmlns:mc="http://schemas.openxmlformats.org/markup-compatibility/2006">
+        <mc:Choice xmlns:a14="http://schemas.microsoft.com/office/drawing/2010/main" Requires="a14">
           <p:sp>
             <p:nvSpPr>
               <p:cNvPr id="77" name="Content Placeholder 2">
                 <a:extLst>
                   <a:ext uri="{FF2B5EF4-FFF2-40B4-BE49-F238E27FC236}">
-                    <a16:creationId xmlns="" xmlns:a16="http://schemas.microsoft.com/office/drawing/2014/main" id="{8FD3E7E3-6406-4C87-9E06-5BA40AA66E22}"/>
+                    <a16:creationId xmlns:a16="http://schemas.microsoft.com/office/drawing/2014/main" xmlns="" id="{8FD3E7E3-6406-4C87-9E06-5BA40AA66E22}"/>
                   </a:ext>
                 </a:extLst>
               </p:cNvPr>
@@ -10355,7 +13181,7 @@
             </p:nvSpPr>
             <p:spPr>
               <a:xfrm>
-                <a:off x="1046016" y="3726167"/>
+                <a:off x="800357" y="3780758"/>
                 <a:ext cx="5180613" cy="1291649"/>
               </a:xfrm>
               <a:prstGeom prst="rect">
@@ -10609,13 +13435,13 @@
             </p:txBody>
           </p:sp>
         </mc:Choice>
-        <mc:Fallback xmlns="">
+        <mc:Fallback>
           <p:sp>
             <p:nvSpPr>
               <p:cNvPr id="77" name="Content Placeholder 2">
                 <a:extLst>
                   <a:ext uri="{FF2B5EF4-FFF2-40B4-BE49-F238E27FC236}">
-                    <a16:creationId xmlns="" xmlns:a16="http://schemas.microsoft.com/office/drawing/2014/main" id="{8FD3E7E3-6406-4C87-9E06-5BA40AA66E22}"/>
+                    <a16:creationId xmlns:a16="http://schemas.microsoft.com/office/drawing/2014/main" xmlns="" xmlns:a14="http://schemas.microsoft.com/office/drawing/2010/main" id="{8FD3E7E3-6406-4C87-9E06-5BA40AA66E22}"/>
                   </a:ext>
                 </a:extLst>
               </p:cNvPr>
@@ -10626,16 +13452,16 @@
             </p:nvSpPr>
             <p:spPr>
               <a:xfrm>
-                <a:off x="1046016" y="3726167"/>
+                <a:off x="800357" y="3780758"/>
                 <a:ext cx="5180613" cy="1291649"/>
               </a:xfrm>
               <a:prstGeom prst="rect">
                 <a:avLst/>
               </a:prstGeom>
-              <a:blipFill rotWithShape="1">
+              <a:blipFill rotWithShape="0">
                 <a:blip r:embed="rId3"/>
                 <a:stretch>
-                  <a:fillRect l="-3298" t="-14151" r="-2945"/>
+                  <a:fillRect l="-3294" t="-14151" r="-2824"/>
                 </a:stretch>
               </a:blipFill>
             </p:spPr>
@@ -10661,7 +13487,7 @@
               <p:cNvPr id="16" name="Content Placeholder 2">
                 <a:extLst>
                   <a:ext uri="{FF2B5EF4-FFF2-40B4-BE49-F238E27FC236}">
-                    <a16:creationId xmlns="" xmlns:a16="http://schemas.microsoft.com/office/drawing/2014/main" id="{8FD3E7E3-6406-4C87-9E06-5BA40AA66E22}"/>
+                    <a16:creationId xmlns:a16="http://schemas.microsoft.com/office/drawing/2014/main" xmlns="" id="{8FD3E7E3-6406-4C87-9E06-5BA40AA66E22}"/>
                   </a:ext>
                 </a:extLst>
               </p:cNvPr>
@@ -11108,7 +13934,7 @@
 </p:sld>
 </file>
 
-<file path=ppt/slides/slide7.xml><?xml version="1.0" encoding="utf-8"?>
+<file path=ppt/slides/slide9.xml><?xml version="1.0" encoding="utf-8"?>
 <p:sld xmlns:a="http://schemas.openxmlformats.org/drawingml/2006/main" xmlns:r="http://schemas.openxmlformats.org/officeDocument/2006/relationships" xmlns:p="http://schemas.openxmlformats.org/presentationml/2006/main">
   <p:cSld>
     <p:spTree>
@@ -11130,7 +13956,7 @@
           <p:cNvPr id="2" name="Title 1">
             <a:extLst>
               <a:ext uri="{FF2B5EF4-FFF2-40B4-BE49-F238E27FC236}">
-                <a16:creationId xmlns="" xmlns:a16="http://schemas.microsoft.com/office/drawing/2014/main" id="{64FC46BD-FCD3-4070-A2FE-CF068D21089D}"/>
+                <a16:creationId xmlns:a16="http://schemas.microsoft.com/office/drawing/2014/main" xmlns="" id="{64FC46BD-FCD3-4070-A2FE-CF068D21089D}"/>
               </a:ext>
             </a:extLst>
           </p:cNvPr>
@@ -11163,7 +13989,7 @@
           <p:cNvPr id="4" name="Content Placeholder 2">
             <a:extLst>
               <a:ext uri="{FF2B5EF4-FFF2-40B4-BE49-F238E27FC236}">
-                <a16:creationId xmlns:mc="http://schemas.openxmlformats.org/markup-compatibility/2006" xmlns:a14="http://schemas.microsoft.com/office/drawing/2010/main" xmlns="" xmlns:a16="http://schemas.microsoft.com/office/drawing/2014/main" id="{8FD3E7E3-6406-4C87-9E06-5BA40AA66E22}"/>
+                <a16:creationId xmlns:a16="http://schemas.microsoft.com/office/drawing/2014/main" xmlns="" xmlns:a14="http://schemas.microsoft.com/office/drawing/2010/main" xmlns:mc="http://schemas.openxmlformats.org/markup-compatibility/2006" id="{8FD3E7E3-6406-4C87-9E06-5BA40AA66E22}"/>
               </a:ext>
             </a:extLst>
           </p:cNvPr>
@@ -11454,910 +14280,6 @@
     <p:extLst>
       <p:ext uri="{BB962C8B-B14F-4D97-AF65-F5344CB8AC3E}">
         <p14:creationId xmlns:p14="http://schemas.microsoft.com/office/powerpoint/2010/main" val="3754248423"/>
-      </p:ext>
-    </p:extLst>
-  </p:cSld>
-  <p:clrMapOvr>
-    <a:masterClrMapping/>
-  </p:clrMapOvr>
-  <p:timing>
-    <p:tnLst>
-      <p:par>
-        <p:cTn id="1" dur="indefinite" restart="never" nodeType="tmRoot"/>
-      </p:par>
-    </p:tnLst>
-  </p:timing>
-</p:sld>
-</file>
-
-<file path=ppt/slides/slide8.xml><?xml version="1.0" encoding="utf-8"?>
-<p:sld xmlns:a="http://schemas.openxmlformats.org/drawingml/2006/main" xmlns:r="http://schemas.openxmlformats.org/officeDocument/2006/relationships" xmlns:p="http://schemas.openxmlformats.org/presentationml/2006/main">
-  <p:cSld>
-    <p:spTree>
-      <p:nvGrpSpPr>
-        <p:cNvPr id="1" name=""/>
-        <p:cNvGrpSpPr/>
-        <p:nvPr/>
-      </p:nvGrpSpPr>
-      <p:grpSpPr>
-        <a:xfrm>
-          <a:off x="0" y="0"/>
-          <a:ext cx="0" cy="0"/>
-          <a:chOff x="0" y="0"/>
-          <a:chExt cx="0" cy="0"/>
-        </a:xfrm>
-      </p:grpSpPr>
-      <p:sp>
-        <p:nvSpPr>
-          <p:cNvPr id="2" name="Title 1">
-            <a:extLst>
-              <a:ext uri="{FF2B5EF4-FFF2-40B4-BE49-F238E27FC236}">
-                <a16:creationId xmlns="" xmlns:a16="http://schemas.microsoft.com/office/drawing/2014/main" id="{64FC46BD-FCD3-4070-A2FE-CF068D21089D}"/>
-              </a:ext>
-            </a:extLst>
-          </p:cNvPr>
-          <p:cNvSpPr>
-            <a:spLocks noGrp="1"/>
-          </p:cNvSpPr>
-          <p:nvPr>
-            <p:ph type="title"/>
-          </p:nvPr>
-        </p:nvSpPr>
-        <p:spPr/>
-        <p:txBody>
-          <a:bodyPr/>
-          <a:lstStyle/>
-          <a:p>
-            <a:r>
-              <a:rPr lang="en-US" dirty="0" smtClean="0">
-                <a:latin typeface="Comic Sans MS" panose="030F0702030302020204" pitchFamily="66" charset="0"/>
-              </a:rPr>
-              <a:t>One </a:t>
-            </a:r>
-            <a:r>
-              <a:rPr lang="en-US" dirty="0">
-                <a:latin typeface="Comic Sans MS" panose="030F0702030302020204" pitchFamily="66" charset="0"/>
-              </a:rPr>
-              <a:t>to One(Injective) </a:t>
-            </a:r>
-            <a:r>
-              <a:rPr lang="en-US" dirty="0" smtClean="0">
-                <a:latin typeface="Comic Sans MS" panose="030F0702030302020204" pitchFamily="66" charset="0"/>
-              </a:rPr>
-              <a:t>functions</a:t>
-            </a:r>
-            <a:endParaRPr lang="en-US" dirty="0">
-              <a:latin typeface="Comic Sans MS" panose="030F0702030302020204" pitchFamily="66" charset="0"/>
-            </a:endParaRPr>
-          </a:p>
-        </p:txBody>
-      </p:sp>
-      <mc:AlternateContent xmlns:mc="http://schemas.openxmlformats.org/markup-compatibility/2006" xmlns:a14="http://schemas.microsoft.com/office/drawing/2010/main">
-        <mc:Choice Requires="a14">
-          <p:sp>
-            <p:nvSpPr>
-              <p:cNvPr id="4" name="Content Placeholder 2">
-                <a:extLst>
-                  <a:ext uri="{FF2B5EF4-FFF2-40B4-BE49-F238E27FC236}">
-                    <a16:creationId xmlns="" xmlns:a16="http://schemas.microsoft.com/office/drawing/2014/main" id="{8FD3E7E3-6406-4C87-9E06-5BA40AA66E22}"/>
-                  </a:ext>
-                </a:extLst>
-              </p:cNvPr>
-              <p:cNvSpPr txBox="1">
-                <a:spLocks/>
-              </p:cNvSpPr>
-              <p:nvPr/>
-            </p:nvSpPr>
-            <p:spPr>
-              <a:xfrm>
-                <a:off x="893617" y="1900234"/>
-                <a:ext cx="10393082" cy="1566297"/>
-              </a:xfrm>
-              <a:prstGeom prst="rect">
-                <a:avLst/>
-              </a:prstGeom>
-            </p:spPr>
-            <p:txBody>
-              <a:bodyPr vert="horz" lIns="91440" tIns="45720" rIns="91440" bIns="45720" rtlCol="0">
-                <a:normAutofit/>
-              </a:bodyPr>
-              <a:lstStyle>
-                <a:lvl1pPr marL="228600" indent="-228600" algn="l" defTabSz="914400" rtl="0" eaLnBrk="1" latinLnBrk="0" hangingPunct="1">
-                  <a:lnSpc>
-                    <a:spcPct val="90000"/>
-                  </a:lnSpc>
-                  <a:spcBef>
-                    <a:spcPts val="1000"/>
-                  </a:spcBef>
-                  <a:buFont typeface="Arial" panose="020B0604020202020204" pitchFamily="34" charset="0"/>
-                  <a:buChar char="•"/>
-                  <a:defRPr sz="2800" kern="1200">
-                    <a:solidFill>
-                      <a:schemeClr val="tx1"/>
-                    </a:solidFill>
-                    <a:latin typeface="+mn-lt"/>
-                    <a:ea typeface="+mn-ea"/>
-                    <a:cs typeface="+mn-cs"/>
-                  </a:defRPr>
-                </a:lvl1pPr>
-                <a:lvl2pPr marL="685800" indent="-228600" algn="l" defTabSz="914400" rtl="0" eaLnBrk="1" latinLnBrk="0" hangingPunct="1">
-                  <a:lnSpc>
-                    <a:spcPct val="90000"/>
-                  </a:lnSpc>
-                  <a:spcBef>
-                    <a:spcPts val="500"/>
-                  </a:spcBef>
-                  <a:buFont typeface="Arial" panose="020B0604020202020204" pitchFamily="34" charset="0"/>
-                  <a:buChar char="•"/>
-                  <a:defRPr sz="2400" kern="1200">
-                    <a:solidFill>
-                      <a:schemeClr val="tx1"/>
-                    </a:solidFill>
-                    <a:latin typeface="+mn-lt"/>
-                    <a:ea typeface="+mn-ea"/>
-                    <a:cs typeface="+mn-cs"/>
-                  </a:defRPr>
-                </a:lvl2pPr>
-                <a:lvl3pPr marL="1143000" indent="-228600" algn="l" defTabSz="914400" rtl="0" eaLnBrk="1" latinLnBrk="0" hangingPunct="1">
-                  <a:lnSpc>
-                    <a:spcPct val="90000"/>
-                  </a:lnSpc>
-                  <a:spcBef>
-                    <a:spcPts val="500"/>
-                  </a:spcBef>
-                  <a:buFont typeface="Arial" panose="020B0604020202020204" pitchFamily="34" charset="0"/>
-                  <a:buChar char="•"/>
-                  <a:defRPr sz="2000" kern="1200">
-                    <a:solidFill>
-                      <a:schemeClr val="tx1"/>
-                    </a:solidFill>
-                    <a:latin typeface="+mn-lt"/>
-                    <a:ea typeface="+mn-ea"/>
-                    <a:cs typeface="+mn-cs"/>
-                  </a:defRPr>
-                </a:lvl3pPr>
-                <a:lvl4pPr marL="1600200" indent="-228600" algn="l" defTabSz="914400" rtl="0" eaLnBrk="1" latinLnBrk="0" hangingPunct="1">
-                  <a:lnSpc>
-                    <a:spcPct val="90000"/>
-                  </a:lnSpc>
-                  <a:spcBef>
-                    <a:spcPts val="500"/>
-                  </a:spcBef>
-                  <a:buFont typeface="Arial" panose="020B0604020202020204" pitchFamily="34" charset="0"/>
-                  <a:buChar char="•"/>
-                  <a:defRPr sz="1800" kern="1200">
-                    <a:solidFill>
-                      <a:schemeClr val="tx1"/>
-                    </a:solidFill>
-                    <a:latin typeface="+mn-lt"/>
-                    <a:ea typeface="+mn-ea"/>
-                    <a:cs typeface="+mn-cs"/>
-                  </a:defRPr>
-                </a:lvl4pPr>
-                <a:lvl5pPr marL="2057400" indent="-228600" algn="l" defTabSz="914400" rtl="0" eaLnBrk="1" latinLnBrk="0" hangingPunct="1">
-                  <a:lnSpc>
-                    <a:spcPct val="90000"/>
-                  </a:lnSpc>
-                  <a:spcBef>
-                    <a:spcPts val="500"/>
-                  </a:spcBef>
-                  <a:buFont typeface="Arial" panose="020B0604020202020204" pitchFamily="34" charset="0"/>
-                  <a:buChar char="•"/>
-                  <a:defRPr sz="1800" kern="1200">
-                    <a:solidFill>
-                      <a:schemeClr val="tx1"/>
-                    </a:solidFill>
-                    <a:latin typeface="+mn-lt"/>
-                    <a:ea typeface="+mn-ea"/>
-                    <a:cs typeface="+mn-cs"/>
-                  </a:defRPr>
-                </a:lvl5pPr>
-                <a:lvl6pPr marL="2514600" indent="-228600" algn="l" defTabSz="914400" rtl="0" eaLnBrk="1" latinLnBrk="0" hangingPunct="1">
-                  <a:lnSpc>
-                    <a:spcPct val="90000"/>
-                  </a:lnSpc>
-                  <a:spcBef>
-                    <a:spcPts val="500"/>
-                  </a:spcBef>
-                  <a:buFont typeface="Arial" panose="020B0604020202020204" pitchFamily="34" charset="0"/>
-                  <a:buChar char="•"/>
-                  <a:defRPr sz="1800" kern="1200">
-                    <a:solidFill>
-                      <a:schemeClr val="tx1"/>
-                    </a:solidFill>
-                    <a:latin typeface="+mn-lt"/>
-                    <a:ea typeface="+mn-ea"/>
-                    <a:cs typeface="+mn-cs"/>
-                  </a:defRPr>
-                </a:lvl6pPr>
-                <a:lvl7pPr marL="2971800" indent="-228600" algn="l" defTabSz="914400" rtl="0" eaLnBrk="1" latinLnBrk="0" hangingPunct="1">
-                  <a:lnSpc>
-                    <a:spcPct val="90000"/>
-                  </a:lnSpc>
-                  <a:spcBef>
-                    <a:spcPts val="500"/>
-                  </a:spcBef>
-                  <a:buFont typeface="Arial" panose="020B0604020202020204" pitchFamily="34" charset="0"/>
-                  <a:buChar char="•"/>
-                  <a:defRPr sz="1800" kern="1200">
-                    <a:solidFill>
-                      <a:schemeClr val="tx1"/>
-                    </a:solidFill>
-                    <a:latin typeface="+mn-lt"/>
-                    <a:ea typeface="+mn-ea"/>
-                    <a:cs typeface="+mn-cs"/>
-                  </a:defRPr>
-                </a:lvl7pPr>
-                <a:lvl8pPr marL="3429000" indent="-228600" algn="l" defTabSz="914400" rtl="0" eaLnBrk="1" latinLnBrk="0" hangingPunct="1">
-                  <a:lnSpc>
-                    <a:spcPct val="90000"/>
-                  </a:lnSpc>
-                  <a:spcBef>
-                    <a:spcPts val="500"/>
-                  </a:spcBef>
-                  <a:buFont typeface="Arial" panose="020B0604020202020204" pitchFamily="34" charset="0"/>
-                  <a:buChar char="•"/>
-                  <a:defRPr sz="1800" kern="1200">
-                    <a:solidFill>
-                      <a:schemeClr val="tx1"/>
-                    </a:solidFill>
-                    <a:latin typeface="+mn-lt"/>
-                    <a:ea typeface="+mn-ea"/>
-                    <a:cs typeface="+mn-cs"/>
-                  </a:defRPr>
-                </a:lvl8pPr>
-                <a:lvl9pPr marL="3886200" indent="-228600" algn="l" defTabSz="914400" rtl="0" eaLnBrk="1" latinLnBrk="0" hangingPunct="1">
-                  <a:lnSpc>
-                    <a:spcPct val="90000"/>
-                  </a:lnSpc>
-                  <a:spcBef>
-                    <a:spcPts val="500"/>
-                  </a:spcBef>
-                  <a:buFont typeface="Arial" panose="020B0604020202020204" pitchFamily="34" charset="0"/>
-                  <a:buChar char="•"/>
-                  <a:defRPr sz="1800" kern="1200">
-                    <a:solidFill>
-                      <a:schemeClr val="tx1"/>
-                    </a:solidFill>
-                    <a:latin typeface="+mn-lt"/>
-                    <a:ea typeface="+mn-ea"/>
-                    <a:cs typeface="+mn-cs"/>
-                  </a:defRPr>
-                </a:lvl9pPr>
-              </a:lstStyle>
-              <a:p>
-                <a:r>
-                  <a:rPr lang="en-US" sz="4000" dirty="0" smtClean="0">
-                    <a:latin typeface="Comic Sans MS" panose="030F0702030302020204" pitchFamily="66" charset="0"/>
-                  </a:rPr>
-                  <a:t>f(x) = </a:t>
-                </a:r>
-                <a14:m>
-                  <m:oMath xmlns:m="http://schemas.openxmlformats.org/officeDocument/2006/math">
-                    <m:sSup>
-                      <m:sSupPr>
-                        <m:ctrlPr>
-                          <a:rPr lang="en-US" sz="4000" i="1" dirty="0" smtClean="0">
-                            <a:latin typeface="Cambria Math" panose="02040503050406030204" pitchFamily="18" charset="0"/>
-                          </a:rPr>
-                        </m:ctrlPr>
-                      </m:sSupPr>
-                      <m:e>
-                        <m:r>
-                          <a:rPr lang="en-US" sz="4000" b="0" i="1" dirty="0" smtClean="0">
-                            <a:latin typeface="Cambria Math" panose="02040503050406030204" pitchFamily="18" charset="0"/>
-                          </a:rPr>
-                          <m:t>𝑥</m:t>
-                        </m:r>
-                      </m:e>
-                      <m:sup>
-                        <m:r>
-                          <a:rPr lang="en-US" sz="4000" b="0" i="1" dirty="0" smtClean="0">
-                            <a:latin typeface="Cambria Math" panose="02040503050406030204" pitchFamily="18" charset="0"/>
-                          </a:rPr>
-                          <m:t>2</m:t>
-                        </m:r>
-                      </m:sup>
-                    </m:sSup>
-                  </m:oMath>
-                </a14:m>
-                <a:r>
-                  <a:rPr lang="en-US" sz="4000" dirty="0" smtClean="0">
-                    <a:latin typeface="Comic Sans MS" panose="030F0702030302020204" pitchFamily="66" charset="0"/>
-                  </a:rPr>
-                  <a:t> from </a:t>
-                </a:r>
-                <a14:m>
-                  <m:oMath xmlns:m="http://schemas.openxmlformats.org/officeDocument/2006/math">
-                    <m:r>
-                      <a:rPr lang="en-US" sz="4000" i="1" smtClean="0">
-                        <a:latin typeface="Cambria Math" panose="02040503050406030204" pitchFamily="18" charset="0"/>
-                        <a:ea typeface="Cambria Math" panose="02040503050406030204" pitchFamily="18" charset="0"/>
-                      </a:rPr>
-                      <m:t>ℕ</m:t>
-                    </m:r>
-                    <m:r>
-                      <m:rPr>
-                        <m:nor/>
-                      </m:rPr>
-                      <a:rPr lang="en-US" sz="4000" b="0" i="0" smtClean="0">
-                        <a:latin typeface="Cambria Math" panose="02040503050406030204" pitchFamily="18" charset="0"/>
-                        <a:ea typeface="Cambria Math" panose="02040503050406030204" pitchFamily="18" charset="0"/>
-                      </a:rPr>
-                      <m:t> </m:t>
-                    </m:r>
-                    <m:r>
-                      <m:rPr>
-                        <m:nor/>
-                      </m:rPr>
-                      <a:rPr lang="en-US" sz="4000" b="0" i="0" smtClean="0">
-                        <a:latin typeface="Comic Sans MS" panose="030F0702030302020204" pitchFamily="66" charset="0"/>
-                        <a:ea typeface="Cambria Math" panose="02040503050406030204" pitchFamily="18" charset="0"/>
-                      </a:rPr>
-                      <m:t>to</m:t>
-                    </m:r>
-                    <m:r>
-                      <a:rPr lang="en-US" sz="4000" b="0" i="1" smtClean="0">
-                        <a:latin typeface="Cambria Math" panose="02040503050406030204" pitchFamily="18" charset="0"/>
-                        <a:ea typeface="Cambria Math" panose="02040503050406030204" pitchFamily="18" charset="0"/>
-                      </a:rPr>
-                      <m:t> </m:t>
-                    </m:r>
-                    <m:r>
-                      <a:rPr lang="en-US" sz="4000" i="1" smtClean="0">
-                        <a:latin typeface="Cambria Math" panose="02040503050406030204" pitchFamily="18" charset="0"/>
-                        <a:ea typeface="Cambria Math" panose="02040503050406030204" pitchFamily="18" charset="0"/>
-                      </a:rPr>
-                      <m:t>ℤ</m:t>
-                    </m:r>
-                  </m:oMath>
-                </a14:m>
-                <a:endParaRPr lang="en-US" sz="4000" dirty="0" smtClean="0">
-                  <a:latin typeface="Comic Sans MS" panose="030F0702030302020204" pitchFamily="66" charset="0"/>
-                  <a:ea typeface="Cambria Math" panose="02040503050406030204" pitchFamily="18" charset="0"/>
-                </a:endParaRPr>
-              </a:p>
-              <a:p>
-                <a:r>
-                  <a:rPr lang="en-US" sz="4000" dirty="0">
-                    <a:latin typeface="Comic Sans MS" panose="030F0702030302020204" pitchFamily="66" charset="0"/>
-                  </a:rPr>
-                  <a:t>f(x) = </a:t>
-                </a:r>
-                <a14:m>
-                  <m:oMath xmlns:m="http://schemas.openxmlformats.org/officeDocument/2006/math">
-                    <m:sSup>
-                      <m:sSupPr>
-                        <m:ctrlPr>
-                          <a:rPr lang="en-US" sz="4000" i="1" dirty="0">
-                            <a:latin typeface="Cambria Math" panose="02040503050406030204" pitchFamily="18" charset="0"/>
-                          </a:rPr>
-                        </m:ctrlPr>
-                      </m:sSupPr>
-                      <m:e>
-                        <m:r>
-                          <a:rPr lang="en-US" sz="4000" i="1" dirty="0">
-                            <a:latin typeface="Cambria Math" panose="02040503050406030204" pitchFamily="18" charset="0"/>
-                          </a:rPr>
-                          <m:t>𝑥</m:t>
-                        </m:r>
-                      </m:e>
-                      <m:sup>
-                        <m:r>
-                          <a:rPr lang="en-US" sz="4000" i="1" dirty="0">
-                            <a:latin typeface="Cambria Math" panose="02040503050406030204" pitchFamily="18" charset="0"/>
-                          </a:rPr>
-                          <m:t>2</m:t>
-                        </m:r>
-                      </m:sup>
-                    </m:sSup>
-                  </m:oMath>
-                </a14:m>
-                <a:r>
-                  <a:rPr lang="en-US" sz="4000" dirty="0">
-                    <a:latin typeface="Comic Sans MS" panose="030F0702030302020204" pitchFamily="66" charset="0"/>
-                  </a:rPr>
-                  <a:t> from </a:t>
-                </a:r>
-                <a14:m>
-                  <m:oMath xmlns:m="http://schemas.openxmlformats.org/officeDocument/2006/math">
-                    <m:r>
-                      <a:rPr lang="en-US" sz="4000" i="1">
-                        <a:latin typeface="Cambria Math" panose="02040503050406030204" pitchFamily="18" charset="0"/>
-                        <a:ea typeface="Cambria Math" panose="02040503050406030204" pitchFamily="18" charset="0"/>
-                      </a:rPr>
-                      <m:t>ℤ</m:t>
-                    </m:r>
-                    <m:r>
-                      <m:rPr>
-                        <m:nor/>
-                      </m:rPr>
-                      <a:rPr lang="en-US" sz="4000">
-                        <a:latin typeface="Cambria Math" panose="02040503050406030204" pitchFamily="18" charset="0"/>
-                        <a:ea typeface="Cambria Math" panose="02040503050406030204" pitchFamily="18" charset="0"/>
-                      </a:rPr>
-                      <m:t> </m:t>
-                    </m:r>
-                    <m:r>
-                      <m:rPr>
-                        <m:nor/>
-                      </m:rPr>
-                      <a:rPr lang="en-US" sz="4000">
-                        <a:latin typeface="Comic Sans MS" panose="030F0702030302020204" pitchFamily="66" charset="0"/>
-                        <a:ea typeface="Cambria Math" panose="02040503050406030204" pitchFamily="18" charset="0"/>
-                      </a:rPr>
-                      <m:t>to</m:t>
-                    </m:r>
-                    <m:r>
-                      <a:rPr lang="en-US" sz="4000" i="1">
-                        <a:latin typeface="Cambria Math" panose="02040503050406030204" pitchFamily="18" charset="0"/>
-                        <a:ea typeface="Cambria Math" panose="02040503050406030204" pitchFamily="18" charset="0"/>
-                      </a:rPr>
-                      <m:t> </m:t>
-                    </m:r>
-                    <m:r>
-                      <a:rPr lang="en-US" sz="4000" i="1">
-                        <a:latin typeface="Cambria Math" panose="02040503050406030204" pitchFamily="18" charset="0"/>
-                        <a:ea typeface="Cambria Math" panose="02040503050406030204" pitchFamily="18" charset="0"/>
-                      </a:rPr>
-                      <m:t>ℤ</m:t>
-                    </m:r>
-                  </m:oMath>
-                </a14:m>
-                <a:endParaRPr lang="en-US" sz="4000" dirty="0">
-                  <a:latin typeface="Comic Sans MS" panose="030F0702030302020204" pitchFamily="66" charset="0"/>
-                </a:endParaRPr>
-              </a:p>
-              <a:p>
-                <a:pPr marL="0" indent="0">
-                  <a:buNone/>
-                </a:pPr>
-                <a:endParaRPr lang="en-US" sz="4000" dirty="0" smtClean="0">
-                  <a:latin typeface="Comic Sans MS" panose="030F0702030302020204" pitchFamily="66" charset="0"/>
-                </a:endParaRPr>
-              </a:p>
-            </p:txBody>
-          </p:sp>
-        </mc:Choice>
-        <mc:Fallback xmlns="">
-          <p:sp>
-            <p:nvSpPr>
-              <p:cNvPr id="4" name="Content Placeholder 2">
-                <a:extLst>
-                  <a:ext uri="{FF2B5EF4-FFF2-40B4-BE49-F238E27FC236}">
-                    <a16:creationId xmlns:a16="http://schemas.microsoft.com/office/drawing/2014/main" xmlns="" xmlns:a14="http://schemas.microsoft.com/office/drawing/2010/main" id="{8FD3E7E3-6406-4C87-9E06-5BA40AA66E22}"/>
-                  </a:ext>
-                </a:extLst>
-              </p:cNvPr>
-              <p:cNvSpPr txBox="1">
-                <a:spLocks noRot="1" noChangeAspect="1" noMove="1" noResize="1" noEditPoints="1" noAdjustHandles="1" noChangeArrowheads="1" noChangeShapeType="1" noTextEdit="1"/>
-              </p:cNvSpPr>
-              <p:nvPr/>
-            </p:nvSpPr>
-            <p:spPr>
-              <a:xfrm>
-                <a:off x="893617" y="1900234"/>
-                <a:ext cx="10393082" cy="1566297"/>
-              </a:xfrm>
-              <a:prstGeom prst="rect">
-                <a:avLst/>
-              </a:prstGeom>
-              <a:blipFill rotWithShape="0">
-                <a:blip r:embed="rId2"/>
-                <a:stretch>
-                  <a:fillRect l="-1878" t="-10506" b="-778"/>
-                </a:stretch>
-              </a:blipFill>
-            </p:spPr>
-            <p:txBody>
-              <a:bodyPr/>
-              <a:lstStyle/>
-              <a:p>
-                <a:r>
-                  <a:rPr lang="en-US">
-                    <a:noFill/>
-                  </a:rPr>
-                  <a:t> </a:t>
-                </a:r>
-              </a:p>
-            </p:txBody>
-          </p:sp>
-        </mc:Fallback>
-      </mc:AlternateContent>
-      <p:sp>
-        <p:nvSpPr>
-          <p:cNvPr id="3" name="TextBox 2"/>
-          <p:cNvSpPr txBox="1"/>
-          <p:nvPr/>
-        </p:nvSpPr>
-        <p:spPr>
-          <a:xfrm>
-            <a:off x="982638" y="4735774"/>
-            <a:ext cx="9444251" cy="1477328"/>
-          </a:xfrm>
-          <a:prstGeom prst="rect">
-            <a:avLst/>
-          </a:prstGeom>
-          <a:noFill/>
-        </p:spPr>
-        <p:txBody>
-          <a:bodyPr wrap="square" rtlCol="0">
-            <a:spAutoFit/>
-          </a:bodyPr>
-          <a:lstStyle/>
-          <a:p>
-            <a:r>
-              <a:rPr lang="en-US" sz="2400" dirty="0">
-                <a:solidFill>
-                  <a:srgbClr val="00B0F0"/>
-                </a:solidFill>
-                <a:latin typeface="Comic Sans MS" panose="030F0702030302020204" pitchFamily="66" charset="0"/>
-              </a:rPr>
-              <a:t>To show that f is injective Show that if f (x) = f (y) for arbitrary x, y ∈ A with x = y,</a:t>
-            </a:r>
-          </a:p>
-          <a:p>
-            <a:r>
-              <a:rPr lang="en-US" sz="2400" dirty="0">
-                <a:solidFill>
-                  <a:srgbClr val="00B0F0"/>
-                </a:solidFill>
-                <a:latin typeface="Comic Sans MS" panose="030F0702030302020204" pitchFamily="66" charset="0"/>
-              </a:rPr>
-              <a:t>then x = y.</a:t>
-            </a:r>
-          </a:p>
-          <a:p>
-            <a:endParaRPr lang="en-US" dirty="0"/>
-          </a:p>
-        </p:txBody>
-      </p:sp>
-    </p:spTree>
-    <p:extLst>
-      <p:ext uri="{BB962C8B-B14F-4D97-AF65-F5344CB8AC3E}">
-        <p14:creationId xmlns:p14="http://schemas.microsoft.com/office/powerpoint/2010/main" val="2638209637"/>
-      </p:ext>
-    </p:extLst>
-  </p:cSld>
-  <p:clrMapOvr>
-    <a:masterClrMapping/>
-  </p:clrMapOvr>
-  <p:timing>
-    <p:tnLst>
-      <p:par>
-        <p:cTn id="1" dur="indefinite" restart="never" nodeType="tmRoot"/>
-      </p:par>
-    </p:tnLst>
-  </p:timing>
-</p:sld>
-</file>
-
-<file path=ppt/slides/slide9.xml><?xml version="1.0" encoding="utf-8"?>
-<p:sld xmlns:a="http://schemas.openxmlformats.org/drawingml/2006/main" xmlns:r="http://schemas.openxmlformats.org/officeDocument/2006/relationships" xmlns:p="http://schemas.openxmlformats.org/presentationml/2006/main">
-  <p:cSld>
-    <p:spTree>
-      <p:nvGrpSpPr>
-        <p:cNvPr id="1" name=""/>
-        <p:cNvGrpSpPr/>
-        <p:nvPr/>
-      </p:nvGrpSpPr>
-      <p:grpSpPr>
-        <a:xfrm>
-          <a:off x="0" y="0"/>
-          <a:ext cx="0" cy="0"/>
-          <a:chOff x="0" y="0"/>
-          <a:chExt cx="0" cy="0"/>
-        </a:xfrm>
-      </p:grpSpPr>
-      <p:sp>
-        <p:nvSpPr>
-          <p:cNvPr id="2" name="Title 1">
-            <a:extLst>
-              <a:ext uri="{FF2B5EF4-FFF2-40B4-BE49-F238E27FC236}">
-                <a16:creationId xmlns="" xmlns:a16="http://schemas.microsoft.com/office/drawing/2014/main" id="{64FC46BD-FCD3-4070-A2FE-CF068D21089D}"/>
-              </a:ext>
-            </a:extLst>
-          </p:cNvPr>
-          <p:cNvSpPr>
-            <a:spLocks noGrp="1"/>
-          </p:cNvSpPr>
-          <p:nvPr>
-            <p:ph type="title"/>
-          </p:nvPr>
-        </p:nvSpPr>
-        <p:spPr/>
-        <p:txBody>
-          <a:bodyPr/>
-          <a:lstStyle/>
-          <a:p>
-            <a:r>
-              <a:rPr lang="en-US" dirty="0" smtClean="0">
-                <a:latin typeface="Comic Sans MS" panose="030F0702030302020204" pitchFamily="66" charset="0"/>
-              </a:rPr>
-              <a:t>Onto(Surjective) Functions</a:t>
-            </a:r>
-            <a:endParaRPr lang="en-US" dirty="0">
-              <a:latin typeface="Comic Sans MS" panose="030F0702030302020204" pitchFamily="66" charset="0"/>
-            </a:endParaRPr>
-          </a:p>
-        </p:txBody>
-      </p:sp>
-      <p:sp>
-        <p:nvSpPr>
-          <p:cNvPr id="4" name="Content Placeholder 2">
-            <a:extLst>
-              <a:ext uri="{FF2B5EF4-FFF2-40B4-BE49-F238E27FC236}">
-                <a16:creationId xmlns:mc="http://schemas.openxmlformats.org/markup-compatibility/2006" xmlns:a14="http://schemas.microsoft.com/office/drawing/2010/main" xmlns="" xmlns:a16="http://schemas.microsoft.com/office/drawing/2014/main" id="{8FD3E7E3-6406-4C87-9E06-5BA40AA66E22}"/>
-              </a:ext>
-            </a:extLst>
-          </p:cNvPr>
-          <p:cNvSpPr txBox="1">
-            <a:spLocks/>
-          </p:cNvSpPr>
-          <p:nvPr/>
-        </p:nvSpPr>
-        <p:spPr>
-          <a:xfrm>
-            <a:off x="893617" y="1900234"/>
-            <a:ext cx="10393082" cy="2685414"/>
-          </a:xfrm>
-          <a:prstGeom prst="rect">
-            <a:avLst/>
-          </a:prstGeom>
-        </p:spPr>
-        <p:txBody>
-          <a:bodyPr vert="horz" lIns="91440" tIns="45720" rIns="91440" bIns="45720" rtlCol="0">
-            <a:normAutofit/>
-          </a:bodyPr>
-          <a:lstStyle>
-            <a:lvl1pPr marL="228600" indent="-228600" algn="l" defTabSz="914400" rtl="0" eaLnBrk="1" latinLnBrk="0" hangingPunct="1">
-              <a:lnSpc>
-                <a:spcPct val="90000"/>
-              </a:lnSpc>
-              <a:spcBef>
-                <a:spcPts val="1000"/>
-              </a:spcBef>
-              <a:buFont typeface="Arial" panose="020B0604020202020204" pitchFamily="34" charset="0"/>
-              <a:buChar char="•"/>
-              <a:defRPr sz="2800" kern="1200">
-                <a:solidFill>
-                  <a:schemeClr val="tx1"/>
-                </a:solidFill>
-                <a:latin typeface="+mn-lt"/>
-                <a:ea typeface="+mn-ea"/>
-                <a:cs typeface="+mn-cs"/>
-              </a:defRPr>
-            </a:lvl1pPr>
-            <a:lvl2pPr marL="685800" indent="-228600" algn="l" defTabSz="914400" rtl="0" eaLnBrk="1" latinLnBrk="0" hangingPunct="1">
-              <a:lnSpc>
-                <a:spcPct val="90000"/>
-              </a:lnSpc>
-              <a:spcBef>
-                <a:spcPts val="500"/>
-              </a:spcBef>
-              <a:buFont typeface="Arial" panose="020B0604020202020204" pitchFamily="34" charset="0"/>
-              <a:buChar char="•"/>
-              <a:defRPr sz="2400" kern="1200">
-                <a:solidFill>
-                  <a:schemeClr val="tx1"/>
-                </a:solidFill>
-                <a:latin typeface="+mn-lt"/>
-                <a:ea typeface="+mn-ea"/>
-                <a:cs typeface="+mn-cs"/>
-              </a:defRPr>
-            </a:lvl2pPr>
-            <a:lvl3pPr marL="1143000" indent="-228600" algn="l" defTabSz="914400" rtl="0" eaLnBrk="1" latinLnBrk="0" hangingPunct="1">
-              <a:lnSpc>
-                <a:spcPct val="90000"/>
-              </a:lnSpc>
-              <a:spcBef>
-                <a:spcPts val="500"/>
-              </a:spcBef>
-              <a:buFont typeface="Arial" panose="020B0604020202020204" pitchFamily="34" charset="0"/>
-              <a:buChar char="•"/>
-              <a:defRPr sz="2000" kern="1200">
-                <a:solidFill>
-                  <a:schemeClr val="tx1"/>
-                </a:solidFill>
-                <a:latin typeface="+mn-lt"/>
-                <a:ea typeface="+mn-ea"/>
-                <a:cs typeface="+mn-cs"/>
-              </a:defRPr>
-            </a:lvl3pPr>
-            <a:lvl4pPr marL="1600200" indent="-228600" algn="l" defTabSz="914400" rtl="0" eaLnBrk="1" latinLnBrk="0" hangingPunct="1">
-              <a:lnSpc>
-                <a:spcPct val="90000"/>
-              </a:lnSpc>
-              <a:spcBef>
-                <a:spcPts val="500"/>
-              </a:spcBef>
-              <a:buFont typeface="Arial" panose="020B0604020202020204" pitchFamily="34" charset="0"/>
-              <a:buChar char="•"/>
-              <a:defRPr sz="1800" kern="1200">
-                <a:solidFill>
-                  <a:schemeClr val="tx1"/>
-                </a:solidFill>
-                <a:latin typeface="+mn-lt"/>
-                <a:ea typeface="+mn-ea"/>
-                <a:cs typeface="+mn-cs"/>
-              </a:defRPr>
-            </a:lvl4pPr>
-            <a:lvl5pPr marL="2057400" indent="-228600" algn="l" defTabSz="914400" rtl="0" eaLnBrk="1" latinLnBrk="0" hangingPunct="1">
-              <a:lnSpc>
-                <a:spcPct val="90000"/>
-              </a:lnSpc>
-              <a:spcBef>
-                <a:spcPts val="500"/>
-              </a:spcBef>
-              <a:buFont typeface="Arial" panose="020B0604020202020204" pitchFamily="34" charset="0"/>
-              <a:buChar char="•"/>
-              <a:defRPr sz="1800" kern="1200">
-                <a:solidFill>
-                  <a:schemeClr val="tx1"/>
-                </a:solidFill>
-                <a:latin typeface="+mn-lt"/>
-                <a:ea typeface="+mn-ea"/>
-                <a:cs typeface="+mn-cs"/>
-              </a:defRPr>
-            </a:lvl5pPr>
-            <a:lvl6pPr marL="2514600" indent="-228600" algn="l" defTabSz="914400" rtl="0" eaLnBrk="1" latinLnBrk="0" hangingPunct="1">
-              <a:lnSpc>
-                <a:spcPct val="90000"/>
-              </a:lnSpc>
-              <a:spcBef>
-                <a:spcPts val="500"/>
-              </a:spcBef>
-              <a:buFont typeface="Arial" panose="020B0604020202020204" pitchFamily="34" charset="0"/>
-              <a:buChar char="•"/>
-              <a:defRPr sz="1800" kern="1200">
-                <a:solidFill>
-                  <a:schemeClr val="tx1"/>
-                </a:solidFill>
-                <a:latin typeface="+mn-lt"/>
-                <a:ea typeface="+mn-ea"/>
-                <a:cs typeface="+mn-cs"/>
-              </a:defRPr>
-            </a:lvl6pPr>
-            <a:lvl7pPr marL="2971800" indent="-228600" algn="l" defTabSz="914400" rtl="0" eaLnBrk="1" latinLnBrk="0" hangingPunct="1">
-              <a:lnSpc>
-                <a:spcPct val="90000"/>
-              </a:lnSpc>
-              <a:spcBef>
-                <a:spcPts val="500"/>
-              </a:spcBef>
-              <a:buFont typeface="Arial" panose="020B0604020202020204" pitchFamily="34" charset="0"/>
-              <a:buChar char="•"/>
-              <a:defRPr sz="1800" kern="1200">
-                <a:solidFill>
-                  <a:schemeClr val="tx1"/>
-                </a:solidFill>
-                <a:latin typeface="+mn-lt"/>
-                <a:ea typeface="+mn-ea"/>
-                <a:cs typeface="+mn-cs"/>
-              </a:defRPr>
-            </a:lvl7pPr>
-            <a:lvl8pPr marL="3429000" indent="-228600" algn="l" defTabSz="914400" rtl="0" eaLnBrk="1" latinLnBrk="0" hangingPunct="1">
-              <a:lnSpc>
-                <a:spcPct val="90000"/>
-              </a:lnSpc>
-              <a:spcBef>
-                <a:spcPts val="500"/>
-              </a:spcBef>
-              <a:buFont typeface="Arial" panose="020B0604020202020204" pitchFamily="34" charset="0"/>
-              <a:buChar char="•"/>
-              <a:defRPr sz="1800" kern="1200">
-                <a:solidFill>
-                  <a:schemeClr val="tx1"/>
-                </a:solidFill>
-                <a:latin typeface="+mn-lt"/>
-                <a:ea typeface="+mn-ea"/>
-                <a:cs typeface="+mn-cs"/>
-              </a:defRPr>
-            </a:lvl8pPr>
-            <a:lvl9pPr marL="3886200" indent="-228600" algn="l" defTabSz="914400" rtl="0" eaLnBrk="1" latinLnBrk="0" hangingPunct="1">
-              <a:lnSpc>
-                <a:spcPct val="90000"/>
-              </a:lnSpc>
-              <a:spcBef>
-                <a:spcPts val="500"/>
-              </a:spcBef>
-              <a:buFont typeface="Arial" panose="020B0604020202020204" pitchFamily="34" charset="0"/>
-              <a:buChar char="•"/>
-              <a:defRPr sz="1800" kern="1200">
-                <a:solidFill>
-                  <a:schemeClr val="tx1"/>
-                </a:solidFill>
-                <a:latin typeface="+mn-lt"/>
-                <a:ea typeface="+mn-ea"/>
-                <a:cs typeface="+mn-cs"/>
-              </a:defRPr>
-            </a:lvl9pPr>
-          </a:lstStyle>
-          <a:p>
-            <a:pPr marL="0" indent="0">
-              <a:buNone/>
-            </a:pPr>
-            <a:r>
-              <a:rPr lang="en-US" sz="4000" dirty="0">
-                <a:latin typeface="Comic Sans MS" panose="030F0702030302020204" pitchFamily="66" charset="0"/>
-              </a:rPr>
-              <a:t>A function f from A to B is called </a:t>
-            </a:r>
-            <a:r>
-              <a:rPr lang="en-US" sz="4000" dirty="0" smtClean="0">
-                <a:latin typeface="Comic Sans MS" panose="030F0702030302020204" pitchFamily="66" charset="0"/>
-              </a:rPr>
-              <a:t>onto if </a:t>
-            </a:r>
-            <a:r>
-              <a:rPr lang="en-US" sz="4000" dirty="0">
-                <a:latin typeface="Comic Sans MS" panose="030F0702030302020204" pitchFamily="66" charset="0"/>
-              </a:rPr>
-              <a:t>and only if for every </a:t>
-            </a:r>
-            <a:r>
-              <a:rPr lang="en-US" sz="4000" dirty="0" smtClean="0">
-                <a:latin typeface="Comic Sans MS" panose="030F0702030302020204" pitchFamily="66" charset="0"/>
-              </a:rPr>
-              <a:t>element b </a:t>
-            </a:r>
-            <a:r>
-              <a:rPr lang="en-US" sz="4000" dirty="0">
-                <a:latin typeface="Comic Sans MS" panose="030F0702030302020204" pitchFamily="66" charset="0"/>
-              </a:rPr>
-              <a:t>∈ B there is an element a ∈ A with f (a) = b</a:t>
-            </a:r>
-            <a:r>
-              <a:rPr lang="en-US" sz="4000" dirty="0" smtClean="0">
-                <a:latin typeface="Comic Sans MS" panose="030F0702030302020204" pitchFamily="66" charset="0"/>
-              </a:rPr>
-              <a:t>.</a:t>
-            </a:r>
-          </a:p>
-          <a:p>
-            <a:pPr marL="0" indent="0" algn="ctr">
-              <a:buNone/>
-            </a:pPr>
-            <a:r>
-              <a:rPr lang="en-US" sz="4000" dirty="0">
-                <a:latin typeface="Comic Sans MS" panose="030F0702030302020204" pitchFamily="66" charset="0"/>
-              </a:rPr>
-              <a:t>∀</a:t>
-            </a:r>
-            <a:r>
-              <a:rPr lang="en-US" sz="4000" dirty="0" err="1">
-                <a:latin typeface="Comic Sans MS" panose="030F0702030302020204" pitchFamily="66" charset="0"/>
-              </a:rPr>
-              <a:t>y∃</a:t>
-            </a:r>
-            <a:r>
-              <a:rPr lang="en-US" sz="4000" dirty="0" err="1" smtClean="0">
-                <a:latin typeface="Comic Sans MS" panose="030F0702030302020204" pitchFamily="66" charset="0"/>
-              </a:rPr>
-              <a:t>xf</a:t>
-            </a:r>
-            <a:r>
-              <a:rPr lang="en-US" sz="4000" dirty="0" smtClean="0">
-                <a:latin typeface="Comic Sans MS" panose="030F0702030302020204" pitchFamily="66" charset="0"/>
-              </a:rPr>
-              <a:t> </a:t>
-            </a:r>
-            <a:r>
-              <a:rPr lang="en-US" sz="4000" dirty="0">
-                <a:latin typeface="Comic Sans MS" panose="030F0702030302020204" pitchFamily="66" charset="0"/>
-              </a:rPr>
-              <a:t>(x) = y</a:t>
-            </a:r>
-            <a:endParaRPr lang="en-US" sz="4000" dirty="0" smtClean="0">
-              <a:latin typeface="Comic Sans MS" panose="030F0702030302020204" pitchFamily="66" charset="0"/>
-            </a:endParaRPr>
-          </a:p>
-        </p:txBody>
-      </p:sp>
-    </p:spTree>
-    <p:extLst>
-      <p:ext uri="{BB962C8B-B14F-4D97-AF65-F5344CB8AC3E}">
-        <p14:creationId xmlns:p14="http://schemas.microsoft.com/office/powerpoint/2010/main" val="2477228481"/>
       </p:ext>
     </p:extLst>
   </p:cSld>
